--- a/lectures/week_7/SIFT-lecture.pptx
+++ b/lectures/week_7/SIFT-lecture.pptx
@@ -5,38 +5,39 @@
     <p:sldMasterId id="2147483648" r:id="rId1"/>
   </p:sldMasterIdLst>
   <p:notesMasterIdLst>
-    <p:notesMasterId r:id="rId31"/>
+    <p:notesMasterId r:id="rId32"/>
   </p:notesMasterIdLst>
   <p:sldIdLst>
-    <p:sldId id="256" r:id="rId2"/>
-    <p:sldId id="257" r:id="rId3"/>
+    <p:sldId id="257" r:id="rId2"/>
+    <p:sldId id="289" r:id="rId3"/>
     <p:sldId id="259" r:id="rId4"/>
     <p:sldId id="260" r:id="rId5"/>
     <p:sldId id="261" r:id="rId6"/>
     <p:sldId id="262" r:id="rId7"/>
     <p:sldId id="258" r:id="rId8"/>
-    <p:sldId id="263" r:id="rId9"/>
-    <p:sldId id="264" r:id="rId10"/>
-    <p:sldId id="265" r:id="rId11"/>
-    <p:sldId id="266" r:id="rId12"/>
-    <p:sldId id="267" r:id="rId13"/>
-    <p:sldId id="272" r:id="rId14"/>
-    <p:sldId id="273" r:id="rId15"/>
-    <p:sldId id="274" r:id="rId16"/>
-    <p:sldId id="275" r:id="rId17"/>
-    <p:sldId id="276" r:id="rId18"/>
-    <p:sldId id="277" r:id="rId19"/>
-    <p:sldId id="278" r:id="rId20"/>
-    <p:sldId id="279" r:id="rId21"/>
-    <p:sldId id="280" r:id="rId22"/>
-    <p:sldId id="281" r:id="rId23"/>
-    <p:sldId id="282" r:id="rId24"/>
-    <p:sldId id="283" r:id="rId25"/>
-    <p:sldId id="284" r:id="rId26"/>
-    <p:sldId id="285" r:id="rId27"/>
-    <p:sldId id="286" r:id="rId28"/>
-    <p:sldId id="287" r:id="rId29"/>
-    <p:sldId id="288" r:id="rId30"/>
+    <p:sldId id="290" r:id="rId9"/>
+    <p:sldId id="291" r:id="rId10"/>
+    <p:sldId id="292" r:id="rId11"/>
+    <p:sldId id="263" r:id="rId12"/>
+    <p:sldId id="264" r:id="rId13"/>
+    <p:sldId id="265" r:id="rId14"/>
+    <p:sldId id="266" r:id="rId15"/>
+    <p:sldId id="267" r:id="rId16"/>
+    <p:sldId id="272" r:id="rId17"/>
+    <p:sldId id="273" r:id="rId18"/>
+    <p:sldId id="275" r:id="rId19"/>
+    <p:sldId id="276" r:id="rId20"/>
+    <p:sldId id="277" r:id="rId21"/>
+    <p:sldId id="278" r:id="rId22"/>
+    <p:sldId id="279" r:id="rId23"/>
+    <p:sldId id="281" r:id="rId24"/>
+    <p:sldId id="284" r:id="rId25"/>
+    <p:sldId id="283" r:id="rId26"/>
+    <p:sldId id="280" r:id="rId27"/>
+    <p:sldId id="285" r:id="rId28"/>
+    <p:sldId id="286" r:id="rId29"/>
+    <p:sldId id="287" r:id="rId30"/>
+    <p:sldId id="288" r:id="rId31"/>
   </p:sldIdLst>
   <p:sldSz cx="9144000" cy="6858000" type="screen4x3"/>
   <p:notesSz cx="6858000" cy="9144000"/>
@@ -220,7 +221,7 @@
           <a:p>
             <a:fld id="{03ACDD16-1D81-4DF2-8765-A416476DB2B6}" type="datetimeFigureOut">
               <a:rPr lang="en-US" smtClean="0"/>
-              <a:t>1/3/2014</a:t>
+              <a:t>3/2/2017</a:t>
             </a:fld>
             <a:endParaRPr lang="en-US"/>
           </a:p>
@@ -507,49 +508,9 @@
       </p:grpSpPr>
       <p:sp>
         <p:nvSpPr>
-          <p:cNvPr id="7" name="Rectangle 7"/>
+          <p:cNvPr id="2" name="Notes Placeholder"/>
           <p:cNvSpPr>
-            <a:spLocks noGrp="1" noChangeArrowheads="1"/>
-          </p:cNvSpPr>
-          <p:nvPr>
-            <p:ph type="sldNum" sz="quarter" idx="5"/>
-          </p:nvPr>
-        </p:nvSpPr>
-        <p:spPr>
-          <a:ln/>
-        </p:spPr>
-        <p:txBody>
-          <a:bodyPr/>
-          <a:lstStyle/>
-          <a:p>
-            <a:fld id="{DA04342A-8AB6-4805-A1A0-DFFDEE3DEA8B}" type="slidenum">
-              <a:rPr lang="en-US" altLang="en-US"/>
-              <a:pPr/>
-              <a:t>8</a:t>
-            </a:fld>
-            <a:endParaRPr lang="en-US" altLang="en-US"/>
-          </a:p>
-        </p:txBody>
-      </p:sp>
-      <p:sp>
-        <p:nvSpPr>
-          <p:cNvPr id="31746" name="Rectangle 2"/>
-          <p:cNvSpPr>
-            <a:spLocks noGrp="1" noRot="1" noChangeAspect="1" noChangeArrowheads="1" noTextEdit="1"/>
-          </p:cNvSpPr>
-          <p:nvPr>
-            <p:ph type="sldImg"/>
-          </p:nvPr>
-        </p:nvSpPr>
-        <p:spPr>
-          <a:ln/>
-        </p:spPr>
-      </p:sp>
-      <p:sp>
-        <p:nvSpPr>
-          <p:cNvPr id="31747" name="Rectangle 3"/>
-          <p:cNvSpPr>
-            <a:spLocks noGrp="1" noChangeArrowheads="1"/>
+            <a:spLocks noGrp="1"/>
           </p:cNvSpPr>
           <p:nvPr>
             <p:ph type="body" idx="1"/>
@@ -557,10 +518,12 @@
         </p:nvSpPr>
         <p:spPr/>
         <p:txBody>
-          <a:bodyPr/>
+          <a:bodyPr>
+            <a:normAutofit/>
+          </a:bodyPr>
           <a:lstStyle/>
           <a:p>
-            <a:endParaRPr lang="en-US" altLang="en-US"/>
+            <a:endParaRPr/>
           </a:p>
         </p:txBody>
       </p:sp>
@@ -591,6 +554,98 @@
       </p:grpSpPr>
       <p:sp>
         <p:nvSpPr>
+          <p:cNvPr id="2" name="Notes Placeholder"/>
+          <p:cNvSpPr>
+            <a:spLocks noGrp="1"/>
+          </p:cNvSpPr>
+          <p:nvPr>
+            <p:ph type="body" idx="1"/>
+          </p:nvPr>
+        </p:nvSpPr>
+        <p:spPr/>
+        <p:txBody>
+          <a:bodyPr>
+            <a:normAutofit/>
+          </a:bodyPr>
+          <a:lstStyle/>
+          <a:p>
+            <a:endParaRPr/>
+          </a:p>
+        </p:txBody>
+      </p:sp>
+    </p:spTree>
+  </p:cSld>
+  <p:clrMapOvr>
+    <a:masterClrMapping/>
+  </p:clrMapOvr>
+</p:notes>
+</file>
+
+<file path=ppt/notesSlides/notesSlide3.xml><?xml version="1.0" encoding="utf-8"?>
+<p:notes xmlns:a="http://schemas.openxmlformats.org/drawingml/2006/main" xmlns:r="http://schemas.openxmlformats.org/officeDocument/2006/relationships" xmlns:p="http://schemas.openxmlformats.org/presentationml/2006/main">
+  <p:cSld>
+    <p:spTree>
+      <p:nvGrpSpPr>
+        <p:cNvPr id="1" name=""/>
+        <p:cNvGrpSpPr/>
+        <p:nvPr/>
+      </p:nvGrpSpPr>
+      <p:grpSpPr>
+        <a:xfrm>
+          <a:off x="0" y="0"/>
+          <a:ext cx="0" cy="0"/>
+          <a:chOff x="0" y="0"/>
+          <a:chExt cx="0" cy="0"/>
+        </a:xfrm>
+      </p:grpSpPr>
+      <p:sp>
+        <p:nvSpPr>
+          <p:cNvPr id="2" name="Notes Placeholder"/>
+          <p:cNvSpPr>
+            <a:spLocks noGrp="1"/>
+          </p:cNvSpPr>
+          <p:nvPr>
+            <p:ph type="body" idx="1"/>
+          </p:nvPr>
+        </p:nvSpPr>
+        <p:spPr/>
+        <p:txBody>
+          <a:bodyPr>
+            <a:normAutofit/>
+          </a:bodyPr>
+          <a:lstStyle/>
+          <a:p>
+            <a:endParaRPr/>
+          </a:p>
+        </p:txBody>
+      </p:sp>
+    </p:spTree>
+  </p:cSld>
+  <p:clrMapOvr>
+    <a:masterClrMapping/>
+  </p:clrMapOvr>
+</p:notes>
+</file>
+
+<file path=ppt/notesSlides/notesSlide4.xml><?xml version="1.0" encoding="utf-8"?>
+<p:notes xmlns:a="http://schemas.openxmlformats.org/drawingml/2006/main" xmlns:r="http://schemas.openxmlformats.org/officeDocument/2006/relationships" xmlns:p="http://schemas.openxmlformats.org/presentationml/2006/main">
+  <p:cSld>
+    <p:spTree>
+      <p:nvGrpSpPr>
+        <p:cNvPr id="1" name=""/>
+        <p:cNvGrpSpPr/>
+        <p:nvPr/>
+      </p:nvGrpSpPr>
+      <p:grpSpPr>
+        <a:xfrm>
+          <a:off x="0" y="0"/>
+          <a:ext cx="0" cy="0"/>
+          <a:chOff x="0" y="0"/>
+          <a:chExt cx="0" cy="0"/>
+        </a:xfrm>
+      </p:grpSpPr>
+      <p:sp>
+        <p:nvSpPr>
           <p:cNvPr id="7" name="Rectangle 7"/>
           <p:cNvSpPr>
             <a:spLocks noGrp="1" noChangeArrowheads="1"/>
@@ -606,10 +661,94 @@
           <a:bodyPr/>
           <a:lstStyle/>
           <a:p>
+            <a:fld id="{DA04342A-8AB6-4805-A1A0-DFFDEE3DEA8B}" type="slidenum">
+              <a:rPr lang="en-US" altLang="en-US"/>
+              <a:pPr/>
+              <a:t>11</a:t>
+            </a:fld>
+            <a:endParaRPr lang="en-US" altLang="en-US"/>
+          </a:p>
+        </p:txBody>
+      </p:sp>
+      <p:sp>
+        <p:nvSpPr>
+          <p:cNvPr id="31746" name="Rectangle 2"/>
+          <p:cNvSpPr>
+            <a:spLocks noGrp="1" noRot="1" noChangeAspect="1" noChangeArrowheads="1" noTextEdit="1"/>
+          </p:cNvSpPr>
+          <p:nvPr>
+            <p:ph type="sldImg"/>
+          </p:nvPr>
+        </p:nvSpPr>
+        <p:spPr>
+          <a:ln/>
+        </p:spPr>
+      </p:sp>
+      <p:sp>
+        <p:nvSpPr>
+          <p:cNvPr id="31747" name="Rectangle 3"/>
+          <p:cNvSpPr>
+            <a:spLocks noGrp="1" noChangeArrowheads="1"/>
+          </p:cNvSpPr>
+          <p:nvPr>
+            <p:ph type="body" idx="1"/>
+          </p:nvPr>
+        </p:nvSpPr>
+        <p:spPr/>
+        <p:txBody>
+          <a:bodyPr/>
+          <a:lstStyle/>
+          <a:p>
+            <a:endParaRPr lang="en-US" altLang="en-US"/>
+          </a:p>
+        </p:txBody>
+      </p:sp>
+    </p:spTree>
+  </p:cSld>
+  <p:clrMapOvr>
+    <a:masterClrMapping/>
+  </p:clrMapOvr>
+</p:notes>
+</file>
+
+<file path=ppt/notesSlides/notesSlide5.xml><?xml version="1.0" encoding="utf-8"?>
+<p:notes xmlns:a="http://schemas.openxmlformats.org/drawingml/2006/main" xmlns:r="http://schemas.openxmlformats.org/officeDocument/2006/relationships" xmlns:p="http://schemas.openxmlformats.org/presentationml/2006/main">
+  <p:cSld>
+    <p:spTree>
+      <p:nvGrpSpPr>
+        <p:cNvPr id="1" name=""/>
+        <p:cNvGrpSpPr/>
+        <p:nvPr/>
+      </p:nvGrpSpPr>
+      <p:grpSpPr>
+        <a:xfrm>
+          <a:off x="0" y="0"/>
+          <a:ext cx="0" cy="0"/>
+          <a:chOff x="0" y="0"/>
+          <a:chExt cx="0" cy="0"/>
+        </a:xfrm>
+      </p:grpSpPr>
+      <p:sp>
+        <p:nvSpPr>
+          <p:cNvPr id="7" name="Rectangle 7"/>
+          <p:cNvSpPr>
+            <a:spLocks noGrp="1" noChangeArrowheads="1"/>
+          </p:cNvSpPr>
+          <p:nvPr>
+            <p:ph type="sldNum" sz="quarter" idx="5"/>
+          </p:nvPr>
+        </p:nvSpPr>
+        <p:spPr>
+          <a:ln/>
+        </p:spPr>
+        <p:txBody>
+          <a:bodyPr/>
+          <a:lstStyle/>
+          <a:p>
             <a:fld id="{5F149A26-8384-4BFA-ADAC-9B239F888B63}" type="slidenum">
               <a:rPr lang="en-US" altLang="en-US"/>
               <a:pPr/>
-              <a:t>9</a:t>
+              <a:t>12</a:t>
             </a:fld>
             <a:endParaRPr lang="en-US" altLang="en-US"/>
           </a:p>
@@ -837,7 +976,7 @@
           <a:p>
             <a:fld id="{0F256DC5-4D44-4569-A0AA-70B636807DE9}" type="datetimeFigureOut">
               <a:rPr lang="en-US" smtClean="0"/>
-              <a:t>1/3/2014</a:t>
+              <a:t>3/2/2017</a:t>
             </a:fld>
             <a:endParaRPr lang="en-US"/>
           </a:p>
@@ -1007,7 +1146,7 @@
           <a:p>
             <a:fld id="{0F256DC5-4D44-4569-A0AA-70B636807DE9}" type="datetimeFigureOut">
               <a:rPr lang="en-US" smtClean="0"/>
-              <a:t>1/3/2014</a:t>
+              <a:t>3/2/2017</a:t>
             </a:fld>
             <a:endParaRPr lang="en-US"/>
           </a:p>
@@ -1187,7 +1326,7 @@
           <a:p>
             <a:fld id="{0F256DC5-4D44-4569-A0AA-70B636807DE9}" type="datetimeFigureOut">
               <a:rPr lang="en-US" smtClean="0"/>
-              <a:t>1/3/2014</a:t>
+              <a:t>3/2/2017</a:t>
             </a:fld>
             <a:endParaRPr lang="en-US"/>
           </a:p>
@@ -1626,7 +1765,7 @@
           <a:p>
             <a:fld id="{0F256DC5-4D44-4569-A0AA-70B636807DE9}" type="datetimeFigureOut">
               <a:rPr lang="en-US" smtClean="0"/>
-              <a:t>1/3/2014</a:t>
+              <a:t>3/2/2017</a:t>
             </a:fld>
             <a:endParaRPr lang="en-US"/>
           </a:p>
@@ -1872,7 +2011,7 @@
           <a:p>
             <a:fld id="{0F256DC5-4D44-4569-A0AA-70B636807DE9}" type="datetimeFigureOut">
               <a:rPr lang="en-US" smtClean="0"/>
-              <a:t>1/3/2014</a:t>
+              <a:t>3/2/2017</a:t>
             </a:fld>
             <a:endParaRPr lang="en-US"/>
           </a:p>
@@ -2160,7 +2299,7 @@
           <a:p>
             <a:fld id="{0F256DC5-4D44-4569-A0AA-70B636807DE9}" type="datetimeFigureOut">
               <a:rPr lang="en-US" smtClean="0"/>
-              <a:t>1/3/2014</a:t>
+              <a:t>3/2/2017</a:t>
             </a:fld>
             <a:endParaRPr lang="en-US"/>
           </a:p>
@@ -2582,7 +2721,7 @@
           <a:p>
             <a:fld id="{0F256DC5-4D44-4569-A0AA-70B636807DE9}" type="datetimeFigureOut">
               <a:rPr lang="en-US" smtClean="0"/>
-              <a:t>1/3/2014</a:t>
+              <a:t>3/2/2017</a:t>
             </a:fld>
             <a:endParaRPr lang="en-US"/>
           </a:p>
@@ -2700,7 +2839,7 @@
           <a:p>
             <a:fld id="{0F256DC5-4D44-4569-A0AA-70B636807DE9}" type="datetimeFigureOut">
               <a:rPr lang="en-US" smtClean="0"/>
-              <a:t>1/3/2014</a:t>
+              <a:t>3/2/2017</a:t>
             </a:fld>
             <a:endParaRPr lang="en-US"/>
           </a:p>
@@ -2795,7 +2934,7 @@
           <a:p>
             <a:fld id="{0F256DC5-4D44-4569-A0AA-70B636807DE9}" type="datetimeFigureOut">
               <a:rPr lang="en-US" smtClean="0"/>
-              <a:t>1/3/2014</a:t>
+              <a:t>3/2/2017</a:t>
             </a:fld>
             <a:endParaRPr lang="en-US"/>
           </a:p>
@@ -3072,7 +3211,7 @@
           <a:p>
             <a:fld id="{0F256DC5-4D44-4569-A0AA-70B636807DE9}" type="datetimeFigureOut">
               <a:rPr lang="en-US" smtClean="0"/>
-              <a:t>1/3/2014</a:t>
+              <a:t>3/2/2017</a:t>
             </a:fld>
             <a:endParaRPr lang="en-US"/>
           </a:p>
@@ -3325,7 +3464,7 @@
           <a:p>
             <a:fld id="{0F256DC5-4D44-4569-A0AA-70B636807DE9}" type="datetimeFigureOut">
               <a:rPr lang="en-US" smtClean="0"/>
-              <a:t>1/3/2014</a:t>
+              <a:t>3/2/2017</a:t>
             </a:fld>
             <a:endParaRPr lang="en-US"/>
           </a:p>
@@ -3538,7 +3677,7 @@
           <a:p>
             <a:fld id="{0F256DC5-4D44-4569-A0AA-70B636807DE9}" type="datetimeFigureOut">
               <a:rPr lang="en-US" smtClean="0"/>
-              <a:t>1/3/2014</a:t>
+              <a:t>3/2/2017</a:t>
             </a:fld>
             <a:endParaRPr lang="en-US"/>
           </a:p>
@@ -3921,7 +4060,7 @@
             <a:spLocks noGrp="1"/>
           </p:cNvSpPr>
           <p:nvPr>
-            <p:ph type="ctrTitle"/>
+            <p:ph type="title"/>
           </p:nvPr>
         </p:nvSpPr>
         <p:spPr/>
@@ -3939,12 +4078,12 @@
       </p:sp>
       <p:sp>
         <p:nvSpPr>
-          <p:cNvPr id="3" name="Subtitle 2"/>
+          <p:cNvPr id="3" name="Content Placeholder 2"/>
           <p:cNvSpPr>
             <a:spLocks noGrp="1"/>
           </p:cNvSpPr>
           <p:nvPr>
-            <p:ph type="subTitle" idx="1"/>
+            <p:ph idx="1"/>
           </p:nvPr>
         </p:nvSpPr>
         <p:spPr/>
@@ -3952,20 +4091,747 @@
           <a:bodyPr/>
           <a:lstStyle/>
           <a:p>
-            <a:endParaRPr lang="en-US" dirty="0"/>
+            <a:pPr>
+              <a:lnSpc>
+                <a:spcPct val="90000"/>
+              </a:lnSpc>
+            </a:pPr>
+            <a:r>
+              <a:rPr lang="en-US" altLang="ko-KR" sz="2800" b="1" dirty="0" smtClean="0">
+                <a:solidFill>
+                  <a:srgbClr val="FF0000"/>
+                </a:solidFill>
+                <a:ea typeface="굴림" pitchFamily="34" charset="-127"/>
+              </a:rPr>
+              <a:t>S</a:t>
+            </a:r>
+            <a:r>
+              <a:rPr lang="en-US" altLang="ko-KR" sz="2800" dirty="0" smtClean="0">
+                <a:ea typeface="굴림" pitchFamily="34" charset="-127"/>
+              </a:rPr>
+              <a:t>cale-</a:t>
+            </a:r>
+            <a:r>
+              <a:rPr lang="en-US" altLang="ko-KR" sz="2800" b="1" dirty="0" smtClean="0">
+                <a:solidFill>
+                  <a:srgbClr val="FF0000"/>
+                </a:solidFill>
+                <a:ea typeface="굴림" pitchFamily="34" charset="-127"/>
+              </a:rPr>
+              <a:t>I</a:t>
+            </a:r>
+            <a:r>
+              <a:rPr lang="en-US" altLang="ko-KR" sz="2800" dirty="0" smtClean="0">
+                <a:ea typeface="굴림" pitchFamily="34" charset="-127"/>
+              </a:rPr>
+              <a:t>nvariant </a:t>
+            </a:r>
+            <a:r>
+              <a:rPr lang="en-US" altLang="ko-KR" sz="2800" b="1" dirty="0" smtClean="0">
+                <a:solidFill>
+                  <a:srgbClr val="FF0000"/>
+                </a:solidFill>
+                <a:ea typeface="굴림" pitchFamily="34" charset="-127"/>
+              </a:rPr>
+              <a:t>F</a:t>
+            </a:r>
+            <a:r>
+              <a:rPr lang="en-US" altLang="ko-KR" sz="2800" dirty="0" smtClean="0">
+                <a:ea typeface="굴림" pitchFamily="34" charset="-127"/>
+              </a:rPr>
+              <a:t>eature </a:t>
+            </a:r>
+            <a:r>
+              <a:rPr lang="en-US" altLang="ko-KR" sz="2800" b="1" dirty="0" smtClean="0">
+                <a:solidFill>
+                  <a:srgbClr val="FF0000"/>
+                </a:solidFill>
+                <a:ea typeface="굴림" pitchFamily="34" charset="-127"/>
+              </a:rPr>
+              <a:t>T</a:t>
+            </a:r>
+            <a:r>
+              <a:rPr lang="en-US" altLang="ko-KR" sz="2800" dirty="0" smtClean="0">
+                <a:ea typeface="굴림" pitchFamily="34" charset="-127"/>
+              </a:rPr>
+              <a:t>ransform</a:t>
+            </a:r>
+          </a:p>
+          <a:p>
+            <a:pPr>
+              <a:lnSpc>
+                <a:spcPct val="90000"/>
+              </a:lnSpc>
+            </a:pPr>
+            <a:r>
+              <a:rPr lang="en-US" altLang="ko-KR" sz="2800" dirty="0" smtClean="0">
+                <a:ea typeface="굴림" pitchFamily="34" charset="-127"/>
+              </a:rPr>
+              <a:t>David Lowe</a:t>
+            </a:r>
+          </a:p>
+          <a:p>
+            <a:pPr>
+              <a:lnSpc>
+                <a:spcPct val="90000"/>
+              </a:lnSpc>
+            </a:pPr>
+            <a:r>
+              <a:rPr lang="en-US" altLang="ko-KR" sz="2800" dirty="0" smtClean="0">
+                <a:ea typeface="굴림" pitchFamily="34" charset="-127"/>
+              </a:rPr>
+              <a:t>Scale/rotation invariant</a:t>
+            </a:r>
+          </a:p>
+          <a:p>
+            <a:pPr>
+              <a:lnSpc>
+                <a:spcPct val="90000"/>
+              </a:lnSpc>
+            </a:pPr>
+            <a:r>
+              <a:rPr lang="en-US" altLang="ko-KR" sz="2800" dirty="0" smtClean="0">
+                <a:ea typeface="굴림" pitchFamily="34" charset="-127"/>
+              </a:rPr>
+              <a:t>Best known </a:t>
+            </a:r>
+            <a:r>
+              <a:rPr lang="en-US" altLang="ko-KR" sz="2800" dirty="0" smtClean="0">
+                <a:ea typeface="굴림" pitchFamily="34" charset="-127"/>
+              </a:rPr>
+              <a:t>feature descriptor</a:t>
+            </a:r>
+          </a:p>
+          <a:p>
+            <a:pPr>
+              <a:lnSpc>
+                <a:spcPct val="90000"/>
+              </a:lnSpc>
+            </a:pPr>
+            <a:r>
+              <a:rPr lang="en-US" altLang="ko-KR" sz="2800" dirty="0">
+                <a:ea typeface="굴림" pitchFamily="34" charset="-127"/>
+              </a:rPr>
+              <a:t>A</a:t>
+            </a:r>
+            <a:r>
+              <a:rPr lang="en-US" altLang="ko-KR" sz="2800" dirty="0" smtClean="0">
+                <a:ea typeface="굴림" pitchFamily="34" charset="-127"/>
+              </a:rPr>
+              <a:t>pplications</a:t>
+            </a:r>
+          </a:p>
+          <a:p>
+            <a:pPr lvl="1">
+              <a:lnSpc>
+                <a:spcPct val="90000"/>
+              </a:lnSpc>
+            </a:pPr>
+            <a:r>
+              <a:rPr lang="en-US" altLang="ko-KR" sz="2400" dirty="0" smtClean="0">
+                <a:ea typeface="굴림" pitchFamily="34" charset="-127"/>
+              </a:rPr>
+              <a:t>Object recognition, Robot localization</a:t>
+            </a:r>
+          </a:p>
+        </p:txBody>
+      </p:sp>
+      <p:sp>
+        <p:nvSpPr>
+          <p:cNvPr id="4" name="Rectangle 3"/>
+          <p:cNvSpPr/>
+          <p:nvPr/>
+        </p:nvSpPr>
+        <p:spPr>
+          <a:xfrm>
+            <a:off x="609600" y="5257800"/>
+            <a:ext cx="8001000" cy="640816"/>
+          </a:xfrm>
+          <a:prstGeom prst="rect">
+            <a:avLst/>
+          </a:prstGeom>
+        </p:spPr>
+        <p:txBody>
+          <a:bodyPr wrap="square">
+            <a:spAutoFit/>
+          </a:bodyPr>
+          <a:lstStyle/>
+          <a:p>
+            <a:pPr marL="11391" marR="4559">
+              <a:lnSpc>
+                <a:spcPct val="99000"/>
+              </a:lnSpc>
+            </a:pPr>
+            <a:r>
+              <a:rPr lang="en-US" dirty="0">
+                <a:latin typeface="Tahoma"/>
+                <a:cs typeface="Tahoma"/>
+              </a:rPr>
+              <a:t>D</a:t>
+            </a:r>
+            <a:r>
+              <a:rPr lang="en-US" spc="-9" dirty="0">
+                <a:latin typeface="Tahoma"/>
+                <a:cs typeface="Tahoma"/>
+              </a:rPr>
+              <a:t>istincti</a:t>
+            </a:r>
+            <a:r>
+              <a:rPr lang="en-US" spc="-4" dirty="0">
+                <a:latin typeface="Tahoma"/>
+                <a:cs typeface="Tahoma"/>
+              </a:rPr>
+              <a:t>v</a:t>
+            </a:r>
+            <a:r>
+              <a:rPr lang="en-US" dirty="0">
+                <a:latin typeface="Tahoma"/>
+                <a:cs typeface="Tahoma"/>
+              </a:rPr>
+              <a:t>e</a:t>
+            </a:r>
+            <a:r>
+              <a:rPr lang="en-US" spc="-4" dirty="0">
+                <a:latin typeface="Tahoma"/>
+                <a:cs typeface="Tahoma"/>
+              </a:rPr>
+              <a:t> </a:t>
+            </a:r>
+            <a:r>
+              <a:rPr lang="en-US" spc="-9" dirty="0">
+                <a:latin typeface="Tahoma"/>
+                <a:cs typeface="Tahoma"/>
+              </a:rPr>
+              <a:t>i</a:t>
+            </a:r>
+            <a:r>
+              <a:rPr lang="en-US" spc="-27" dirty="0">
+                <a:latin typeface="Tahoma"/>
+                <a:cs typeface="Tahoma"/>
+              </a:rPr>
+              <a:t>m</a:t>
+            </a:r>
+            <a:r>
+              <a:rPr lang="en-US" spc="-13" dirty="0">
+                <a:latin typeface="Tahoma"/>
+                <a:cs typeface="Tahoma"/>
+              </a:rPr>
+              <a:t>ag</a:t>
+            </a:r>
+            <a:r>
+              <a:rPr lang="en-US" dirty="0">
+                <a:latin typeface="Tahoma"/>
+                <a:cs typeface="Tahoma"/>
+              </a:rPr>
+              <a:t>e</a:t>
+            </a:r>
+            <a:r>
+              <a:rPr lang="en-US" spc="-4" dirty="0">
+                <a:latin typeface="Tahoma"/>
+                <a:cs typeface="Tahoma"/>
+              </a:rPr>
+              <a:t> </a:t>
+            </a:r>
+            <a:r>
+              <a:rPr lang="en-US" dirty="0">
+                <a:latin typeface="Tahoma"/>
+                <a:cs typeface="Tahoma"/>
+              </a:rPr>
+              <a:t>fe</a:t>
+            </a:r>
+            <a:r>
+              <a:rPr lang="en-US" spc="-13" dirty="0">
+                <a:latin typeface="Tahoma"/>
+                <a:cs typeface="Tahoma"/>
+              </a:rPr>
+              <a:t>a</a:t>
+            </a:r>
+            <a:r>
+              <a:rPr lang="en-US" dirty="0">
+                <a:latin typeface="Tahoma"/>
+                <a:cs typeface="Tahoma"/>
+              </a:rPr>
+              <a:t>t</a:t>
+            </a:r>
+            <a:r>
+              <a:rPr lang="en-US" spc="-13" dirty="0">
+                <a:latin typeface="Tahoma"/>
+                <a:cs typeface="Tahoma"/>
+              </a:rPr>
+              <a:t>u</a:t>
+            </a:r>
+            <a:r>
+              <a:rPr lang="en-US" dirty="0">
+                <a:latin typeface="Tahoma"/>
+                <a:cs typeface="Tahoma"/>
+              </a:rPr>
+              <a:t>res</a:t>
+            </a:r>
+            <a:r>
+              <a:rPr lang="en-US" spc="-4" dirty="0">
+                <a:latin typeface="Tahoma"/>
+                <a:cs typeface="Tahoma"/>
+              </a:rPr>
+              <a:t> </a:t>
+            </a:r>
+            <a:r>
+              <a:rPr lang="en-US" dirty="0">
+                <a:latin typeface="Tahoma"/>
+                <a:cs typeface="Tahoma"/>
+              </a:rPr>
+              <a:t>fr</a:t>
+            </a:r>
+            <a:r>
+              <a:rPr lang="en-US" spc="-18" dirty="0">
+                <a:latin typeface="Tahoma"/>
+                <a:cs typeface="Tahoma"/>
+              </a:rPr>
+              <a:t>om</a:t>
+            </a:r>
+            <a:r>
+              <a:rPr lang="en-US" spc="-4" dirty="0">
+                <a:latin typeface="Tahoma"/>
+                <a:cs typeface="Tahoma"/>
+              </a:rPr>
+              <a:t> </a:t>
+            </a:r>
+            <a:r>
+              <a:rPr lang="en-US" dirty="0">
+                <a:latin typeface="Tahoma"/>
+                <a:cs typeface="Tahoma"/>
+              </a:rPr>
+              <a:t>sc</a:t>
+            </a:r>
+            <a:r>
+              <a:rPr lang="en-US" spc="-9" dirty="0">
+                <a:latin typeface="Tahoma"/>
+                <a:cs typeface="Tahoma"/>
+              </a:rPr>
+              <a:t>al</a:t>
+            </a:r>
+            <a:r>
+              <a:rPr lang="en-US" dirty="0">
+                <a:latin typeface="Tahoma"/>
+                <a:cs typeface="Tahoma"/>
+              </a:rPr>
+              <a:t>e-</a:t>
+            </a:r>
+            <a:r>
+              <a:rPr lang="en-US" spc="-9" dirty="0">
+                <a:latin typeface="Tahoma"/>
+                <a:cs typeface="Tahoma"/>
+              </a:rPr>
+              <a:t>in</a:t>
+            </a:r>
+            <a:r>
+              <a:rPr lang="en-US" spc="-18" dirty="0">
+                <a:latin typeface="Tahoma"/>
+                <a:cs typeface="Tahoma"/>
+              </a:rPr>
+              <a:t>v</a:t>
+            </a:r>
+            <a:r>
+              <a:rPr lang="en-US" spc="-13" dirty="0">
+                <a:latin typeface="Tahoma"/>
+                <a:cs typeface="Tahoma"/>
+              </a:rPr>
+              <a:t>a</a:t>
+            </a:r>
+            <a:r>
+              <a:rPr lang="en-US" dirty="0">
+                <a:latin typeface="Tahoma"/>
+                <a:cs typeface="Tahoma"/>
+              </a:rPr>
+              <a:t>r</a:t>
+            </a:r>
+            <a:r>
+              <a:rPr lang="en-US" spc="-13" dirty="0">
+                <a:latin typeface="Tahoma"/>
+                <a:cs typeface="Tahoma"/>
+              </a:rPr>
+              <a:t>ian</a:t>
+            </a:r>
+            <a:r>
+              <a:rPr lang="en-US" dirty="0">
+                <a:latin typeface="Tahoma"/>
+                <a:cs typeface="Tahoma"/>
+              </a:rPr>
+              <a:t>t </a:t>
+            </a:r>
+            <a:r>
+              <a:rPr lang="en-US" spc="-4" dirty="0" err="1">
+                <a:latin typeface="Tahoma"/>
+                <a:cs typeface="Tahoma"/>
+              </a:rPr>
+              <a:t>k</a:t>
+            </a:r>
+            <a:r>
+              <a:rPr lang="en-US" dirty="0" err="1">
+                <a:latin typeface="Tahoma"/>
+                <a:cs typeface="Tahoma"/>
+              </a:rPr>
+              <a:t>e</a:t>
+            </a:r>
+            <a:r>
+              <a:rPr lang="en-US" spc="-18" dirty="0" err="1">
+                <a:latin typeface="Tahoma"/>
+                <a:cs typeface="Tahoma"/>
+              </a:rPr>
+              <a:t>y</a:t>
+            </a:r>
+            <a:r>
+              <a:rPr lang="en-US" spc="-13" dirty="0" err="1">
+                <a:latin typeface="Tahoma"/>
+                <a:cs typeface="Tahoma"/>
+              </a:rPr>
+              <a:t>poin</a:t>
+            </a:r>
+            <a:r>
+              <a:rPr lang="en-US" dirty="0" err="1">
+                <a:latin typeface="Tahoma"/>
+                <a:cs typeface="Tahoma"/>
+              </a:rPr>
+              <a:t>ts</a:t>
+            </a:r>
+            <a:r>
+              <a:rPr lang="en-US" spc="-9" dirty="0">
+                <a:latin typeface="Tahoma"/>
+                <a:cs typeface="Tahoma"/>
+              </a:rPr>
+              <a:t>.</a:t>
+            </a:r>
+            <a:r>
+              <a:rPr lang="en-US" spc="-4" dirty="0">
+                <a:latin typeface="Tahoma"/>
+                <a:cs typeface="Tahoma"/>
+              </a:rPr>
+              <a:t> </a:t>
+            </a:r>
+            <a:r>
+              <a:rPr lang="en-US" dirty="0">
+                <a:latin typeface="Tahoma"/>
+                <a:cs typeface="Tahoma"/>
+              </a:rPr>
+              <a:t>D</a:t>
+            </a:r>
+            <a:r>
+              <a:rPr lang="en-US" spc="-13" dirty="0">
+                <a:latin typeface="Tahoma"/>
+                <a:cs typeface="Tahoma"/>
+              </a:rPr>
+              <a:t>a</a:t>
+            </a:r>
+            <a:r>
+              <a:rPr lang="en-US" spc="-18" dirty="0">
+                <a:latin typeface="Tahoma"/>
+                <a:cs typeface="Tahoma"/>
+              </a:rPr>
+              <a:t>v</a:t>
+            </a:r>
+            <a:r>
+              <a:rPr lang="en-US" spc="-9" dirty="0">
+                <a:latin typeface="Tahoma"/>
+                <a:cs typeface="Tahoma"/>
+              </a:rPr>
+              <a:t>id</a:t>
+            </a:r>
+            <a:r>
+              <a:rPr lang="en-US" spc="-4" dirty="0">
+                <a:latin typeface="Tahoma"/>
+                <a:cs typeface="Tahoma"/>
+              </a:rPr>
+              <a:t> </a:t>
+            </a:r>
+            <a:r>
+              <a:rPr lang="en-US" dirty="0">
+                <a:latin typeface="Tahoma"/>
+                <a:cs typeface="Tahoma"/>
+              </a:rPr>
+              <a:t>G</a:t>
+            </a:r>
+            <a:r>
+              <a:rPr lang="en-US" spc="-9" dirty="0">
+                <a:latin typeface="Tahoma"/>
+                <a:cs typeface="Tahoma"/>
+              </a:rPr>
+              <a:t>.</a:t>
+            </a:r>
+            <a:r>
+              <a:rPr lang="en-US" spc="-4" dirty="0">
+                <a:latin typeface="Tahoma"/>
+                <a:cs typeface="Tahoma"/>
+              </a:rPr>
+              <a:t> </a:t>
+            </a:r>
+            <a:r>
+              <a:rPr lang="en-US" spc="-13" dirty="0">
+                <a:latin typeface="Tahoma"/>
+                <a:cs typeface="Tahoma"/>
+              </a:rPr>
+              <a:t>L</a:t>
+            </a:r>
+            <a:r>
+              <a:rPr lang="en-US" dirty="0">
+                <a:latin typeface="Tahoma"/>
+                <a:cs typeface="Tahoma"/>
+              </a:rPr>
+              <a:t>owe</a:t>
+            </a:r>
+            <a:r>
+              <a:rPr lang="en-US" spc="-9" dirty="0">
+                <a:latin typeface="Tahoma"/>
+                <a:cs typeface="Tahoma"/>
+              </a:rPr>
+              <a:t>,</a:t>
+            </a:r>
+            <a:r>
+              <a:rPr lang="en-US" spc="-4" dirty="0">
+                <a:latin typeface="Tahoma"/>
+                <a:cs typeface="Tahoma"/>
+              </a:rPr>
+              <a:t> </a:t>
+            </a:r>
+            <a:r>
+              <a:rPr lang="en-US" spc="-13" dirty="0">
+                <a:latin typeface="Tahoma"/>
+                <a:cs typeface="Tahoma"/>
+              </a:rPr>
+              <a:t>In</a:t>
+            </a:r>
+            <a:r>
+              <a:rPr lang="en-US" dirty="0">
+                <a:latin typeface="Tahoma"/>
+                <a:cs typeface="Tahoma"/>
+              </a:rPr>
+              <a:t>ter</a:t>
+            </a:r>
+            <a:r>
+              <a:rPr lang="en-US" spc="-13" dirty="0">
+                <a:latin typeface="Tahoma"/>
+                <a:cs typeface="Tahoma"/>
+              </a:rPr>
+              <a:t>na</a:t>
+            </a:r>
+            <a:r>
+              <a:rPr lang="en-US" dirty="0">
+                <a:latin typeface="Tahoma"/>
+                <a:cs typeface="Tahoma"/>
+              </a:rPr>
+              <a:t>t</a:t>
+            </a:r>
+            <a:r>
+              <a:rPr lang="en-US" spc="-9" dirty="0">
+                <a:latin typeface="Tahoma"/>
+                <a:cs typeface="Tahoma"/>
+              </a:rPr>
+              <a:t>ional</a:t>
+            </a:r>
+            <a:r>
+              <a:rPr lang="en-US" spc="-4" dirty="0">
+                <a:latin typeface="Tahoma"/>
+                <a:cs typeface="Tahoma"/>
+              </a:rPr>
+              <a:t> </a:t>
+            </a:r>
+            <a:r>
+              <a:rPr lang="en-US" spc="-13" dirty="0">
+                <a:latin typeface="Tahoma"/>
+                <a:cs typeface="Tahoma"/>
+              </a:rPr>
+              <a:t>Jou</a:t>
+            </a:r>
+            <a:r>
+              <a:rPr lang="en-US" dirty="0">
+                <a:latin typeface="Tahoma"/>
+                <a:cs typeface="Tahoma"/>
+              </a:rPr>
+              <a:t>r</a:t>
+            </a:r>
+            <a:r>
+              <a:rPr lang="en-US" spc="-13" dirty="0">
+                <a:latin typeface="Tahoma"/>
+                <a:cs typeface="Tahoma"/>
+              </a:rPr>
+              <a:t>nal</a:t>
+            </a:r>
+            <a:r>
+              <a:rPr lang="en-US" spc="-4" dirty="0">
+                <a:latin typeface="Tahoma"/>
+                <a:cs typeface="Tahoma"/>
+              </a:rPr>
+              <a:t> </a:t>
+            </a:r>
+            <a:r>
+              <a:rPr lang="en-US" dirty="0">
+                <a:latin typeface="Tahoma"/>
+                <a:cs typeface="Tahoma"/>
+              </a:rPr>
+              <a:t>of </a:t>
+            </a:r>
+            <a:r>
+              <a:rPr lang="en-US" spc="-13" dirty="0">
+                <a:latin typeface="Tahoma"/>
+                <a:cs typeface="Tahoma"/>
+              </a:rPr>
+              <a:t>Co</a:t>
+            </a:r>
+            <a:r>
+              <a:rPr lang="en-US" spc="-27" dirty="0">
+                <a:latin typeface="Tahoma"/>
+                <a:cs typeface="Tahoma"/>
+              </a:rPr>
+              <a:t>m</a:t>
+            </a:r>
+            <a:r>
+              <a:rPr lang="en-US" spc="-13" dirty="0">
+                <a:latin typeface="Tahoma"/>
+                <a:cs typeface="Tahoma"/>
+              </a:rPr>
+              <a:t>pu</a:t>
+            </a:r>
+            <a:r>
+              <a:rPr lang="en-US" dirty="0">
+                <a:latin typeface="Tahoma"/>
+                <a:cs typeface="Tahoma"/>
+              </a:rPr>
+              <a:t>ter</a:t>
+            </a:r>
+            <a:r>
+              <a:rPr lang="en-US" spc="-4" dirty="0">
+                <a:latin typeface="Tahoma"/>
+                <a:cs typeface="Tahoma"/>
+              </a:rPr>
+              <a:t> </a:t>
+            </a:r>
+            <a:r>
+              <a:rPr lang="en-US" spc="-9" dirty="0">
+                <a:latin typeface="Tahoma"/>
+                <a:cs typeface="Tahoma"/>
+              </a:rPr>
+              <a:t>Vi</a:t>
+            </a:r>
+            <a:r>
+              <a:rPr lang="en-US" dirty="0">
+                <a:latin typeface="Tahoma"/>
+                <a:cs typeface="Tahoma"/>
+              </a:rPr>
+              <a:t>s</a:t>
+            </a:r>
+            <a:r>
+              <a:rPr lang="en-US" spc="-9" dirty="0">
+                <a:latin typeface="Tahoma"/>
+                <a:cs typeface="Tahoma"/>
+              </a:rPr>
+              <a:t>ion,</a:t>
+            </a:r>
+            <a:r>
+              <a:rPr lang="en-US" spc="-4" dirty="0">
+                <a:latin typeface="Tahoma"/>
+                <a:cs typeface="Tahoma"/>
+              </a:rPr>
+              <a:t> </a:t>
+            </a:r>
+            <a:r>
+              <a:rPr lang="en-US" spc="-13" dirty="0">
+                <a:latin typeface="Tahoma"/>
+                <a:cs typeface="Tahoma"/>
+              </a:rPr>
+              <a:t>60,</a:t>
+            </a:r>
+            <a:r>
+              <a:rPr lang="en-US" spc="-4" dirty="0">
+                <a:latin typeface="Tahoma"/>
+                <a:cs typeface="Tahoma"/>
+              </a:rPr>
+              <a:t> </a:t>
+            </a:r>
+            <a:r>
+              <a:rPr lang="en-US" spc="-13" dirty="0">
+                <a:latin typeface="Tahoma"/>
+                <a:cs typeface="Tahoma"/>
+              </a:rPr>
+              <a:t>2</a:t>
+            </a:r>
+            <a:r>
+              <a:rPr lang="en-US" spc="-4" dirty="0">
+                <a:latin typeface="Tahoma"/>
+                <a:cs typeface="Tahoma"/>
+              </a:rPr>
+              <a:t> </a:t>
+            </a:r>
+            <a:r>
+              <a:rPr lang="en-US" spc="-13" dirty="0">
+                <a:latin typeface="Tahoma"/>
+                <a:cs typeface="Tahoma"/>
+              </a:rPr>
+              <a:t>(2004),</a:t>
+            </a:r>
+            <a:r>
+              <a:rPr lang="en-US" spc="-4" dirty="0">
+                <a:latin typeface="Tahoma"/>
+                <a:cs typeface="Tahoma"/>
+              </a:rPr>
+              <a:t> </a:t>
+            </a:r>
+            <a:r>
+              <a:rPr lang="en-US" spc="-13" dirty="0">
+                <a:latin typeface="Tahoma"/>
+                <a:cs typeface="Tahoma"/>
+              </a:rPr>
+              <a:t>pp.</a:t>
+            </a:r>
+            <a:r>
+              <a:rPr lang="en-US" spc="-4" dirty="0">
+                <a:latin typeface="Tahoma"/>
+                <a:cs typeface="Tahoma"/>
+              </a:rPr>
+              <a:t> </a:t>
+            </a:r>
+            <a:r>
+              <a:rPr lang="en-US" spc="-13" dirty="0">
+                <a:latin typeface="Tahoma"/>
+                <a:cs typeface="Tahoma"/>
+              </a:rPr>
+              <a:t>91</a:t>
+            </a:r>
+            <a:r>
+              <a:rPr lang="en-US" dirty="0">
+                <a:latin typeface="Tahoma"/>
+                <a:cs typeface="Tahoma"/>
+              </a:rPr>
+              <a:t>-</a:t>
+            </a:r>
+            <a:r>
+              <a:rPr lang="en-US" spc="-13" dirty="0">
+                <a:latin typeface="Tahoma"/>
+                <a:cs typeface="Tahoma"/>
+              </a:rPr>
+              <a:t>110.</a:t>
+            </a:r>
+            <a:endParaRPr lang="en-US" dirty="0">
+              <a:latin typeface="Tahoma"/>
+              <a:cs typeface="Tahoma"/>
+            </a:endParaRPr>
           </a:p>
         </p:txBody>
       </p:sp>
     </p:spTree>
     <p:extLst>
       <p:ext uri="{BB962C8B-B14F-4D97-AF65-F5344CB8AC3E}">
-        <p14:creationId xmlns:p14="http://schemas.microsoft.com/office/powerpoint/2010/main" val="3372841502"/>
+        <p14:creationId xmlns:p14="http://schemas.microsoft.com/office/powerpoint/2010/main" val="1981813049"/>
       </p:ext>
     </p:extLst>
   </p:cSld>
   <p:clrMapOvr>
     <a:masterClrMapping/>
   </p:clrMapOvr>
+  <p:timing>
+    <p:tnLst>
+      <p:par>
+        <p:cTn id="1" dur="indefinite" restart="never" nodeType="tmRoot"/>
+      </p:par>
+    </p:tnLst>
+  </p:timing>
 </p:sld>
 </file>
 
@@ -3988,6 +4854,1236 @@
       </p:grpSpPr>
       <p:sp>
         <p:nvSpPr>
+          <p:cNvPr id="3" name="object 3"/>
+          <p:cNvSpPr txBox="1">
+            <a:spLocks noGrp="1"/>
+          </p:cNvSpPr>
+          <p:nvPr>
+            <p:ph type="title"/>
+          </p:nvPr>
+        </p:nvSpPr>
+        <p:spPr>
+          <a:xfrm>
+            <a:off x="1318490" y="869586"/>
+            <a:ext cx="6507018" cy="446276"/>
+          </a:xfrm>
+          <a:prstGeom prst="rect">
+            <a:avLst/>
+          </a:prstGeom>
+        </p:spPr>
+        <p:txBody>
+          <a:bodyPr vert="horz" wrap="square" lIns="0" tIns="0" rIns="0" bIns="0" rtlCol="0">
+            <a:spAutoFit/>
+          </a:bodyPr>
+          <a:lstStyle/>
+          <a:p>
+            <a:pPr marL="402695"/>
+            <a:r>
+              <a:rPr sz="2900" dirty="0"/>
+              <a:t>Sc</a:t>
+            </a:r>
+            <a:r>
+              <a:rPr sz="2900" spc="-13" dirty="0"/>
+              <a:t>ale</a:t>
+            </a:r>
+            <a:r>
+              <a:rPr sz="2900" spc="-4" dirty="0"/>
+              <a:t> </a:t>
+            </a:r>
+            <a:r>
+              <a:rPr sz="2900" spc="-18" dirty="0"/>
+              <a:t>In</a:t>
+            </a:r>
+            <a:r>
+              <a:rPr sz="2900" spc="-22" dirty="0"/>
+              <a:t>v</a:t>
+            </a:r>
+            <a:r>
+              <a:rPr sz="2900" spc="-18" dirty="0"/>
+              <a:t>a</a:t>
+            </a:r>
+            <a:r>
+              <a:rPr sz="2900" dirty="0"/>
+              <a:t>r</a:t>
+            </a:r>
+            <a:r>
+              <a:rPr sz="2900" spc="-13" dirty="0"/>
+              <a:t>ian</a:t>
+            </a:r>
+            <a:r>
+              <a:rPr sz="2900" dirty="0"/>
+              <a:t>t</a:t>
+            </a:r>
+            <a:r>
+              <a:rPr sz="2900" spc="-4" dirty="0"/>
+              <a:t> </a:t>
+            </a:r>
+            <a:r>
+              <a:rPr sz="2900" spc="-22" dirty="0"/>
+              <a:t>d</a:t>
+            </a:r>
+            <a:r>
+              <a:rPr sz="2900" dirty="0"/>
+              <a:t>etect</a:t>
+            </a:r>
+            <a:r>
+              <a:rPr sz="2900" spc="-13" dirty="0"/>
+              <a:t>ion</a:t>
+            </a:r>
+            <a:endParaRPr sz="2900"/>
+          </a:p>
+        </p:txBody>
+      </p:sp>
+      <p:sp>
+        <p:nvSpPr>
+          <p:cNvPr id="4" name="object 4"/>
+          <p:cNvSpPr txBox="1"/>
+          <p:nvPr/>
+        </p:nvSpPr>
+        <p:spPr>
+          <a:xfrm>
+            <a:off x="1318490" y="1487101"/>
+            <a:ext cx="6713105" cy="1043876"/>
+          </a:xfrm>
+          <a:prstGeom prst="rect">
+            <a:avLst/>
+          </a:prstGeom>
+        </p:spPr>
+        <p:txBody>
+          <a:bodyPr vert="horz" wrap="square" lIns="0" tIns="0" rIns="0" bIns="0" rtlCol="0">
+            <a:spAutoFit/>
+          </a:bodyPr>
+          <a:lstStyle/>
+          <a:p>
+            <a:pPr marL="318966" marR="37593" indent="-307574">
+              <a:lnSpc>
+                <a:spcPts val="2513"/>
+              </a:lnSpc>
+              <a:buClr>
+                <a:srgbClr val="3333CC"/>
+              </a:buClr>
+              <a:buSzPct val="58333"/>
+              <a:buFont typeface="Wingdings"/>
+              <a:buChar char=""/>
+              <a:tabLst>
+                <a:tab pos="318966" algn="l"/>
+              </a:tabLst>
+            </a:pPr>
+            <a:r>
+              <a:rPr sz="2200" dirty="0">
+                <a:latin typeface="Tahoma"/>
+                <a:cs typeface="Tahoma"/>
+              </a:rPr>
+              <a:t>S</a:t>
+            </a:r>
+            <a:r>
+              <a:rPr sz="2200" spc="-13" dirty="0">
+                <a:latin typeface="Tahoma"/>
+                <a:cs typeface="Tahoma"/>
+              </a:rPr>
+              <a:t>harp</a:t>
+            </a:r>
+            <a:r>
+              <a:rPr sz="2200" spc="-4" dirty="0">
+                <a:latin typeface="Tahoma"/>
+                <a:cs typeface="Tahoma"/>
+              </a:rPr>
+              <a:t> </a:t>
+            </a:r>
+            <a:r>
+              <a:rPr sz="2200" spc="-9" dirty="0">
+                <a:latin typeface="Tahoma"/>
+                <a:cs typeface="Tahoma"/>
+              </a:rPr>
+              <a:t>l</a:t>
+            </a:r>
+            <a:r>
+              <a:rPr sz="2200" dirty="0">
+                <a:latin typeface="Tahoma"/>
+                <a:cs typeface="Tahoma"/>
+              </a:rPr>
+              <a:t>oc</a:t>
+            </a:r>
+            <a:r>
+              <a:rPr sz="2200" spc="-9" dirty="0">
+                <a:latin typeface="Tahoma"/>
+                <a:cs typeface="Tahoma"/>
+              </a:rPr>
+              <a:t>al</a:t>
+            </a:r>
+            <a:r>
+              <a:rPr sz="2200" spc="-4" dirty="0">
+                <a:latin typeface="Tahoma"/>
+                <a:cs typeface="Tahoma"/>
+              </a:rPr>
+              <a:t> </a:t>
+            </a:r>
+            <a:r>
+              <a:rPr sz="2200" spc="-9" dirty="0">
+                <a:latin typeface="Tahoma"/>
+                <a:cs typeface="Tahoma"/>
+              </a:rPr>
+              <a:t>in</a:t>
+            </a:r>
+            <a:r>
+              <a:rPr sz="2200" dirty="0">
+                <a:latin typeface="Tahoma"/>
+                <a:cs typeface="Tahoma"/>
+              </a:rPr>
+              <a:t>te</a:t>
+            </a:r>
+            <a:r>
+              <a:rPr sz="2200" spc="-13" dirty="0">
+                <a:latin typeface="Tahoma"/>
+                <a:cs typeface="Tahoma"/>
+              </a:rPr>
+              <a:t>n</a:t>
+            </a:r>
+            <a:r>
+              <a:rPr sz="2200" dirty="0">
+                <a:latin typeface="Tahoma"/>
+                <a:cs typeface="Tahoma"/>
+              </a:rPr>
+              <a:t>s</a:t>
+            </a:r>
+            <a:r>
+              <a:rPr sz="2200" spc="-9" dirty="0">
+                <a:latin typeface="Tahoma"/>
+                <a:cs typeface="Tahoma"/>
+              </a:rPr>
+              <a:t>i</a:t>
+            </a:r>
+            <a:r>
+              <a:rPr sz="2200" dirty="0">
+                <a:latin typeface="Tahoma"/>
+                <a:cs typeface="Tahoma"/>
+              </a:rPr>
+              <a:t>ty</a:t>
+            </a:r>
+            <a:r>
+              <a:rPr sz="2200" spc="-4" dirty="0">
+                <a:latin typeface="Tahoma"/>
+                <a:cs typeface="Tahoma"/>
+              </a:rPr>
+              <a:t> </a:t>
+            </a:r>
+            <a:r>
+              <a:rPr sz="2200" dirty="0">
+                <a:latin typeface="Tahoma"/>
+                <a:cs typeface="Tahoma"/>
+              </a:rPr>
+              <a:t>c</a:t>
+            </a:r>
+            <a:r>
+              <a:rPr sz="2200" spc="-13" dirty="0">
+                <a:latin typeface="Tahoma"/>
+                <a:cs typeface="Tahoma"/>
+              </a:rPr>
+              <a:t>hang</a:t>
+            </a:r>
+            <a:r>
+              <a:rPr sz="2200" dirty="0">
+                <a:latin typeface="Tahoma"/>
+                <a:cs typeface="Tahoma"/>
+              </a:rPr>
+              <a:t>es</a:t>
+            </a:r>
+            <a:r>
+              <a:rPr sz="2200" spc="-4" dirty="0">
+                <a:latin typeface="Tahoma"/>
+                <a:cs typeface="Tahoma"/>
+              </a:rPr>
+              <a:t> </a:t>
+            </a:r>
+            <a:r>
+              <a:rPr sz="2200" spc="-13" dirty="0">
+                <a:latin typeface="Tahoma"/>
+                <a:cs typeface="Tahoma"/>
+              </a:rPr>
+              <a:t>a</a:t>
+            </a:r>
+            <a:r>
+              <a:rPr sz="2200" dirty="0">
+                <a:latin typeface="Tahoma"/>
+                <a:cs typeface="Tahoma"/>
+              </a:rPr>
+              <a:t>re</a:t>
+            </a:r>
+            <a:r>
+              <a:rPr sz="2200" spc="-4" dirty="0">
+                <a:latin typeface="Tahoma"/>
+                <a:cs typeface="Tahoma"/>
+              </a:rPr>
+              <a:t> </a:t>
+            </a:r>
+            <a:r>
+              <a:rPr sz="2200" spc="-13" dirty="0">
+                <a:latin typeface="Tahoma"/>
+                <a:cs typeface="Tahoma"/>
+              </a:rPr>
+              <a:t>good</a:t>
+            </a:r>
+            <a:r>
+              <a:rPr sz="2200" spc="-4" dirty="0">
+                <a:latin typeface="Tahoma"/>
+                <a:cs typeface="Tahoma"/>
+              </a:rPr>
+              <a:t> </a:t>
+            </a:r>
+            <a:r>
+              <a:rPr sz="2200" dirty="0">
+                <a:latin typeface="Tahoma"/>
+                <a:cs typeface="Tahoma"/>
+              </a:rPr>
+              <a:t>f</a:t>
+            </a:r>
+            <a:r>
+              <a:rPr sz="2200" spc="-13" dirty="0">
+                <a:latin typeface="Tahoma"/>
+                <a:cs typeface="Tahoma"/>
+              </a:rPr>
+              <a:t>un</a:t>
+            </a:r>
+            <a:r>
+              <a:rPr sz="2200" dirty="0">
+                <a:latin typeface="Tahoma"/>
+                <a:cs typeface="Tahoma"/>
+              </a:rPr>
+              <a:t>ct</a:t>
+            </a:r>
+            <a:r>
+              <a:rPr sz="2200" spc="-13" dirty="0">
+                <a:latin typeface="Tahoma"/>
+                <a:cs typeface="Tahoma"/>
+              </a:rPr>
+              <a:t>ion</a:t>
+            </a:r>
+            <a:r>
+              <a:rPr sz="2200" dirty="0">
+                <a:latin typeface="Tahoma"/>
+                <a:cs typeface="Tahoma"/>
+              </a:rPr>
+              <a:t>s</a:t>
+            </a:r>
+            <a:r>
+              <a:rPr sz="2200" spc="-4" dirty="0">
+                <a:latin typeface="Tahoma"/>
+                <a:cs typeface="Tahoma"/>
+              </a:rPr>
+              <a:t> </a:t>
+            </a:r>
+            <a:r>
+              <a:rPr sz="2200" dirty="0">
+                <a:latin typeface="Tahoma"/>
+                <a:cs typeface="Tahoma"/>
+              </a:rPr>
+              <a:t>for </a:t>
+            </a:r>
+            <a:r>
+              <a:rPr sz="2200" spc="-9" dirty="0">
+                <a:latin typeface="Tahoma"/>
+                <a:cs typeface="Tahoma"/>
+              </a:rPr>
+              <a:t>id</a:t>
+            </a:r>
+            <a:r>
+              <a:rPr sz="2200" dirty="0">
+                <a:latin typeface="Tahoma"/>
+                <a:cs typeface="Tahoma"/>
+              </a:rPr>
+              <a:t>e</a:t>
+            </a:r>
+            <a:r>
+              <a:rPr sz="2200" spc="-13" dirty="0">
+                <a:latin typeface="Tahoma"/>
+                <a:cs typeface="Tahoma"/>
+              </a:rPr>
+              <a:t>n</a:t>
+            </a:r>
+            <a:r>
+              <a:rPr sz="2200" dirty="0">
+                <a:latin typeface="Tahoma"/>
+                <a:cs typeface="Tahoma"/>
+              </a:rPr>
+              <a:t>t</a:t>
+            </a:r>
+            <a:r>
+              <a:rPr sz="2200" spc="-9" dirty="0">
+                <a:latin typeface="Tahoma"/>
+                <a:cs typeface="Tahoma"/>
+              </a:rPr>
+              <a:t>i</a:t>
+            </a:r>
+            <a:r>
+              <a:rPr sz="2200" dirty="0">
+                <a:latin typeface="Tahoma"/>
+                <a:cs typeface="Tahoma"/>
+              </a:rPr>
+              <a:t>f</a:t>
+            </a:r>
+            <a:r>
+              <a:rPr sz="2200" spc="-18" dirty="0">
+                <a:latin typeface="Tahoma"/>
+                <a:cs typeface="Tahoma"/>
+              </a:rPr>
+              <a:t>y</a:t>
+            </a:r>
+            <a:r>
+              <a:rPr sz="2200" spc="-13" dirty="0">
+                <a:latin typeface="Tahoma"/>
+                <a:cs typeface="Tahoma"/>
+              </a:rPr>
+              <a:t>ing</a:t>
+            </a:r>
+            <a:r>
+              <a:rPr sz="2200" spc="-4" dirty="0">
+                <a:latin typeface="Tahoma"/>
+                <a:cs typeface="Tahoma"/>
+              </a:rPr>
+              <a:t> </a:t>
+            </a:r>
+            <a:r>
+              <a:rPr sz="2200" dirty="0">
+                <a:latin typeface="Tahoma"/>
+                <a:cs typeface="Tahoma"/>
+              </a:rPr>
+              <a:t>re</a:t>
+            </a:r>
+            <a:r>
+              <a:rPr sz="2200" spc="-9" dirty="0">
+                <a:latin typeface="Tahoma"/>
+                <a:cs typeface="Tahoma"/>
+              </a:rPr>
+              <a:t>la</a:t>
+            </a:r>
+            <a:r>
+              <a:rPr sz="2200" dirty="0">
+                <a:latin typeface="Tahoma"/>
+                <a:cs typeface="Tahoma"/>
+              </a:rPr>
+              <a:t>t</a:t>
+            </a:r>
+            <a:r>
+              <a:rPr sz="2200" spc="-9" dirty="0">
+                <a:latin typeface="Tahoma"/>
+                <a:cs typeface="Tahoma"/>
+              </a:rPr>
+              <a:t>i</a:t>
+            </a:r>
+            <a:r>
+              <a:rPr sz="2200" spc="-4" dirty="0">
+                <a:latin typeface="Tahoma"/>
+                <a:cs typeface="Tahoma"/>
+              </a:rPr>
+              <a:t>v</a:t>
+            </a:r>
+            <a:r>
+              <a:rPr sz="2200" dirty="0">
+                <a:latin typeface="Tahoma"/>
+                <a:cs typeface="Tahoma"/>
+              </a:rPr>
+              <a:t>e</a:t>
+            </a:r>
+            <a:r>
+              <a:rPr sz="2200" spc="-4" dirty="0">
+                <a:latin typeface="Tahoma"/>
+                <a:cs typeface="Tahoma"/>
+              </a:rPr>
+              <a:t> </a:t>
+            </a:r>
+            <a:r>
+              <a:rPr sz="2200" dirty="0">
+                <a:latin typeface="Tahoma"/>
+                <a:cs typeface="Tahoma"/>
+              </a:rPr>
+              <a:t>sc</a:t>
+            </a:r>
+            <a:r>
+              <a:rPr sz="2200" spc="-9" dirty="0">
+                <a:latin typeface="Tahoma"/>
+                <a:cs typeface="Tahoma"/>
+              </a:rPr>
+              <a:t>al</a:t>
+            </a:r>
+            <a:r>
+              <a:rPr sz="2200" dirty="0">
+                <a:latin typeface="Tahoma"/>
+                <a:cs typeface="Tahoma"/>
+              </a:rPr>
+              <a:t>e</a:t>
+            </a:r>
+            <a:r>
+              <a:rPr sz="2200" spc="-4" dirty="0">
+                <a:latin typeface="Tahoma"/>
+                <a:cs typeface="Tahoma"/>
+              </a:rPr>
+              <a:t> </a:t>
+            </a:r>
+            <a:r>
+              <a:rPr sz="2200" dirty="0">
+                <a:latin typeface="Tahoma"/>
+                <a:cs typeface="Tahoma"/>
+              </a:rPr>
+              <a:t>of</a:t>
+            </a:r>
+            <a:r>
+              <a:rPr sz="2200" spc="-4" dirty="0">
+                <a:latin typeface="Tahoma"/>
+                <a:cs typeface="Tahoma"/>
+              </a:rPr>
+              <a:t> </a:t>
+            </a:r>
+            <a:r>
+              <a:rPr sz="2200" dirty="0">
+                <a:latin typeface="Tahoma"/>
+                <a:cs typeface="Tahoma"/>
+              </a:rPr>
+              <a:t>t</a:t>
+            </a:r>
+            <a:r>
+              <a:rPr sz="2200" spc="-13" dirty="0">
+                <a:latin typeface="Tahoma"/>
+                <a:cs typeface="Tahoma"/>
+              </a:rPr>
+              <a:t>h</a:t>
+            </a:r>
+            <a:r>
+              <a:rPr sz="2200" dirty="0">
+                <a:latin typeface="Tahoma"/>
+                <a:cs typeface="Tahoma"/>
+              </a:rPr>
+              <a:t>e</a:t>
+            </a:r>
+            <a:r>
+              <a:rPr sz="2200" spc="-4" dirty="0">
+                <a:latin typeface="Tahoma"/>
+                <a:cs typeface="Tahoma"/>
+              </a:rPr>
+              <a:t> </a:t>
+            </a:r>
+            <a:r>
+              <a:rPr sz="2200" dirty="0">
+                <a:latin typeface="Tahoma"/>
+                <a:cs typeface="Tahoma"/>
+              </a:rPr>
+              <a:t>re</a:t>
+            </a:r>
+            <a:r>
+              <a:rPr sz="2200" spc="-13" dirty="0">
+                <a:latin typeface="Tahoma"/>
+                <a:cs typeface="Tahoma"/>
+              </a:rPr>
+              <a:t>gion</a:t>
+            </a:r>
+            <a:endParaRPr sz="2200">
+              <a:latin typeface="Tahoma"/>
+              <a:cs typeface="Tahoma"/>
+            </a:endParaRPr>
+          </a:p>
+          <a:p>
+            <a:pPr marL="318966" indent="-307574">
+              <a:spcBef>
+                <a:spcPts val="462"/>
+              </a:spcBef>
+              <a:buClr>
+                <a:srgbClr val="3333CC"/>
+              </a:buClr>
+              <a:buSzPct val="58333"/>
+              <a:buFont typeface="Wingdings"/>
+              <a:buChar char=""/>
+              <a:tabLst>
+                <a:tab pos="318966" algn="l"/>
+              </a:tabLst>
+            </a:pPr>
+            <a:r>
+              <a:rPr sz="2200" spc="-13" dirty="0">
+                <a:latin typeface="Tahoma"/>
+                <a:cs typeface="Tahoma"/>
+              </a:rPr>
+              <a:t>Response</a:t>
+            </a:r>
+            <a:r>
+              <a:rPr sz="2200" spc="-4" dirty="0">
+                <a:latin typeface="Tahoma"/>
+                <a:cs typeface="Tahoma"/>
+              </a:rPr>
+              <a:t> </a:t>
+            </a:r>
+            <a:r>
+              <a:rPr sz="2200" dirty="0">
+                <a:latin typeface="Tahoma"/>
+                <a:cs typeface="Tahoma"/>
+              </a:rPr>
+              <a:t>of</a:t>
+            </a:r>
+            <a:r>
+              <a:rPr sz="2200" spc="-4" dirty="0">
+                <a:latin typeface="Tahoma"/>
+                <a:cs typeface="Tahoma"/>
+              </a:rPr>
+              <a:t> </a:t>
+            </a:r>
+            <a:r>
+              <a:rPr sz="2200" spc="-13" dirty="0">
+                <a:latin typeface="Tahoma"/>
+                <a:cs typeface="Tahoma"/>
+              </a:rPr>
+              <a:t>Lapla</a:t>
+            </a:r>
+            <a:r>
+              <a:rPr sz="2200" dirty="0">
+                <a:latin typeface="Tahoma"/>
+                <a:cs typeface="Tahoma"/>
+              </a:rPr>
+              <a:t>c</a:t>
+            </a:r>
+            <a:r>
+              <a:rPr sz="2200" spc="-13" dirty="0">
+                <a:latin typeface="Tahoma"/>
+                <a:cs typeface="Tahoma"/>
+              </a:rPr>
+              <a:t>ian</a:t>
+            </a:r>
+            <a:r>
+              <a:rPr sz="2200" spc="-4" dirty="0">
+                <a:latin typeface="Tahoma"/>
+                <a:cs typeface="Tahoma"/>
+              </a:rPr>
+              <a:t> </a:t>
+            </a:r>
+            <a:r>
+              <a:rPr sz="2200" dirty="0">
+                <a:latin typeface="Tahoma"/>
+                <a:cs typeface="Tahoma"/>
+              </a:rPr>
+              <a:t>of</a:t>
+            </a:r>
+            <a:r>
+              <a:rPr sz="2200" spc="-4" dirty="0">
+                <a:latin typeface="Tahoma"/>
+                <a:cs typeface="Tahoma"/>
+              </a:rPr>
+              <a:t> </a:t>
+            </a:r>
+            <a:r>
+              <a:rPr sz="2200" dirty="0">
+                <a:latin typeface="Tahoma"/>
+                <a:cs typeface="Tahoma"/>
+              </a:rPr>
+              <a:t>G</a:t>
+            </a:r>
+            <a:r>
+              <a:rPr sz="2200" spc="-13" dirty="0">
+                <a:latin typeface="Tahoma"/>
+                <a:cs typeface="Tahoma"/>
+              </a:rPr>
+              <a:t>au</a:t>
+            </a:r>
+            <a:r>
+              <a:rPr sz="2200" dirty="0">
+                <a:latin typeface="Tahoma"/>
+                <a:cs typeface="Tahoma"/>
+              </a:rPr>
+              <a:t>ss</a:t>
+            </a:r>
+            <a:r>
+              <a:rPr sz="2200" spc="-13" dirty="0">
+                <a:latin typeface="Tahoma"/>
+                <a:cs typeface="Tahoma"/>
+              </a:rPr>
+              <a:t>ian</a:t>
+            </a:r>
+            <a:r>
+              <a:rPr sz="2200" dirty="0">
+                <a:latin typeface="Tahoma"/>
+                <a:cs typeface="Tahoma"/>
+              </a:rPr>
+              <a:t>s</a:t>
+            </a:r>
+            <a:r>
+              <a:rPr sz="2200" spc="-4" dirty="0">
+                <a:latin typeface="Tahoma"/>
+                <a:cs typeface="Tahoma"/>
+              </a:rPr>
+              <a:t> </a:t>
+            </a:r>
+            <a:r>
+              <a:rPr sz="2200" spc="-13" dirty="0">
+                <a:latin typeface="Tahoma"/>
+                <a:cs typeface="Tahoma"/>
+              </a:rPr>
+              <a:t>(L</a:t>
+            </a:r>
+            <a:r>
+              <a:rPr sz="2200" dirty="0">
+                <a:latin typeface="Tahoma"/>
+                <a:cs typeface="Tahoma"/>
+              </a:rPr>
+              <a:t>oG</a:t>
+            </a:r>
+            <a:r>
+              <a:rPr sz="2200" spc="-9" dirty="0">
+                <a:latin typeface="Tahoma"/>
+                <a:cs typeface="Tahoma"/>
+              </a:rPr>
+              <a:t>)</a:t>
+            </a:r>
+            <a:r>
+              <a:rPr sz="2200" spc="-4" dirty="0">
+                <a:latin typeface="Tahoma"/>
+                <a:cs typeface="Tahoma"/>
+              </a:rPr>
+              <a:t> </a:t>
+            </a:r>
+            <a:r>
+              <a:rPr sz="2200" spc="-13" dirty="0">
+                <a:latin typeface="Tahoma"/>
+                <a:cs typeface="Tahoma"/>
+              </a:rPr>
+              <a:t>a</a:t>
+            </a:r>
+            <a:r>
+              <a:rPr sz="2200" dirty="0">
+                <a:latin typeface="Tahoma"/>
+                <a:cs typeface="Tahoma"/>
+              </a:rPr>
+              <a:t>t</a:t>
+            </a:r>
+            <a:r>
+              <a:rPr sz="2200" spc="-4" dirty="0">
+                <a:latin typeface="Tahoma"/>
+                <a:cs typeface="Tahoma"/>
+              </a:rPr>
+              <a:t> </a:t>
+            </a:r>
+            <a:r>
+              <a:rPr sz="2200" spc="-13" dirty="0">
+                <a:latin typeface="Tahoma"/>
+                <a:cs typeface="Tahoma"/>
+              </a:rPr>
+              <a:t>a</a:t>
+            </a:r>
+            <a:r>
+              <a:rPr sz="2200" spc="-4" dirty="0">
+                <a:latin typeface="Tahoma"/>
+                <a:cs typeface="Tahoma"/>
+              </a:rPr>
+              <a:t> </a:t>
+            </a:r>
+            <a:r>
+              <a:rPr sz="2200" spc="-13" dirty="0">
+                <a:latin typeface="Tahoma"/>
+                <a:cs typeface="Tahoma"/>
+              </a:rPr>
+              <a:t>poin</a:t>
+            </a:r>
+            <a:r>
+              <a:rPr sz="2200" dirty="0">
+                <a:latin typeface="Tahoma"/>
+                <a:cs typeface="Tahoma"/>
+              </a:rPr>
+              <a:t>t</a:t>
+            </a:r>
+            <a:endParaRPr sz="2200">
+              <a:latin typeface="Tahoma"/>
+              <a:cs typeface="Tahoma"/>
+            </a:endParaRPr>
+          </a:p>
+        </p:txBody>
+      </p:sp>
+      <p:sp>
+        <p:nvSpPr>
+          <p:cNvPr id="5" name="object 5"/>
+          <p:cNvSpPr txBox="1"/>
+          <p:nvPr/>
+        </p:nvSpPr>
+        <p:spPr>
+          <a:xfrm>
+            <a:off x="877455" y="2554941"/>
+            <a:ext cx="7389091" cy="200055"/>
+          </a:xfrm>
+          <a:prstGeom prst="rect">
+            <a:avLst/>
+          </a:prstGeom>
+        </p:spPr>
+        <p:txBody>
+          <a:bodyPr vert="horz" wrap="square" lIns="0" tIns="0" rIns="0" bIns="0" rtlCol="0">
+            <a:spAutoFit/>
+          </a:bodyPr>
+          <a:lstStyle/>
+          <a:p>
+            <a:pPr marR="262008" algn="ctr"/>
+            <a:r>
+              <a:rPr sz="1300" spc="-9" dirty="0">
+                <a:latin typeface="Tahoma"/>
+                <a:cs typeface="Tahoma"/>
+              </a:rPr>
+              <a:t>CS </a:t>
+            </a:r>
+            <a:r>
+              <a:rPr sz="1300" spc="-13" dirty="0">
+                <a:latin typeface="Tahoma"/>
+                <a:cs typeface="Tahoma"/>
+              </a:rPr>
+              <a:t>685l</a:t>
+            </a:r>
+            <a:endParaRPr sz="1300">
+              <a:latin typeface="Tahoma"/>
+              <a:cs typeface="Tahoma"/>
+            </a:endParaRPr>
+          </a:p>
+        </p:txBody>
+      </p:sp>
+      <p:sp>
+        <p:nvSpPr>
+          <p:cNvPr id="6" name="object 6"/>
+          <p:cNvSpPr/>
+          <p:nvPr/>
+        </p:nvSpPr>
+        <p:spPr>
+          <a:xfrm>
+            <a:off x="877456" y="2554946"/>
+            <a:ext cx="7389089" cy="3843617"/>
+          </a:xfrm>
+          <a:prstGeom prst="rect">
+            <a:avLst/>
+          </a:prstGeom>
+          <a:blipFill>
+            <a:blip r:embed="rId3" cstate="print"/>
+            <a:stretch>
+              <a:fillRect/>
+            </a:stretch>
+          </a:blipFill>
+        </p:spPr>
+        <p:txBody>
+          <a:bodyPr wrap="square" lIns="0" tIns="0" rIns="0" bIns="0" rtlCol="0"/>
+          <a:lstStyle/>
+          <a:p>
+            <a:endParaRPr/>
+          </a:p>
+        </p:txBody>
+      </p:sp>
+      <p:sp>
+        <p:nvSpPr>
+          <p:cNvPr id="7" name="object 7"/>
+          <p:cNvSpPr txBox="1">
+            <a:spLocks noGrp="1"/>
+          </p:cNvSpPr>
+          <p:nvPr>
+            <p:ph type="sldNum" sz="quarter" idx="4294967295"/>
+          </p:nvPr>
+        </p:nvSpPr>
+        <p:spPr>
+          <a:xfrm>
+            <a:off x="8183100" y="6102955"/>
+            <a:ext cx="311150" cy="200055"/>
+          </a:xfrm>
+          <a:prstGeom prst="rect">
+            <a:avLst/>
+          </a:prstGeom>
+        </p:spPr>
+        <p:txBody>
+          <a:bodyPr vert="horz" wrap="square" lIns="0" tIns="0" rIns="0" bIns="0" rtlCol="0">
+            <a:spAutoFit/>
+          </a:bodyPr>
+          <a:lstStyle/>
+          <a:p>
+            <a:pPr marL="109359"/>
+            <a:r>
+              <a:rPr spc="-9" dirty="0"/>
+              <a:t>80</a:t>
+            </a:r>
+          </a:p>
+        </p:txBody>
+      </p:sp>
+    </p:spTree>
+    <p:extLst>
+      <p:ext uri="{BB962C8B-B14F-4D97-AF65-F5344CB8AC3E}">
+        <p14:creationId xmlns:p14="http://schemas.microsoft.com/office/powerpoint/2010/main" val="3905344758"/>
+      </p:ext>
+    </p:extLst>
+  </p:cSld>
+  <p:clrMapOvr>
+    <a:masterClrMapping/>
+  </p:clrMapOvr>
+  <p:timing>
+    <p:tnLst>
+      <p:par>
+        <p:cTn id="1" dur="indefinite" restart="never" nodeType="tmRoot"/>
+      </p:par>
+    </p:tnLst>
+  </p:timing>
+</p:sld>
+</file>
+
+<file path=ppt/slides/slide11.xml><?xml version="1.0" encoding="utf-8"?>
+<p:sld xmlns:a="http://schemas.openxmlformats.org/drawingml/2006/main" xmlns:r="http://schemas.openxmlformats.org/officeDocument/2006/relationships" xmlns:p="http://schemas.openxmlformats.org/presentationml/2006/main" show="0">
+  <p:cSld>
+    <p:spTree>
+      <p:nvGrpSpPr>
+        <p:cNvPr id="1" name=""/>
+        <p:cNvGrpSpPr/>
+        <p:nvPr/>
+      </p:nvGrpSpPr>
+      <p:grpSpPr>
+        <a:xfrm>
+          <a:off x="0" y="0"/>
+          <a:ext cx="0" cy="0"/>
+          <a:chOff x="0" y="0"/>
+          <a:chExt cx="0" cy="0"/>
+        </a:xfrm>
+      </p:grpSpPr>
+      <p:sp>
+        <p:nvSpPr>
+          <p:cNvPr id="26626" name="Rectangle 2"/>
+          <p:cNvSpPr>
+            <a:spLocks noGrp="1" noChangeArrowheads="1"/>
+          </p:cNvSpPr>
+          <p:nvPr>
+            <p:ph type="title"/>
+          </p:nvPr>
+        </p:nvSpPr>
+        <p:spPr/>
+        <p:txBody>
+          <a:bodyPr/>
+          <a:lstStyle/>
+          <a:p>
+            <a:r>
+              <a:rPr lang="en-US" altLang="ko-KR" sz="4000" dirty="0">
+                <a:ea typeface="굴림" pitchFamily="34" charset="-127"/>
+              </a:rPr>
+              <a:t>1. </a:t>
+            </a:r>
+            <a:r>
+              <a:rPr lang="en-US" altLang="en-US" sz="4000" dirty="0"/>
+              <a:t>Feature </a:t>
+            </a:r>
+            <a:r>
+              <a:rPr lang="en-US" altLang="ko-KR" sz="4000" dirty="0">
+                <a:ea typeface="굴림" pitchFamily="34" charset="-127"/>
+              </a:rPr>
+              <a:t>dete</a:t>
+            </a:r>
+            <a:r>
+              <a:rPr lang="en-US" altLang="en-US" sz="4000" dirty="0"/>
+              <a:t>ction</a:t>
+            </a:r>
+          </a:p>
+        </p:txBody>
+      </p:sp>
+      <p:sp>
+        <p:nvSpPr>
+          <p:cNvPr id="26627" name="Rectangle 3"/>
+          <p:cNvSpPr>
+            <a:spLocks noGrp="1" noChangeArrowheads="1"/>
+          </p:cNvSpPr>
+          <p:nvPr>
+            <p:ph type="body" sz="half" idx="1"/>
+          </p:nvPr>
+        </p:nvSpPr>
+        <p:spPr>
+          <a:xfrm>
+            <a:off x="457200" y="1600200"/>
+            <a:ext cx="7848600" cy="4525963"/>
+          </a:xfrm>
+        </p:spPr>
+        <p:txBody>
+          <a:bodyPr>
+            <a:normAutofit lnSpcReduction="10000"/>
+          </a:bodyPr>
+          <a:lstStyle/>
+          <a:p>
+            <a:pPr marL="0" indent="0">
+              <a:buNone/>
+            </a:pPr>
+            <a:r>
+              <a:rPr lang="en-US" sz="2400" dirty="0" smtClean="0"/>
+              <a:t>This is the stage where the interest points, which are called </a:t>
+            </a:r>
+            <a:r>
+              <a:rPr lang="en-US" sz="2400" dirty="0" err="1" smtClean="0"/>
+              <a:t>keypoints</a:t>
+            </a:r>
+            <a:r>
+              <a:rPr lang="en-US" sz="2400" dirty="0" smtClean="0"/>
+              <a:t> in the SIFT framework, are detected. For this, the image is convolved with Gaussian filters at different scales, and then the difference of successive Gaussian-blurred images are taken. </a:t>
+            </a:r>
+            <a:r>
+              <a:rPr lang="en-US" sz="2400" dirty="0" err="1" smtClean="0"/>
+              <a:t>Keypoints</a:t>
+            </a:r>
+            <a:r>
+              <a:rPr lang="en-US" sz="2400" dirty="0" smtClean="0"/>
+              <a:t> are then taken as maxima/minima of the Difference of Gaussians</a:t>
+            </a:r>
+            <a:r>
+              <a:rPr lang="en-US" sz="2400" dirty="0"/>
+              <a:t> </a:t>
+            </a:r>
+            <a:r>
+              <a:rPr lang="en-US" sz="2400" dirty="0" smtClean="0"/>
+              <a:t>(</a:t>
+            </a:r>
+            <a:r>
+              <a:rPr lang="en-US" sz="2400" dirty="0" err="1" smtClean="0"/>
+              <a:t>DoG</a:t>
+            </a:r>
+            <a:r>
+              <a:rPr lang="en-US" sz="2400" dirty="0" smtClean="0"/>
+              <a:t>) that occur at multiple scales. </a:t>
+            </a:r>
+          </a:p>
+          <a:p>
+            <a:pPr marL="0" indent="0">
+              <a:buNone/>
+            </a:pPr>
+            <a:r>
+              <a:rPr lang="en-US" sz="2400" dirty="0" smtClean="0"/>
+              <a:t>This is done by comparing each pixel in the </a:t>
+            </a:r>
+            <a:r>
+              <a:rPr lang="en-US" sz="2400" dirty="0" err="1" smtClean="0"/>
+              <a:t>DoG</a:t>
+            </a:r>
+            <a:r>
+              <a:rPr lang="en-US" sz="2400" dirty="0" smtClean="0"/>
+              <a:t> images to its eight neighbors at the same scale and nine corresponding neighboring pixels in each of the neighboring scales. If the pixel value is the maximum or minimum among all compared pixels, it is selected as a candidate </a:t>
+            </a:r>
+            <a:r>
+              <a:rPr lang="en-US" sz="2400" dirty="0" err="1" smtClean="0"/>
+              <a:t>keypoint</a:t>
+            </a:r>
+            <a:r>
+              <a:rPr lang="en-US" sz="2400" dirty="0" smtClean="0"/>
+              <a:t>.</a:t>
+            </a:r>
+            <a:endParaRPr lang="en-US" altLang="en-US" sz="2400" dirty="0"/>
+          </a:p>
+        </p:txBody>
+      </p:sp>
+    </p:spTree>
+    <p:extLst>
+      <p:ext uri="{BB962C8B-B14F-4D97-AF65-F5344CB8AC3E}">
+        <p14:creationId xmlns:p14="http://schemas.microsoft.com/office/powerpoint/2010/main" val="1568228911"/>
+      </p:ext>
+    </p:extLst>
+  </p:cSld>
+  <p:clrMapOvr>
+    <a:masterClrMapping/>
+  </p:clrMapOvr>
+  <mc:AlternateContent xmlns:mc="http://schemas.openxmlformats.org/markup-compatibility/2006">
+    <mc:Choice xmlns:p14="http://schemas.microsoft.com/office/powerpoint/2010/main" Requires="p14">
+      <p:transition spd="slow" p14:dur="2000"/>
+    </mc:Choice>
+    <mc:Fallback>
+      <p:transition spd="slow"/>
+    </mc:Fallback>
+  </mc:AlternateContent>
+  <p:timing>
+    <p:tnLst>
+      <p:par>
+        <p:cTn id="1" dur="indefinite" restart="never" nodeType="tmRoot"/>
+      </p:par>
+    </p:tnLst>
+  </p:timing>
+</p:sld>
+</file>
+
+<file path=ppt/slides/slide12.xml><?xml version="1.0" encoding="utf-8"?>
+<p:sld xmlns:a="http://schemas.openxmlformats.org/drawingml/2006/main" xmlns:r="http://schemas.openxmlformats.org/officeDocument/2006/relationships" xmlns:p="http://schemas.openxmlformats.org/presentationml/2006/main">
+  <p:cSld>
+    <p:spTree>
+      <p:nvGrpSpPr>
+        <p:cNvPr id="1" name=""/>
+        <p:cNvGrpSpPr/>
+        <p:nvPr/>
+      </p:nvGrpSpPr>
+      <p:grpSpPr>
+        <a:xfrm>
+          <a:off x="0" y="0"/>
+          <a:ext cx="0" cy="0"/>
+          <a:chOff x="0" y="0"/>
+          <a:chExt cx="0" cy="0"/>
+        </a:xfrm>
+      </p:grpSpPr>
+      <p:sp>
+        <p:nvSpPr>
+          <p:cNvPr id="75778" name="Rectangle 2"/>
+          <p:cNvSpPr>
+            <a:spLocks noGrp="1" noChangeArrowheads="1"/>
+          </p:cNvSpPr>
+          <p:nvPr>
+            <p:ph type="title"/>
+          </p:nvPr>
+        </p:nvSpPr>
+        <p:spPr/>
+        <p:txBody>
+          <a:bodyPr/>
+          <a:lstStyle/>
+          <a:p>
+            <a:r>
+              <a:rPr lang="en-US" altLang="ko-KR" sz="4000">
+                <a:ea typeface="굴림" pitchFamily="34" charset="-127"/>
+              </a:rPr>
+              <a:t>1. </a:t>
+            </a:r>
+            <a:r>
+              <a:rPr lang="en-US" altLang="en-US" sz="4000"/>
+              <a:t>Feature </a:t>
+            </a:r>
+            <a:r>
+              <a:rPr lang="en-US" altLang="ko-KR" sz="4000">
+                <a:ea typeface="굴림" pitchFamily="34" charset="-127"/>
+              </a:rPr>
+              <a:t>dete</a:t>
+            </a:r>
+            <a:r>
+              <a:rPr lang="en-US" altLang="en-US" sz="4000"/>
+              <a:t>ction</a:t>
+            </a:r>
+          </a:p>
+        </p:txBody>
+      </p:sp>
+      <p:pic>
+        <p:nvPicPr>
+          <p:cNvPr id="75780" name="Picture 4"/>
+          <p:cNvPicPr>
+            <a:picLocks noChangeAspect="1" noChangeArrowheads="1"/>
+          </p:cNvPicPr>
+          <p:nvPr/>
+        </p:nvPicPr>
+        <p:blipFill>
+          <a:blip r:embed="rId3">
+            <a:extLst>
+              <a:ext uri="{28A0092B-C50C-407E-A947-70E740481C1C}">
+                <a14:useLocalDpi xmlns:a14="http://schemas.microsoft.com/office/drawing/2010/main" val="0"/>
+              </a:ext>
+            </a:extLst>
+          </a:blip>
+          <a:srcRect/>
+          <a:stretch>
+            <a:fillRect/>
+          </a:stretch>
+        </p:blipFill>
+        <p:spPr bwMode="auto">
+          <a:xfrm>
+            <a:off x="236538" y="1905000"/>
+            <a:ext cx="5327650" cy="3916363"/>
+          </a:xfrm>
+          <a:prstGeom prst="rect">
+            <a:avLst/>
+          </a:prstGeom>
+          <a:noFill/>
+          <a:extLst>
+            <a:ext uri="{909E8E84-426E-40DD-AFC4-6F175D3DCCD1}">
+              <a14:hiddenFill xmlns:a14="http://schemas.microsoft.com/office/drawing/2010/main">
+                <a:solidFill>
+                  <a:srgbClr val="FFFFFF"/>
+                </a:solidFill>
+              </a14:hiddenFill>
+            </a:ext>
+          </a:extLst>
+        </p:spPr>
+      </p:pic>
+      <p:pic>
+        <p:nvPicPr>
+          <p:cNvPr id="75781" name="Picture 5"/>
+          <p:cNvPicPr>
+            <a:picLocks noGrp="1" noChangeAspect="1" noChangeArrowheads="1"/>
+          </p:cNvPicPr>
+          <p:nvPr>
+            <p:ph sz="half" idx="2"/>
+          </p:nvPr>
+        </p:nvPicPr>
+        <p:blipFill>
+          <a:blip r:embed="rId4">
+            <a:extLst>
+              <a:ext uri="{28A0092B-C50C-407E-A947-70E740481C1C}">
+                <a14:useLocalDpi xmlns:a14="http://schemas.microsoft.com/office/drawing/2010/main" val="0"/>
+              </a:ext>
+            </a:extLst>
+          </a:blip>
+          <a:srcRect/>
+          <a:stretch>
+            <a:fillRect/>
+          </a:stretch>
+        </p:blipFill>
+        <p:spPr>
+          <a:xfrm>
+            <a:off x="5395913" y="2371725"/>
+            <a:ext cx="3519487" cy="3163888"/>
+          </a:xfrm>
+          <a:noFill/>
+          <a:ln/>
+          <a:extLst>
+            <a:ext uri="{909E8E84-426E-40DD-AFC4-6F175D3DCCD1}">
+              <a14:hiddenFill xmlns:a14="http://schemas.microsoft.com/office/drawing/2010/main">
+                <a:solidFill>
+                  <a:srgbClr val="FFFFFF"/>
+                </a:solidFill>
+              </a14:hiddenFill>
+            </a:ext>
+            <a:ext uri="{91240B29-F687-4F45-9708-019B960494DF}">
+              <a14:hiddenLine xmlns:a14="http://schemas.microsoft.com/office/drawing/2010/main" w="9525">
+                <a:solidFill>
+                  <a:srgbClr val="000000"/>
+                </a:solidFill>
+                <a:miter lim="800000"/>
+                <a:headEnd/>
+                <a:tailEnd/>
+              </a14:hiddenLine>
+            </a:ext>
+            <a:ext uri="{AF507438-7753-43E0-B8FC-AC1667EBCBE1}">
+              <a14:hiddenEffects xmlns:a14="http://schemas.microsoft.com/office/drawing/2010/main">
+                <a:effectLst>
+                  <a:outerShdw dist="35921" dir="2700000" algn="ctr" rotWithShape="0">
+                    <a:srgbClr val="808080"/>
+                  </a:outerShdw>
+                </a:effectLst>
+              </a14:hiddenEffects>
+            </a:ext>
+          </a:extLst>
+        </p:spPr>
+      </p:pic>
+    </p:spTree>
+    <p:extLst>
+      <p:ext uri="{BB962C8B-B14F-4D97-AF65-F5344CB8AC3E}">
+        <p14:creationId xmlns:p14="http://schemas.microsoft.com/office/powerpoint/2010/main" val="420173578"/>
+      </p:ext>
+    </p:extLst>
+  </p:cSld>
+  <p:clrMapOvr>
+    <a:masterClrMapping/>
+  </p:clrMapOvr>
+  <p:timing>
+    <p:tnLst>
+      <p:par>
+        <p:cTn id="1" dur="indefinite" restart="never" nodeType="tmRoot"/>
+      </p:par>
+    </p:tnLst>
+  </p:timing>
+</p:sld>
+</file>
+
+<file path=ppt/slides/slide13.xml><?xml version="1.0" encoding="utf-8"?>
+<p:sld xmlns:a="http://schemas.openxmlformats.org/drawingml/2006/main" xmlns:r="http://schemas.openxmlformats.org/officeDocument/2006/relationships" xmlns:p="http://schemas.openxmlformats.org/presentationml/2006/main">
+  <p:cSld>
+    <p:spTree>
+      <p:nvGrpSpPr>
+        <p:cNvPr id="1" name=""/>
+        <p:cNvGrpSpPr/>
+        <p:nvPr/>
+      </p:nvGrpSpPr>
+      <p:grpSpPr>
+        <a:xfrm>
+          <a:off x="0" y="0"/>
+          <a:ext cx="0" cy="0"/>
+          <a:chOff x="0" y="0"/>
+          <a:chExt cx="0" cy="0"/>
+        </a:xfrm>
+      </p:grpSpPr>
+      <p:sp>
+        <p:nvSpPr>
           <p:cNvPr id="29698" name="Rectangle 2"/>
           <p:cNvSpPr>
             <a:spLocks noGrp="1" noChangeArrowheads="1"/>
@@ -4050,7 +6146,11 @@
             </a:r>
             <a:r>
               <a:rPr lang="en-US" altLang="en-US" sz="2800" dirty="0" smtClean="0"/>
-              <a:t> to Localize </a:t>
+              <a:t> to </a:t>
+            </a:r>
+            <a:r>
+              <a:rPr lang="en-US" altLang="en-US" sz="2800" dirty="0" smtClean="0"/>
+              <a:t>localize </a:t>
             </a:r>
             <a:r>
               <a:rPr lang="en-US" altLang="en-US" sz="2800" dirty="0" err="1"/>
@@ -4206,7 +6306,7 @@
 </p:sld>
 </file>
 
-<file path=ppt/slides/slide11.xml><?xml version="1.0" encoding="utf-8"?>
+<file path=ppt/slides/slide14.xml><?xml version="1.0" encoding="utf-8"?>
 <p:sld xmlns:a="http://schemas.openxmlformats.org/drawingml/2006/main" xmlns:r="http://schemas.openxmlformats.org/officeDocument/2006/relationships" xmlns:p="http://schemas.openxmlformats.org/presentationml/2006/main">
   <p:cSld>
     <p:spTree>
@@ -4350,7 +6450,7 @@
           <a:graphicData uri="http://schemas.openxmlformats.org/presentationml/2006/ole">
             <mc:AlternateContent xmlns:mc="http://schemas.openxmlformats.org/markup-compatibility/2006">
               <mc:Choice xmlns:v="urn:schemas-microsoft-com:vml" Requires="v">
-                <p:oleObj spid="_x0000_s1028" name="Equation" r:id="rId3" imgW="355320" imgH="203040" progId="Equation.3">
+                <p:oleObj spid="_x0000_s1034" name="Equation" r:id="rId3" imgW="355320" imgH="203040" progId="Equation.3">
                   <p:embed/>
                 </p:oleObj>
               </mc:Choice>
@@ -4570,7 +6670,7 @@
 </p:sld>
 </file>
 
-<file path=ppt/slides/slide12.xml><?xml version="1.0" encoding="utf-8"?>
+<file path=ppt/slides/slide15.xml><?xml version="1.0" encoding="utf-8"?>
 <p:sld xmlns:a="http://schemas.openxmlformats.org/drawingml/2006/main" xmlns:r="http://schemas.openxmlformats.org/officeDocument/2006/relationships" xmlns:p="http://schemas.openxmlformats.org/presentationml/2006/main">
   <p:cSld>
     <p:spTree>
@@ -4945,7 +7045,7 @@
 </p:sld>
 </file>
 
-<file path=ppt/slides/slide13.xml><?xml version="1.0" encoding="utf-8"?>
+<file path=ppt/slides/slide16.xml><?xml version="1.0" encoding="utf-8"?>
 <p:sld xmlns:a="http://schemas.openxmlformats.org/drawingml/2006/main" xmlns:r="http://schemas.openxmlformats.org/officeDocument/2006/relationships" xmlns:p="http://schemas.openxmlformats.org/presentationml/2006/main">
   <p:cSld>
     <p:spTree>
@@ -5281,7 +7381,7 @@
 </p:sld>
 </file>
 
-<file path=ppt/slides/slide14.xml><?xml version="1.0" encoding="utf-8"?>
+<file path=ppt/slides/slide17.xml><?xml version="1.0" encoding="utf-8"?>
 <p:sld xmlns:a="http://schemas.openxmlformats.org/drawingml/2006/main" xmlns:r="http://schemas.openxmlformats.org/officeDocument/2006/relationships" xmlns:p="http://schemas.openxmlformats.org/presentationml/2006/main">
   <p:cSld>
     <p:spTree>
@@ -5429,171 +7529,7 @@
 </p:sld>
 </file>
 
-<file path=ppt/slides/slide15.xml><?xml version="1.0" encoding="utf-8"?>
-<p:sld xmlns:a="http://schemas.openxmlformats.org/drawingml/2006/main" xmlns:r="http://schemas.openxmlformats.org/officeDocument/2006/relationships" xmlns:p="http://schemas.openxmlformats.org/presentationml/2006/main">
-  <p:cSld>
-    <p:spTree>
-      <p:nvGrpSpPr>
-        <p:cNvPr id="1" name=""/>
-        <p:cNvGrpSpPr/>
-        <p:nvPr/>
-      </p:nvGrpSpPr>
-      <p:grpSpPr>
-        <a:xfrm>
-          <a:off x="0" y="0"/>
-          <a:ext cx="0" cy="0"/>
-          <a:chOff x="0" y="0"/>
-          <a:chExt cx="0" cy="0"/>
-        </a:xfrm>
-      </p:grpSpPr>
-      <p:sp>
-        <p:nvSpPr>
-          <p:cNvPr id="78850" name="Rectangle 2"/>
-          <p:cNvSpPr>
-            <a:spLocks noGrp="1" noChangeArrowheads="1"/>
-          </p:cNvSpPr>
-          <p:nvPr>
-            <p:ph type="title"/>
-          </p:nvPr>
-        </p:nvSpPr>
-        <p:spPr/>
-        <p:txBody>
-          <a:bodyPr/>
-          <a:lstStyle/>
-          <a:p>
-            <a:r>
-              <a:rPr lang="en-US" altLang="ko-KR" sz="4000">
-                <a:ea typeface="굴림" pitchFamily="34" charset="-127"/>
-              </a:rPr>
-              <a:t>2. Feature description</a:t>
-            </a:r>
-            <a:endParaRPr lang="en-US" altLang="en-US" sz="4000"/>
-          </a:p>
-        </p:txBody>
-      </p:sp>
-      <p:sp>
-        <p:nvSpPr>
-          <p:cNvPr id="78851" name="Rectangle 3"/>
-          <p:cNvSpPr>
-            <a:spLocks noGrp="1" noChangeArrowheads="1"/>
-          </p:cNvSpPr>
-          <p:nvPr>
-            <p:ph type="body" idx="1"/>
-          </p:nvPr>
-        </p:nvSpPr>
-        <p:spPr>
-          <a:xfrm>
-            <a:off x="457200" y="1371600"/>
-            <a:ext cx="8229600" cy="4525963"/>
-          </a:xfrm>
-        </p:spPr>
-        <p:txBody>
-          <a:bodyPr/>
-          <a:lstStyle/>
-          <a:p>
-            <a:pPr marL="609600" indent="-609600"/>
-            <a:r>
-              <a:rPr lang="en-US" altLang="ko-KR" sz="2800" dirty="0">
-                <a:ea typeface="굴림" pitchFamily="34" charset="-127"/>
-              </a:rPr>
-              <a:t>Advantage over simple correlation</a:t>
-            </a:r>
-            <a:endParaRPr lang="en-US" altLang="en-US" sz="2800" dirty="0"/>
-          </a:p>
-          <a:p>
-            <a:pPr marL="990600" lvl="1" indent="-533400"/>
-            <a:r>
-              <a:rPr lang="en-US" altLang="ko-KR" sz="2400" dirty="0" smtClean="0">
-                <a:ea typeface="굴림" pitchFamily="34" charset="-127"/>
-              </a:rPr>
-              <a:t>less </a:t>
-            </a:r>
-            <a:r>
-              <a:rPr lang="en-US" altLang="ko-KR" sz="2400" dirty="0">
-                <a:ea typeface="굴림" pitchFamily="34" charset="-127"/>
-              </a:rPr>
-              <a:t>sensitive to illumination change</a:t>
-            </a:r>
-          </a:p>
-          <a:p>
-            <a:pPr marL="990600" lvl="1" indent="-533400"/>
-            <a:r>
-              <a:rPr lang="en-US" altLang="ko-KR" sz="2400" dirty="0" smtClean="0">
-                <a:ea typeface="굴림" pitchFamily="34" charset="-127"/>
-              </a:rPr>
-              <a:t>robust </a:t>
-            </a:r>
-            <a:r>
-              <a:rPr lang="en-US" altLang="ko-KR" sz="2400" dirty="0">
-                <a:ea typeface="굴림" pitchFamily="34" charset="-127"/>
-              </a:rPr>
-              <a:t>to deformation, viewpoint change</a:t>
-            </a:r>
-          </a:p>
-        </p:txBody>
-      </p:sp>
-      <p:pic>
-        <p:nvPicPr>
-          <p:cNvPr id="78852" name="Picture 4" descr="descrip"/>
-          <p:cNvPicPr>
-            <a:picLocks noChangeAspect="1" noChangeArrowheads="1"/>
-          </p:cNvPicPr>
-          <p:nvPr/>
-        </p:nvPicPr>
-        <p:blipFill>
-          <a:blip r:embed="rId2">
-            <a:extLst>
-              <a:ext uri="{28A0092B-C50C-407E-A947-70E740481C1C}">
-                <a14:useLocalDpi xmlns:a14="http://schemas.microsoft.com/office/drawing/2010/main" val="0"/>
-              </a:ext>
-            </a:extLst>
-          </a:blip>
-          <a:srcRect/>
-          <a:stretch>
-            <a:fillRect/>
-          </a:stretch>
-        </p:blipFill>
-        <p:spPr bwMode="auto">
-          <a:xfrm>
-            <a:off x="1143000" y="3124200"/>
-            <a:ext cx="6656388" cy="3167063"/>
-          </a:xfrm>
-          <a:prstGeom prst="rect">
-            <a:avLst/>
-          </a:prstGeom>
-          <a:noFill/>
-          <a:extLst>
-            <a:ext uri="{909E8E84-426E-40DD-AFC4-6F175D3DCCD1}">
-              <a14:hiddenFill xmlns:a14="http://schemas.microsoft.com/office/drawing/2010/main">
-                <a:solidFill>
-                  <a:srgbClr val="FFFFFF"/>
-                </a:solidFill>
-              </a14:hiddenFill>
-            </a:ext>
-          </a:extLst>
-        </p:spPr>
-      </p:pic>
-    </p:spTree>
-    <p:extLst>
-      <p:ext uri="{BB962C8B-B14F-4D97-AF65-F5344CB8AC3E}">
-        <p14:creationId xmlns:p14="http://schemas.microsoft.com/office/powerpoint/2010/main" val="1907820543"/>
-      </p:ext>
-    </p:extLst>
-  </p:cSld>
-  <p:clrMapOvr>
-    <a:masterClrMapping/>
-  </p:clrMapOvr>
-  <p:timing>
-    <p:tnLst>
-      <p:par>
-        <p:cTn id="1" dur="indefinite" restart="never" nodeType="tmRoot"/>
-      </p:par>
-    </p:tnLst>
-  </p:timing>
-</p:sld>
-</file>
-
-<file path=ppt/slides/slide16.xml><?xml version="1.0" encoding="utf-8"?>
+<file path=ppt/slides/slide18.xml><?xml version="1.0" encoding="utf-8"?>
 <p:sld xmlns:a="http://schemas.openxmlformats.org/drawingml/2006/main" xmlns:r="http://schemas.openxmlformats.org/officeDocument/2006/relationships" xmlns:p="http://schemas.openxmlformats.org/presentationml/2006/main">
   <p:cSld>
     <p:spTree>
@@ -5900,7 +7836,7 @@
 </p:sld>
 </file>
 
-<file path=ppt/slides/slide17.xml><?xml version="1.0" encoding="utf-8"?>
+<file path=ppt/slides/slide19.xml><?xml version="1.0" encoding="utf-8"?>
 <p:sld xmlns:a="http://schemas.openxmlformats.org/drawingml/2006/main" xmlns:r="http://schemas.openxmlformats.org/officeDocument/2006/relationships" xmlns:p="http://schemas.openxmlformats.org/presentationml/2006/main">
   <p:cSld>
     <p:spTree>
@@ -5959,24 +7895,26 @@
           </a:xfrm>
         </p:spPr>
         <p:txBody>
-          <a:bodyPr/>
+          <a:bodyPr>
+            <a:normAutofit fontScale="77500" lnSpcReduction="20000"/>
+          </a:bodyPr>
           <a:lstStyle/>
           <a:p>
             <a:pPr marL="609600" indent="-609600"/>
             <a:r>
-              <a:rPr lang="en-US" altLang="ko-KR" sz="2800" dirty="0">
+              <a:rPr lang="en-US" altLang="ko-KR" sz="3300" dirty="0">
                 <a:ea typeface="굴림" pitchFamily="34" charset="-127"/>
               </a:rPr>
               <a:t>Nearest neighbor search too slow for large database of </a:t>
             </a:r>
             <a:r>
-              <a:rPr lang="en-US" altLang="ko-KR" sz="2800" dirty="0" smtClean="0">
+              <a:rPr lang="en-US" altLang="ko-KR" sz="3300" dirty="0" smtClean="0">
                 <a:ea typeface="굴림" pitchFamily="34" charset="-127"/>
               </a:rPr>
               <a:t>128-dimensional </a:t>
             </a:r>
             <a:r>
-              <a:rPr lang="en-US" altLang="ko-KR" sz="2800" dirty="0">
+              <a:rPr lang="en-US" altLang="ko-KR" sz="3300" dirty="0">
                 <a:ea typeface="굴림" pitchFamily="34" charset="-127"/>
               </a:rPr>
               <a:t>data</a:t>
@@ -5985,33 +7923,1797 @@
           <a:p>
             <a:pPr marL="609600" indent="-609600"/>
             <a:r>
-              <a:rPr lang="en-US" altLang="ko-KR" sz="2800" b="1" dirty="0">
+              <a:rPr lang="en-US" altLang="ko-KR" sz="3300" b="1" dirty="0">
                 <a:ea typeface="굴림" pitchFamily="34" charset="-127"/>
               </a:rPr>
               <a:t>Approximate </a:t>
             </a:r>
             <a:r>
-              <a:rPr lang="en-US" altLang="ko-KR" sz="2800" dirty="0">
+              <a:rPr lang="en-US" altLang="ko-KR" sz="3300" dirty="0">
                 <a:ea typeface="굴림" pitchFamily="34" charset="-127"/>
               </a:rPr>
-              <a:t>nearest neighbor search:</a:t>
+              <a:t>nearest neighbor search</a:t>
+            </a:r>
+            <a:r>
+              <a:rPr lang="en-US" altLang="ko-KR" sz="3300" dirty="0" smtClean="0">
+                <a:ea typeface="굴림" pitchFamily="34" charset="-127"/>
+              </a:rPr>
+              <a:t>:</a:t>
+            </a:r>
+          </a:p>
+          <a:p>
+            <a:pPr marL="11396" marR="4559" indent="0" defTabSz="820487">
+              <a:buClr>
+                <a:srgbClr val="3333CC"/>
+              </a:buClr>
+              <a:buSzPct val="60000"/>
+              <a:buNone/>
+              <a:tabLst>
+                <a:tab pos="319078" algn="l"/>
+              </a:tabLst>
+            </a:pPr>
+            <a:endParaRPr lang="en-US" sz="2800" dirty="0" smtClean="0">
+              <a:ea typeface="굴림" pitchFamily="34" charset="-127"/>
+            </a:endParaRPr>
+          </a:p>
+          <a:p>
+            <a:pPr marL="411446" marR="4559" lvl="1" indent="0" defTabSz="820487">
+              <a:buClr>
+                <a:srgbClr val="3333CC"/>
+              </a:buClr>
+              <a:buSzPct val="60000"/>
+              <a:buNone/>
+              <a:tabLst>
+                <a:tab pos="319078" algn="l"/>
+              </a:tabLst>
+            </a:pPr>
+            <a:r>
+              <a:rPr lang="en-US" sz="1900" dirty="0" smtClean="0">
+                <a:solidFill>
+                  <a:prstClr val="black"/>
+                </a:solidFill>
+                <a:latin typeface="Tahoma"/>
+                <a:cs typeface="Tahoma"/>
+              </a:rPr>
+              <a:t>H</a:t>
+            </a:r>
+            <a:r>
+              <a:rPr lang="en-US" sz="1900" spc="-13" dirty="0" smtClean="0">
+                <a:solidFill>
+                  <a:prstClr val="black"/>
+                </a:solidFill>
+                <a:latin typeface="Tahoma"/>
+                <a:cs typeface="Tahoma"/>
+              </a:rPr>
+              <a:t>ypotheses</a:t>
+            </a:r>
+            <a:r>
+              <a:rPr lang="en-US" sz="1900" spc="-4" dirty="0" smtClean="0">
+                <a:solidFill>
+                  <a:prstClr val="black"/>
+                </a:solidFill>
+                <a:latin typeface="Tahoma"/>
+                <a:cs typeface="Tahoma"/>
+              </a:rPr>
+              <a:t> </a:t>
+            </a:r>
+            <a:r>
+              <a:rPr lang="en-US" sz="1900" spc="-13" dirty="0">
+                <a:solidFill>
+                  <a:prstClr val="black"/>
+                </a:solidFill>
+                <a:latin typeface="Tahoma"/>
+                <a:cs typeface="Tahoma"/>
+              </a:rPr>
+              <a:t>a</a:t>
+            </a:r>
+            <a:r>
+              <a:rPr lang="en-US" sz="1900" dirty="0">
+                <a:solidFill>
+                  <a:prstClr val="black"/>
+                </a:solidFill>
+                <a:latin typeface="Tahoma"/>
+                <a:cs typeface="Tahoma"/>
+              </a:rPr>
+              <a:t>re</a:t>
+            </a:r>
+            <a:r>
+              <a:rPr lang="en-US" sz="1900" spc="-4" dirty="0">
+                <a:solidFill>
+                  <a:prstClr val="black"/>
+                </a:solidFill>
+                <a:latin typeface="Tahoma"/>
+                <a:cs typeface="Tahoma"/>
+              </a:rPr>
+              <a:t> </a:t>
+            </a:r>
+            <a:r>
+              <a:rPr lang="en-US" sz="1900" spc="-13" dirty="0">
+                <a:solidFill>
+                  <a:prstClr val="black"/>
+                </a:solidFill>
+                <a:latin typeface="Tahoma"/>
+                <a:cs typeface="Tahoma"/>
+              </a:rPr>
+              <a:t>g</a:t>
+            </a:r>
+            <a:r>
+              <a:rPr lang="en-US" sz="1900" dirty="0">
+                <a:solidFill>
+                  <a:prstClr val="black"/>
+                </a:solidFill>
+                <a:latin typeface="Tahoma"/>
+                <a:cs typeface="Tahoma"/>
+              </a:rPr>
+              <a:t>e</a:t>
+            </a:r>
+            <a:r>
+              <a:rPr lang="en-US" sz="1900" spc="-13" dirty="0">
+                <a:solidFill>
+                  <a:prstClr val="black"/>
+                </a:solidFill>
+                <a:latin typeface="Tahoma"/>
+                <a:cs typeface="Tahoma"/>
+              </a:rPr>
+              <a:t>n</a:t>
+            </a:r>
+            <a:r>
+              <a:rPr lang="en-US" sz="1900" dirty="0">
+                <a:solidFill>
+                  <a:prstClr val="black"/>
+                </a:solidFill>
+                <a:latin typeface="Tahoma"/>
+                <a:cs typeface="Tahoma"/>
+              </a:rPr>
+              <a:t>er</a:t>
+            </a:r>
+            <a:r>
+              <a:rPr lang="en-US" sz="1900" spc="-13" dirty="0">
+                <a:solidFill>
+                  <a:prstClr val="black"/>
+                </a:solidFill>
+                <a:latin typeface="Tahoma"/>
+                <a:cs typeface="Tahoma"/>
+              </a:rPr>
+              <a:t>a</a:t>
+            </a:r>
+            <a:r>
+              <a:rPr lang="en-US" sz="1900" dirty="0">
+                <a:solidFill>
+                  <a:prstClr val="black"/>
+                </a:solidFill>
+                <a:latin typeface="Tahoma"/>
+                <a:cs typeface="Tahoma"/>
+              </a:rPr>
+              <a:t>te</a:t>
+            </a:r>
+            <a:r>
+              <a:rPr lang="en-US" sz="1900" spc="-13" dirty="0">
+                <a:solidFill>
+                  <a:prstClr val="black"/>
+                </a:solidFill>
+                <a:latin typeface="Tahoma"/>
+                <a:cs typeface="Tahoma"/>
+              </a:rPr>
+              <a:t>d</a:t>
+            </a:r>
+            <a:r>
+              <a:rPr lang="en-US" sz="1900" spc="-4" dirty="0">
+                <a:solidFill>
+                  <a:prstClr val="black"/>
+                </a:solidFill>
+                <a:latin typeface="Tahoma"/>
+                <a:cs typeface="Tahoma"/>
+              </a:rPr>
+              <a:t> </a:t>
+            </a:r>
+            <a:r>
+              <a:rPr lang="en-US" sz="1900" spc="-13" dirty="0">
+                <a:solidFill>
+                  <a:prstClr val="black"/>
+                </a:solidFill>
+                <a:latin typeface="Tahoma"/>
+                <a:cs typeface="Tahoma"/>
+              </a:rPr>
+              <a:t>b</a:t>
+            </a:r>
+            <a:r>
+              <a:rPr lang="en-US" sz="1900" dirty="0">
+                <a:solidFill>
+                  <a:prstClr val="black"/>
+                </a:solidFill>
+                <a:latin typeface="Tahoma"/>
+                <a:cs typeface="Tahoma"/>
+              </a:rPr>
+              <a:t>y</a:t>
+            </a:r>
+            <a:r>
+              <a:rPr lang="en-US" sz="1900" spc="-4" dirty="0">
+                <a:solidFill>
+                  <a:prstClr val="black"/>
+                </a:solidFill>
+                <a:latin typeface="Tahoma"/>
+                <a:cs typeface="Tahoma"/>
+              </a:rPr>
+              <a:t> </a:t>
+            </a:r>
+            <a:r>
+              <a:rPr lang="en-US" sz="1900" b="1" spc="-13" dirty="0">
+                <a:solidFill>
+                  <a:prstClr val="black"/>
+                </a:solidFill>
+                <a:latin typeface="Tahoma"/>
+                <a:cs typeface="Tahoma"/>
+              </a:rPr>
+              <a:t>a</a:t>
+            </a:r>
+            <a:r>
+              <a:rPr lang="en-US" sz="1900" b="1" dirty="0">
+                <a:solidFill>
+                  <a:prstClr val="black"/>
+                </a:solidFill>
+                <a:latin typeface="Tahoma"/>
+                <a:cs typeface="Tahoma"/>
+              </a:rPr>
+              <a:t>pp</a:t>
+            </a:r>
+            <a:r>
+              <a:rPr lang="en-US" sz="1900" b="1" spc="-9" dirty="0">
+                <a:solidFill>
+                  <a:prstClr val="black"/>
+                </a:solidFill>
+                <a:latin typeface="Tahoma"/>
+                <a:cs typeface="Tahoma"/>
+              </a:rPr>
+              <a:t>r</a:t>
+            </a:r>
+            <a:r>
+              <a:rPr lang="en-US" sz="1900" b="1" dirty="0">
+                <a:solidFill>
+                  <a:prstClr val="black"/>
+                </a:solidFill>
+                <a:latin typeface="Tahoma"/>
+                <a:cs typeface="Tahoma"/>
+              </a:rPr>
+              <a:t>ox</a:t>
+            </a:r>
+            <a:r>
+              <a:rPr lang="en-US" sz="1900" b="1" spc="-13" dirty="0">
+                <a:solidFill>
+                  <a:prstClr val="black"/>
+                </a:solidFill>
+                <a:latin typeface="Tahoma"/>
+                <a:cs typeface="Tahoma"/>
+              </a:rPr>
+              <a:t>imate</a:t>
+            </a:r>
+            <a:r>
+              <a:rPr lang="en-US" sz="1900" b="1" spc="-4" dirty="0">
+                <a:solidFill>
+                  <a:prstClr val="black"/>
+                </a:solidFill>
+                <a:latin typeface="Tahoma"/>
+                <a:cs typeface="Tahoma"/>
+              </a:rPr>
+              <a:t> </a:t>
+            </a:r>
+            <a:r>
+              <a:rPr lang="en-US" sz="1900" b="1" dirty="0">
+                <a:solidFill>
+                  <a:prstClr val="black"/>
+                </a:solidFill>
+                <a:latin typeface="Tahoma"/>
+                <a:cs typeface="Tahoma"/>
+              </a:rPr>
+              <a:t>n</a:t>
+            </a:r>
+            <a:r>
+              <a:rPr lang="en-US" sz="1900" b="1" spc="-18" dirty="0">
+                <a:solidFill>
+                  <a:prstClr val="black"/>
+                </a:solidFill>
+                <a:latin typeface="Tahoma"/>
+                <a:cs typeface="Tahoma"/>
+              </a:rPr>
+              <a:t>e</a:t>
+            </a:r>
+            <a:r>
+              <a:rPr lang="en-US" sz="1900" b="1" spc="-13" dirty="0">
+                <a:solidFill>
+                  <a:prstClr val="black"/>
+                </a:solidFill>
+                <a:latin typeface="Tahoma"/>
+                <a:cs typeface="Tahoma"/>
+              </a:rPr>
+              <a:t>ar</a:t>
+            </a:r>
+            <a:r>
+              <a:rPr lang="en-US" sz="1900" b="1" spc="-18" dirty="0">
+                <a:solidFill>
+                  <a:prstClr val="black"/>
+                </a:solidFill>
+                <a:latin typeface="Tahoma"/>
+                <a:cs typeface="Tahoma"/>
+              </a:rPr>
+              <a:t>e</a:t>
+            </a:r>
+            <a:r>
+              <a:rPr lang="en-US" sz="1900" b="1" spc="-9" dirty="0">
+                <a:solidFill>
+                  <a:prstClr val="black"/>
+                </a:solidFill>
+                <a:latin typeface="Tahoma"/>
+                <a:cs typeface="Tahoma"/>
+              </a:rPr>
+              <a:t>st</a:t>
+            </a:r>
+            <a:r>
+              <a:rPr lang="en-US" sz="1900" b="1" spc="-13" dirty="0">
+                <a:solidFill>
+                  <a:prstClr val="black"/>
+                </a:solidFill>
+                <a:latin typeface="Tahoma"/>
+                <a:cs typeface="Tahoma"/>
+              </a:rPr>
+              <a:t> neighbor</a:t>
+            </a:r>
+            <a:r>
+              <a:rPr lang="en-US" sz="1900" b="1" spc="31" dirty="0">
+                <a:solidFill>
+                  <a:prstClr val="black"/>
+                </a:solidFill>
+                <a:latin typeface="Tahoma"/>
+                <a:cs typeface="Tahoma"/>
+              </a:rPr>
+              <a:t> </a:t>
+            </a:r>
+            <a:r>
+              <a:rPr lang="en-US" sz="1900" spc="-13" dirty="0">
+                <a:solidFill>
+                  <a:prstClr val="black"/>
+                </a:solidFill>
+                <a:latin typeface="Tahoma"/>
+                <a:cs typeface="Tahoma"/>
+              </a:rPr>
+              <a:t>ma</a:t>
+            </a:r>
+            <a:r>
+              <a:rPr lang="en-US" sz="1900" dirty="0">
+                <a:solidFill>
+                  <a:prstClr val="black"/>
+                </a:solidFill>
+                <a:latin typeface="Tahoma"/>
+                <a:cs typeface="Tahoma"/>
+              </a:rPr>
+              <a:t>tc</a:t>
+            </a:r>
+            <a:r>
+              <a:rPr lang="en-US" sz="1900" spc="-9" dirty="0">
+                <a:solidFill>
+                  <a:prstClr val="black"/>
+                </a:solidFill>
+                <a:latin typeface="Tahoma"/>
+                <a:cs typeface="Tahoma"/>
+              </a:rPr>
+              <a:t>hing</a:t>
+            </a:r>
+            <a:r>
+              <a:rPr lang="en-US" sz="1900" spc="-4" dirty="0">
+                <a:solidFill>
+                  <a:prstClr val="black"/>
+                </a:solidFill>
+                <a:latin typeface="Tahoma"/>
+                <a:cs typeface="Tahoma"/>
+              </a:rPr>
+              <a:t> </a:t>
+            </a:r>
+            <a:r>
+              <a:rPr lang="en-US" sz="1900" dirty="0">
+                <a:solidFill>
+                  <a:prstClr val="black"/>
+                </a:solidFill>
+                <a:latin typeface="Tahoma"/>
+                <a:cs typeface="Tahoma"/>
+              </a:rPr>
+              <a:t>of</a:t>
+            </a:r>
+            <a:r>
+              <a:rPr lang="en-US" sz="1900" spc="-4" dirty="0">
+                <a:solidFill>
+                  <a:prstClr val="black"/>
+                </a:solidFill>
+                <a:latin typeface="Tahoma"/>
+                <a:cs typeface="Tahoma"/>
+              </a:rPr>
+              <a:t> </a:t>
+            </a:r>
+            <a:r>
+              <a:rPr lang="en-US" sz="1900" dirty="0">
+                <a:solidFill>
+                  <a:prstClr val="black"/>
+                </a:solidFill>
+                <a:latin typeface="Tahoma"/>
+                <a:cs typeface="Tahoma"/>
+              </a:rPr>
+              <a:t>e</a:t>
+            </a:r>
+            <a:r>
+              <a:rPr lang="en-US" sz="1900" spc="-13" dirty="0">
+                <a:solidFill>
+                  <a:prstClr val="black"/>
+                </a:solidFill>
+                <a:latin typeface="Tahoma"/>
+                <a:cs typeface="Tahoma"/>
+              </a:rPr>
+              <a:t>a</a:t>
+            </a:r>
+            <a:r>
+              <a:rPr lang="en-US" sz="1900" dirty="0">
+                <a:solidFill>
+                  <a:prstClr val="black"/>
+                </a:solidFill>
+                <a:latin typeface="Tahoma"/>
+                <a:cs typeface="Tahoma"/>
+              </a:rPr>
+              <a:t>c</a:t>
+            </a:r>
+            <a:r>
+              <a:rPr lang="en-US" sz="1900" spc="-13" dirty="0">
+                <a:solidFill>
+                  <a:prstClr val="black"/>
+                </a:solidFill>
+                <a:latin typeface="Tahoma"/>
+                <a:cs typeface="Tahoma"/>
+              </a:rPr>
+              <a:t>h</a:t>
+            </a:r>
+            <a:r>
+              <a:rPr lang="en-US" sz="1900" spc="-4" dirty="0">
+                <a:solidFill>
+                  <a:prstClr val="black"/>
+                </a:solidFill>
+                <a:latin typeface="Tahoma"/>
+                <a:cs typeface="Tahoma"/>
+              </a:rPr>
+              <a:t> </a:t>
+            </a:r>
+            <a:r>
+              <a:rPr lang="en-US" sz="1900" dirty="0">
+                <a:solidFill>
+                  <a:prstClr val="black"/>
+                </a:solidFill>
+                <a:latin typeface="Tahoma"/>
+                <a:cs typeface="Tahoma"/>
+              </a:rPr>
+              <a:t>fe</a:t>
+            </a:r>
+            <a:r>
+              <a:rPr lang="en-US" sz="1900" spc="-13" dirty="0">
+                <a:solidFill>
+                  <a:prstClr val="black"/>
+                </a:solidFill>
+                <a:latin typeface="Tahoma"/>
+                <a:cs typeface="Tahoma"/>
+              </a:rPr>
+              <a:t>a</a:t>
+            </a:r>
+            <a:r>
+              <a:rPr lang="en-US" sz="1900" dirty="0">
+                <a:solidFill>
+                  <a:prstClr val="black"/>
+                </a:solidFill>
+                <a:latin typeface="Tahoma"/>
+                <a:cs typeface="Tahoma"/>
+              </a:rPr>
+              <a:t>t</a:t>
+            </a:r>
+            <a:r>
+              <a:rPr lang="en-US" sz="1900" spc="-13" dirty="0">
+                <a:solidFill>
+                  <a:prstClr val="black"/>
+                </a:solidFill>
+                <a:latin typeface="Tahoma"/>
+                <a:cs typeface="Tahoma"/>
+              </a:rPr>
+              <a:t>u</a:t>
+            </a:r>
+            <a:r>
+              <a:rPr lang="en-US" sz="1900" dirty="0">
+                <a:solidFill>
+                  <a:prstClr val="black"/>
+                </a:solidFill>
+                <a:latin typeface="Tahoma"/>
+                <a:cs typeface="Tahoma"/>
+              </a:rPr>
+              <a:t>re</a:t>
+            </a:r>
+            <a:r>
+              <a:rPr lang="en-US" sz="1900" spc="-4" dirty="0">
+                <a:solidFill>
+                  <a:prstClr val="black"/>
+                </a:solidFill>
+                <a:latin typeface="Tahoma"/>
+                <a:cs typeface="Tahoma"/>
+              </a:rPr>
+              <a:t> </a:t>
+            </a:r>
+            <a:r>
+              <a:rPr lang="en-US" sz="1900" dirty="0">
+                <a:solidFill>
+                  <a:prstClr val="black"/>
+                </a:solidFill>
+                <a:latin typeface="Tahoma"/>
+                <a:cs typeface="Tahoma"/>
+              </a:rPr>
+              <a:t>t</a:t>
+            </a:r>
+            <a:r>
+              <a:rPr lang="en-US" sz="1900" spc="-13" dirty="0">
+                <a:solidFill>
+                  <a:prstClr val="black"/>
+                </a:solidFill>
+                <a:latin typeface="Tahoma"/>
+                <a:cs typeface="Tahoma"/>
+              </a:rPr>
+              <a:t>o</a:t>
+            </a:r>
+            <a:r>
+              <a:rPr lang="en-US" sz="1900" spc="-4" dirty="0">
+                <a:solidFill>
+                  <a:prstClr val="black"/>
+                </a:solidFill>
+                <a:latin typeface="Tahoma"/>
+                <a:cs typeface="Tahoma"/>
+              </a:rPr>
+              <a:t> </a:t>
+            </a:r>
+            <a:r>
+              <a:rPr lang="en-US" sz="1900" dirty="0">
+                <a:solidFill>
+                  <a:prstClr val="black"/>
+                </a:solidFill>
+                <a:latin typeface="Tahoma"/>
+                <a:cs typeface="Tahoma"/>
+              </a:rPr>
+              <a:t>vectors</a:t>
+            </a:r>
+            <a:r>
+              <a:rPr lang="en-US" sz="1900" spc="-4" dirty="0">
+                <a:solidFill>
+                  <a:prstClr val="black"/>
+                </a:solidFill>
+                <a:latin typeface="Tahoma"/>
+                <a:cs typeface="Tahoma"/>
+              </a:rPr>
+              <a:t> </a:t>
+            </a:r>
+            <a:r>
+              <a:rPr lang="en-US" sz="1900" spc="-9" dirty="0">
+                <a:solidFill>
+                  <a:prstClr val="black"/>
+                </a:solidFill>
+                <a:latin typeface="Tahoma"/>
+                <a:cs typeface="Tahoma"/>
+              </a:rPr>
+              <a:t>in</a:t>
+            </a:r>
+            <a:r>
+              <a:rPr lang="en-US" sz="1900" spc="-4" dirty="0">
+                <a:solidFill>
+                  <a:prstClr val="black"/>
+                </a:solidFill>
+                <a:latin typeface="Tahoma"/>
+                <a:cs typeface="Tahoma"/>
+              </a:rPr>
+              <a:t> </a:t>
+            </a:r>
+            <a:r>
+              <a:rPr lang="en-US" sz="1900" dirty="0">
+                <a:solidFill>
+                  <a:prstClr val="black"/>
+                </a:solidFill>
+                <a:latin typeface="Tahoma"/>
+                <a:cs typeface="Tahoma"/>
+              </a:rPr>
+              <a:t>t</a:t>
+            </a:r>
+            <a:r>
+              <a:rPr lang="en-US" sz="1900" spc="-13" dirty="0">
+                <a:solidFill>
+                  <a:prstClr val="black"/>
+                </a:solidFill>
+                <a:latin typeface="Tahoma"/>
+                <a:cs typeface="Tahoma"/>
+              </a:rPr>
+              <a:t>h</a:t>
+            </a:r>
+            <a:r>
+              <a:rPr lang="en-US" sz="1900" dirty="0">
+                <a:solidFill>
+                  <a:prstClr val="black"/>
+                </a:solidFill>
+                <a:latin typeface="Tahoma"/>
+                <a:cs typeface="Tahoma"/>
+              </a:rPr>
+              <a:t>e</a:t>
+            </a:r>
+            <a:r>
+              <a:rPr lang="en-US" sz="1900" spc="-4" dirty="0">
+                <a:solidFill>
+                  <a:prstClr val="black"/>
+                </a:solidFill>
+                <a:latin typeface="Tahoma"/>
+                <a:cs typeface="Tahoma"/>
+              </a:rPr>
+              <a:t> </a:t>
+            </a:r>
+            <a:r>
+              <a:rPr lang="en-US" sz="1900" spc="-13" dirty="0">
+                <a:solidFill>
+                  <a:prstClr val="black"/>
+                </a:solidFill>
+                <a:latin typeface="Tahoma"/>
+                <a:cs typeface="Tahoma"/>
+              </a:rPr>
+              <a:t>da</a:t>
+            </a:r>
+            <a:r>
+              <a:rPr lang="en-US" sz="1900" dirty="0">
+                <a:solidFill>
+                  <a:prstClr val="black"/>
+                </a:solidFill>
+                <a:latin typeface="Tahoma"/>
+                <a:cs typeface="Tahoma"/>
+              </a:rPr>
+              <a:t>t</a:t>
+            </a:r>
+            <a:r>
+              <a:rPr lang="en-US" sz="1900" spc="-13" dirty="0">
+                <a:solidFill>
+                  <a:prstClr val="black"/>
+                </a:solidFill>
+                <a:latin typeface="Tahoma"/>
+                <a:cs typeface="Tahoma"/>
+              </a:rPr>
+              <a:t>aba</a:t>
+            </a:r>
+            <a:r>
+              <a:rPr lang="en-US" sz="1900" dirty="0">
+                <a:solidFill>
+                  <a:prstClr val="black"/>
+                </a:solidFill>
+                <a:latin typeface="Tahoma"/>
+                <a:cs typeface="Tahoma"/>
+              </a:rPr>
+              <a:t>se</a:t>
+            </a:r>
+          </a:p>
+          <a:p>
+            <a:pPr marL="672344" marR="1033585" lvl="1" indent="-250705" defTabSz="820487">
+              <a:lnSpc>
+                <a:spcPts val="2531"/>
+              </a:lnSpc>
+              <a:spcBef>
+                <a:spcPts val="646"/>
+              </a:spcBef>
+              <a:buClr>
+                <a:srgbClr val="FF0000"/>
+              </a:buClr>
+              <a:buSzPct val="54166"/>
+              <a:buFont typeface="Wingdings"/>
+              <a:buChar char=""/>
+              <a:tabLst>
+                <a:tab pos="678040" algn="l"/>
+              </a:tabLst>
+            </a:pPr>
+            <a:r>
+              <a:rPr lang="en-US" sz="2200" dirty="0">
+                <a:solidFill>
+                  <a:prstClr val="black"/>
+                </a:solidFill>
+                <a:latin typeface="Tahoma"/>
+                <a:cs typeface="Tahoma"/>
+              </a:rPr>
+              <a:t>S</a:t>
+            </a:r>
+            <a:r>
+              <a:rPr lang="en-US" sz="2200" spc="-4" dirty="0">
+                <a:solidFill>
+                  <a:prstClr val="black"/>
+                </a:solidFill>
+                <a:latin typeface="Tahoma"/>
+                <a:cs typeface="Tahoma"/>
+              </a:rPr>
+              <a:t>I</a:t>
+            </a:r>
+            <a:r>
+              <a:rPr lang="en-US" sz="2200" dirty="0">
+                <a:solidFill>
+                  <a:prstClr val="black"/>
+                </a:solidFill>
+                <a:latin typeface="Tahoma"/>
+                <a:cs typeface="Tahoma"/>
+              </a:rPr>
+              <a:t>F</a:t>
+            </a:r>
+            <a:r>
+              <a:rPr lang="en-US" sz="2200" spc="-13" dirty="0">
+                <a:solidFill>
+                  <a:prstClr val="black"/>
+                </a:solidFill>
+                <a:latin typeface="Tahoma"/>
+                <a:cs typeface="Tahoma"/>
+              </a:rPr>
+              <a:t>T</a:t>
+            </a:r>
+            <a:r>
+              <a:rPr lang="en-US" sz="2200" spc="-4" dirty="0">
+                <a:solidFill>
+                  <a:prstClr val="black"/>
+                </a:solidFill>
+                <a:latin typeface="Tahoma"/>
+                <a:cs typeface="Tahoma"/>
+              </a:rPr>
+              <a:t> </a:t>
+            </a:r>
+            <a:r>
+              <a:rPr lang="en-US" sz="2200" spc="-13" dirty="0">
+                <a:solidFill>
+                  <a:prstClr val="black"/>
+                </a:solidFill>
+                <a:latin typeface="Tahoma"/>
+                <a:cs typeface="Tahoma"/>
+              </a:rPr>
+              <a:t>u</a:t>
+            </a:r>
+            <a:r>
+              <a:rPr lang="en-US" sz="2200" dirty="0">
+                <a:solidFill>
+                  <a:prstClr val="black"/>
+                </a:solidFill>
+                <a:latin typeface="Tahoma"/>
+                <a:cs typeface="Tahoma"/>
+              </a:rPr>
+              <a:t>se</a:t>
+            </a:r>
+            <a:r>
+              <a:rPr lang="en-US" sz="2200" spc="-4" dirty="0">
+                <a:solidFill>
+                  <a:prstClr val="black"/>
+                </a:solidFill>
+                <a:latin typeface="Tahoma"/>
+                <a:cs typeface="Tahoma"/>
+              </a:rPr>
+              <a:t> </a:t>
+            </a:r>
+            <a:r>
+              <a:rPr lang="en-US" sz="2200" spc="-13" dirty="0">
+                <a:solidFill>
+                  <a:prstClr val="black"/>
+                </a:solidFill>
+                <a:latin typeface="Tahoma"/>
+                <a:cs typeface="Tahoma"/>
+              </a:rPr>
+              <a:t>b</a:t>
+            </a:r>
+            <a:r>
+              <a:rPr lang="en-US" sz="2200" dirty="0">
+                <a:solidFill>
+                  <a:prstClr val="black"/>
+                </a:solidFill>
+                <a:latin typeface="Tahoma"/>
+                <a:cs typeface="Tahoma"/>
+              </a:rPr>
+              <a:t>est-</a:t>
+            </a:r>
+            <a:r>
+              <a:rPr lang="en-US" sz="2200" spc="-13" dirty="0">
+                <a:solidFill>
+                  <a:prstClr val="black"/>
+                </a:solidFill>
+                <a:latin typeface="Tahoma"/>
+                <a:cs typeface="Tahoma"/>
+              </a:rPr>
+              <a:t>bin</a:t>
+            </a:r>
+            <a:r>
+              <a:rPr lang="en-US" sz="2200" dirty="0">
+                <a:solidFill>
+                  <a:prstClr val="black"/>
+                </a:solidFill>
+                <a:latin typeface="Tahoma"/>
+                <a:cs typeface="Tahoma"/>
+              </a:rPr>
+              <a:t>-f</a:t>
+            </a:r>
+            <a:r>
+              <a:rPr lang="en-US" sz="2200" spc="-9" dirty="0">
+                <a:solidFill>
+                  <a:prstClr val="black"/>
+                </a:solidFill>
+                <a:latin typeface="Tahoma"/>
+                <a:cs typeface="Tahoma"/>
+              </a:rPr>
+              <a:t>i</a:t>
+            </a:r>
+            <a:r>
+              <a:rPr lang="en-US" sz="2200" dirty="0">
+                <a:solidFill>
+                  <a:prstClr val="black"/>
+                </a:solidFill>
+                <a:latin typeface="Tahoma"/>
+                <a:cs typeface="Tahoma"/>
+              </a:rPr>
+              <a:t>rst</a:t>
+            </a:r>
+            <a:r>
+              <a:rPr lang="en-US" sz="2200" spc="-4" dirty="0">
+                <a:solidFill>
+                  <a:prstClr val="black"/>
+                </a:solidFill>
+                <a:latin typeface="Tahoma"/>
+                <a:cs typeface="Tahoma"/>
+              </a:rPr>
+              <a:t> </a:t>
+            </a:r>
+            <a:r>
+              <a:rPr lang="en-US" sz="2200" spc="-9" dirty="0">
+                <a:solidFill>
+                  <a:prstClr val="black"/>
+                </a:solidFill>
+                <a:latin typeface="Tahoma"/>
+                <a:cs typeface="Tahoma"/>
+              </a:rPr>
+              <a:t>(</a:t>
+            </a:r>
+            <a:r>
+              <a:rPr lang="en-US" sz="2200" dirty="0" err="1">
+                <a:solidFill>
+                  <a:prstClr val="black"/>
+                </a:solidFill>
+                <a:latin typeface="Tahoma"/>
+                <a:cs typeface="Tahoma"/>
+              </a:rPr>
+              <a:t>Be</a:t>
+            </a:r>
+            <a:r>
+              <a:rPr lang="en-US" sz="2200" spc="-9" dirty="0" err="1">
+                <a:solidFill>
+                  <a:prstClr val="black"/>
+                </a:solidFill>
+                <a:latin typeface="Tahoma"/>
+                <a:cs typeface="Tahoma"/>
+              </a:rPr>
+              <a:t>i</a:t>
+            </a:r>
+            <a:r>
+              <a:rPr lang="en-US" sz="2200" dirty="0" err="1">
+                <a:solidFill>
+                  <a:prstClr val="black"/>
+                </a:solidFill>
+                <a:latin typeface="Tahoma"/>
+                <a:cs typeface="Tahoma"/>
+              </a:rPr>
+              <a:t>s</a:t>
+            </a:r>
+            <a:r>
+              <a:rPr lang="en-US" sz="2200" spc="-4" dirty="0">
+                <a:solidFill>
+                  <a:prstClr val="black"/>
+                </a:solidFill>
+                <a:latin typeface="Tahoma"/>
+                <a:cs typeface="Tahoma"/>
+              </a:rPr>
+              <a:t> </a:t>
+            </a:r>
+            <a:r>
+              <a:rPr lang="en-US" sz="2200" spc="-18" dirty="0">
+                <a:solidFill>
+                  <a:prstClr val="black"/>
+                </a:solidFill>
+                <a:latin typeface="Tahoma"/>
+                <a:cs typeface="Tahoma"/>
+              </a:rPr>
+              <a:t>&amp;</a:t>
+            </a:r>
+            <a:r>
+              <a:rPr lang="en-US" sz="2200" spc="-4" dirty="0">
+                <a:solidFill>
+                  <a:prstClr val="black"/>
+                </a:solidFill>
+                <a:latin typeface="Tahoma"/>
+                <a:cs typeface="Tahoma"/>
+              </a:rPr>
+              <a:t> </a:t>
+            </a:r>
+            <a:r>
+              <a:rPr lang="en-US" sz="2200" spc="-13" dirty="0">
+                <a:solidFill>
+                  <a:prstClr val="black"/>
+                </a:solidFill>
+                <a:latin typeface="Tahoma"/>
+                <a:cs typeface="Tahoma"/>
+              </a:rPr>
+              <a:t>L</a:t>
+            </a:r>
+            <a:r>
+              <a:rPr lang="en-US" sz="2200" dirty="0">
+                <a:solidFill>
+                  <a:prstClr val="black"/>
+                </a:solidFill>
+                <a:latin typeface="Tahoma"/>
+                <a:cs typeface="Tahoma"/>
+              </a:rPr>
+              <a:t>owe</a:t>
+            </a:r>
+            <a:r>
+              <a:rPr lang="en-US" sz="2200" spc="-9" dirty="0">
+                <a:solidFill>
+                  <a:prstClr val="black"/>
+                </a:solidFill>
+                <a:latin typeface="Tahoma"/>
+                <a:cs typeface="Tahoma"/>
+              </a:rPr>
+              <a:t>,</a:t>
+            </a:r>
+            <a:r>
+              <a:rPr lang="en-US" sz="2200" spc="-4" dirty="0">
+                <a:solidFill>
+                  <a:prstClr val="black"/>
+                </a:solidFill>
+                <a:latin typeface="Tahoma"/>
+                <a:cs typeface="Tahoma"/>
+              </a:rPr>
+              <a:t> </a:t>
+            </a:r>
+            <a:r>
+              <a:rPr lang="en-US" sz="2200" spc="-13" dirty="0">
+                <a:solidFill>
+                  <a:prstClr val="black"/>
+                </a:solidFill>
+                <a:latin typeface="Tahoma"/>
+                <a:cs typeface="Tahoma"/>
+              </a:rPr>
+              <a:t>97)</a:t>
+            </a:r>
+            <a:r>
+              <a:rPr lang="en-US" sz="2200" spc="-9" dirty="0">
+                <a:solidFill>
+                  <a:prstClr val="black"/>
+                </a:solidFill>
+                <a:latin typeface="Tahoma"/>
+                <a:cs typeface="Tahoma"/>
+              </a:rPr>
+              <a:t> </a:t>
+            </a:r>
+            <a:r>
+              <a:rPr lang="en-US" sz="2200" spc="-27" dirty="0">
+                <a:solidFill>
+                  <a:prstClr val="black"/>
+                </a:solidFill>
+                <a:latin typeface="Tahoma"/>
+                <a:cs typeface="Tahoma"/>
+              </a:rPr>
+              <a:t>m</a:t>
+            </a:r>
+            <a:r>
+              <a:rPr lang="en-US" sz="2200" spc="-13" dirty="0">
+                <a:solidFill>
+                  <a:prstClr val="black"/>
+                </a:solidFill>
+                <a:latin typeface="Tahoma"/>
+                <a:cs typeface="Tahoma"/>
+              </a:rPr>
+              <a:t>odi</a:t>
+            </a:r>
+            <a:r>
+              <a:rPr lang="en-US" sz="2200" dirty="0">
+                <a:solidFill>
+                  <a:prstClr val="black"/>
+                </a:solidFill>
+                <a:latin typeface="Tahoma"/>
+                <a:cs typeface="Tahoma"/>
+              </a:rPr>
+              <a:t>f</a:t>
+            </a:r>
+            <a:r>
+              <a:rPr lang="en-US" sz="2200" spc="-9" dirty="0">
+                <a:solidFill>
+                  <a:prstClr val="black"/>
+                </a:solidFill>
+                <a:latin typeface="Tahoma"/>
+                <a:cs typeface="Tahoma"/>
+              </a:rPr>
+              <a:t>i</a:t>
+            </a:r>
+            <a:r>
+              <a:rPr lang="en-US" sz="2200" dirty="0">
+                <a:solidFill>
+                  <a:prstClr val="black"/>
+                </a:solidFill>
+                <a:latin typeface="Tahoma"/>
+                <a:cs typeface="Tahoma"/>
+              </a:rPr>
+              <a:t>c</a:t>
+            </a:r>
+            <a:r>
+              <a:rPr lang="en-US" sz="2200" spc="-13" dirty="0">
+                <a:solidFill>
+                  <a:prstClr val="black"/>
+                </a:solidFill>
+                <a:latin typeface="Tahoma"/>
+                <a:cs typeface="Tahoma"/>
+              </a:rPr>
+              <a:t>a</a:t>
+            </a:r>
+            <a:r>
+              <a:rPr lang="en-US" sz="2200" dirty="0">
+                <a:solidFill>
+                  <a:prstClr val="black"/>
+                </a:solidFill>
+                <a:latin typeface="Tahoma"/>
+                <a:cs typeface="Tahoma"/>
+              </a:rPr>
+              <a:t>t</a:t>
+            </a:r>
+            <a:r>
+              <a:rPr lang="en-US" sz="2200" spc="-13" dirty="0">
+                <a:solidFill>
+                  <a:prstClr val="black"/>
+                </a:solidFill>
+                <a:latin typeface="Tahoma"/>
+                <a:cs typeface="Tahoma"/>
+              </a:rPr>
+              <a:t>ion</a:t>
+            </a:r>
+            <a:r>
+              <a:rPr lang="en-US" sz="2200" spc="-4" dirty="0">
+                <a:solidFill>
+                  <a:prstClr val="black"/>
+                </a:solidFill>
+                <a:latin typeface="Tahoma"/>
+                <a:cs typeface="Tahoma"/>
+              </a:rPr>
+              <a:t> </a:t>
+            </a:r>
+            <a:r>
+              <a:rPr lang="en-US" sz="2200" dirty="0">
+                <a:solidFill>
+                  <a:prstClr val="black"/>
+                </a:solidFill>
+                <a:latin typeface="Tahoma"/>
+                <a:cs typeface="Tahoma"/>
+              </a:rPr>
+              <a:t>t</a:t>
+            </a:r>
+            <a:r>
+              <a:rPr lang="en-US" sz="2200" spc="-13" dirty="0">
+                <a:solidFill>
+                  <a:prstClr val="black"/>
+                </a:solidFill>
+                <a:latin typeface="Tahoma"/>
+                <a:cs typeface="Tahoma"/>
+              </a:rPr>
+              <a:t>o</a:t>
+            </a:r>
+            <a:r>
+              <a:rPr lang="en-US" sz="2200" spc="-4" dirty="0">
+                <a:solidFill>
+                  <a:prstClr val="black"/>
+                </a:solidFill>
+                <a:latin typeface="Tahoma"/>
+                <a:cs typeface="Tahoma"/>
+              </a:rPr>
+              <a:t> k</a:t>
+            </a:r>
+            <a:r>
+              <a:rPr lang="en-US" sz="2200" dirty="0">
+                <a:solidFill>
+                  <a:prstClr val="black"/>
+                </a:solidFill>
+                <a:latin typeface="Tahoma"/>
+                <a:cs typeface="Tahoma"/>
+              </a:rPr>
+              <a:t>-</a:t>
+            </a:r>
+            <a:r>
+              <a:rPr lang="en-US" sz="2200" spc="-13" dirty="0">
+                <a:solidFill>
+                  <a:prstClr val="black"/>
+                </a:solidFill>
+                <a:latin typeface="Tahoma"/>
+                <a:cs typeface="Tahoma"/>
+              </a:rPr>
+              <a:t>d</a:t>
+            </a:r>
+            <a:r>
+              <a:rPr lang="en-US" sz="2200" spc="-4" dirty="0">
+                <a:solidFill>
+                  <a:prstClr val="black"/>
+                </a:solidFill>
+                <a:latin typeface="Tahoma"/>
+                <a:cs typeface="Tahoma"/>
+              </a:rPr>
+              <a:t> </a:t>
+            </a:r>
+            <a:r>
+              <a:rPr lang="en-US" sz="2200" dirty="0">
+                <a:solidFill>
+                  <a:prstClr val="black"/>
+                </a:solidFill>
+                <a:latin typeface="Tahoma"/>
+                <a:cs typeface="Tahoma"/>
+              </a:rPr>
+              <a:t>tree</a:t>
+            </a:r>
+            <a:r>
+              <a:rPr lang="en-US" sz="2200" spc="-4" dirty="0">
+                <a:solidFill>
+                  <a:prstClr val="black"/>
+                </a:solidFill>
+                <a:latin typeface="Tahoma"/>
+                <a:cs typeface="Tahoma"/>
+              </a:rPr>
+              <a:t> </a:t>
+            </a:r>
+            <a:r>
+              <a:rPr lang="en-US" sz="2200" spc="-13" dirty="0">
+                <a:solidFill>
+                  <a:prstClr val="black"/>
+                </a:solidFill>
+                <a:latin typeface="Tahoma"/>
+                <a:cs typeface="Tahoma"/>
+              </a:rPr>
+              <a:t>alg</a:t>
+            </a:r>
+            <a:r>
+              <a:rPr lang="en-US" sz="2200" dirty="0">
+                <a:solidFill>
+                  <a:prstClr val="black"/>
+                </a:solidFill>
+                <a:latin typeface="Tahoma"/>
+                <a:cs typeface="Tahoma"/>
+              </a:rPr>
+              <a:t>or</a:t>
+            </a:r>
+            <a:r>
+              <a:rPr lang="en-US" sz="2200" spc="-9" dirty="0">
+                <a:solidFill>
+                  <a:prstClr val="black"/>
+                </a:solidFill>
+                <a:latin typeface="Tahoma"/>
+                <a:cs typeface="Tahoma"/>
+              </a:rPr>
+              <a:t>i</a:t>
+            </a:r>
+            <a:r>
+              <a:rPr lang="en-US" sz="2200" dirty="0">
+                <a:solidFill>
+                  <a:prstClr val="black"/>
+                </a:solidFill>
+                <a:latin typeface="Tahoma"/>
+                <a:cs typeface="Tahoma"/>
+              </a:rPr>
+              <a:t>t</a:t>
+            </a:r>
+            <a:r>
+              <a:rPr lang="en-US" sz="2200" spc="-18" dirty="0">
+                <a:solidFill>
+                  <a:prstClr val="black"/>
+                </a:solidFill>
+                <a:latin typeface="Tahoma"/>
+                <a:cs typeface="Tahoma"/>
+              </a:rPr>
+              <a:t>hm</a:t>
+            </a:r>
+            <a:endParaRPr lang="en-US" sz="2200" dirty="0">
+              <a:solidFill>
+                <a:prstClr val="black"/>
+              </a:solidFill>
+              <a:latin typeface="Tahoma"/>
+              <a:cs typeface="Tahoma"/>
+            </a:endParaRPr>
+          </a:p>
+          <a:p>
+            <a:pPr marL="672344" marR="154411" lvl="1" indent="-250705" defTabSz="820487">
+              <a:lnSpc>
+                <a:spcPts val="2531"/>
+              </a:lnSpc>
+              <a:spcBef>
+                <a:spcPts val="588"/>
+              </a:spcBef>
+              <a:buClr>
+                <a:srgbClr val="FF0000"/>
+              </a:buClr>
+              <a:buSzPct val="54166"/>
+              <a:buFont typeface="Wingdings"/>
+              <a:buChar char=""/>
+              <a:tabLst>
+                <a:tab pos="678040" algn="l"/>
+              </a:tabLst>
+            </a:pPr>
+            <a:r>
+              <a:rPr lang="en-US" sz="2200" spc="-18" dirty="0">
+                <a:solidFill>
+                  <a:prstClr val="black"/>
+                </a:solidFill>
+                <a:latin typeface="Tahoma"/>
+                <a:cs typeface="Tahoma"/>
+              </a:rPr>
+              <a:t>Use</a:t>
+            </a:r>
+            <a:r>
+              <a:rPr lang="en-US" sz="2200" spc="-4" dirty="0">
+                <a:solidFill>
+                  <a:prstClr val="black"/>
+                </a:solidFill>
+                <a:latin typeface="Tahoma"/>
+                <a:cs typeface="Tahoma"/>
+              </a:rPr>
+              <a:t> </a:t>
+            </a:r>
+            <a:r>
+              <a:rPr lang="en-US" sz="2200" spc="-13" dirty="0">
+                <a:solidFill>
+                  <a:prstClr val="black"/>
+                </a:solidFill>
+                <a:latin typeface="Tahoma"/>
+                <a:cs typeface="Tahoma"/>
+              </a:rPr>
+              <a:t>h</a:t>
+            </a:r>
+            <a:r>
+              <a:rPr lang="en-US" sz="2200" dirty="0">
+                <a:solidFill>
+                  <a:prstClr val="black"/>
+                </a:solidFill>
+                <a:latin typeface="Tahoma"/>
+                <a:cs typeface="Tahoma"/>
+              </a:rPr>
+              <a:t>e</a:t>
+            </a:r>
+            <a:r>
+              <a:rPr lang="en-US" sz="2200" spc="-13" dirty="0">
+                <a:solidFill>
+                  <a:prstClr val="black"/>
+                </a:solidFill>
+                <a:latin typeface="Tahoma"/>
+                <a:cs typeface="Tahoma"/>
+              </a:rPr>
+              <a:t>ap</a:t>
+            </a:r>
+            <a:r>
+              <a:rPr lang="en-US" sz="2200" spc="-4" dirty="0">
+                <a:solidFill>
+                  <a:prstClr val="black"/>
+                </a:solidFill>
+                <a:latin typeface="Tahoma"/>
+                <a:cs typeface="Tahoma"/>
+              </a:rPr>
+              <a:t> </a:t>
+            </a:r>
+            <a:r>
+              <a:rPr lang="en-US" sz="2200" spc="-13" dirty="0">
+                <a:solidFill>
+                  <a:prstClr val="black"/>
+                </a:solidFill>
+                <a:latin typeface="Tahoma"/>
+                <a:cs typeface="Tahoma"/>
+              </a:rPr>
+              <a:t>da</a:t>
+            </a:r>
+            <a:r>
+              <a:rPr lang="en-US" sz="2200" dirty="0">
+                <a:solidFill>
+                  <a:prstClr val="black"/>
+                </a:solidFill>
+                <a:latin typeface="Tahoma"/>
+                <a:cs typeface="Tahoma"/>
+              </a:rPr>
+              <a:t>t</a:t>
+            </a:r>
+            <a:r>
+              <a:rPr lang="en-US" sz="2200" spc="-13" dirty="0">
+                <a:solidFill>
+                  <a:prstClr val="black"/>
+                </a:solidFill>
+                <a:latin typeface="Tahoma"/>
+                <a:cs typeface="Tahoma"/>
+              </a:rPr>
+              <a:t>a</a:t>
+            </a:r>
+            <a:r>
+              <a:rPr lang="en-US" sz="2200" spc="-4" dirty="0">
+                <a:solidFill>
+                  <a:prstClr val="black"/>
+                </a:solidFill>
+                <a:latin typeface="Tahoma"/>
+                <a:cs typeface="Tahoma"/>
+              </a:rPr>
+              <a:t> </a:t>
+            </a:r>
+            <a:r>
+              <a:rPr lang="en-US" sz="2200" dirty="0">
+                <a:solidFill>
+                  <a:prstClr val="black"/>
+                </a:solidFill>
+                <a:latin typeface="Tahoma"/>
+                <a:cs typeface="Tahoma"/>
+              </a:rPr>
+              <a:t>str</a:t>
+            </a:r>
+            <a:r>
+              <a:rPr lang="en-US" sz="2200" spc="-13" dirty="0">
+                <a:solidFill>
+                  <a:prstClr val="black"/>
+                </a:solidFill>
+                <a:latin typeface="Tahoma"/>
+                <a:cs typeface="Tahoma"/>
+              </a:rPr>
+              <a:t>u</a:t>
+            </a:r>
+            <a:r>
+              <a:rPr lang="en-US" sz="2200" dirty="0">
+                <a:solidFill>
+                  <a:prstClr val="black"/>
+                </a:solidFill>
+                <a:latin typeface="Tahoma"/>
+                <a:cs typeface="Tahoma"/>
+              </a:rPr>
+              <a:t>ct</a:t>
+            </a:r>
+            <a:r>
+              <a:rPr lang="en-US" sz="2200" spc="-13" dirty="0">
+                <a:solidFill>
+                  <a:prstClr val="black"/>
+                </a:solidFill>
+                <a:latin typeface="Tahoma"/>
+                <a:cs typeface="Tahoma"/>
+              </a:rPr>
+              <a:t>u</a:t>
+            </a:r>
+            <a:r>
+              <a:rPr lang="en-US" sz="2200" dirty="0">
+                <a:solidFill>
+                  <a:prstClr val="black"/>
+                </a:solidFill>
+                <a:latin typeface="Tahoma"/>
+                <a:cs typeface="Tahoma"/>
+              </a:rPr>
+              <a:t>re</a:t>
+            </a:r>
+            <a:r>
+              <a:rPr lang="en-US" sz="2200" spc="-4" dirty="0">
+                <a:solidFill>
+                  <a:prstClr val="black"/>
+                </a:solidFill>
+                <a:latin typeface="Tahoma"/>
+                <a:cs typeface="Tahoma"/>
+              </a:rPr>
+              <a:t> </a:t>
+            </a:r>
+            <a:r>
+              <a:rPr lang="en-US" sz="2200" dirty="0">
+                <a:solidFill>
+                  <a:prstClr val="black"/>
+                </a:solidFill>
+                <a:latin typeface="Tahoma"/>
+                <a:cs typeface="Tahoma"/>
+              </a:rPr>
+              <a:t>t</a:t>
+            </a:r>
+            <a:r>
+              <a:rPr lang="en-US" sz="2200" spc="-13" dirty="0">
+                <a:solidFill>
+                  <a:prstClr val="black"/>
+                </a:solidFill>
+                <a:latin typeface="Tahoma"/>
+                <a:cs typeface="Tahoma"/>
+              </a:rPr>
+              <a:t>o</a:t>
+            </a:r>
+            <a:r>
+              <a:rPr lang="en-US" sz="2200" spc="-4" dirty="0">
+                <a:solidFill>
+                  <a:prstClr val="black"/>
+                </a:solidFill>
+                <a:latin typeface="Tahoma"/>
+                <a:cs typeface="Tahoma"/>
+              </a:rPr>
+              <a:t> </a:t>
+            </a:r>
+            <a:r>
+              <a:rPr lang="en-US" sz="2200" spc="-9" dirty="0">
+                <a:solidFill>
+                  <a:prstClr val="black"/>
+                </a:solidFill>
+                <a:latin typeface="Tahoma"/>
+                <a:cs typeface="Tahoma"/>
+              </a:rPr>
+              <a:t>id</a:t>
+            </a:r>
+            <a:r>
+              <a:rPr lang="en-US" sz="2200" dirty="0">
+                <a:solidFill>
+                  <a:prstClr val="black"/>
+                </a:solidFill>
+                <a:latin typeface="Tahoma"/>
+                <a:cs typeface="Tahoma"/>
+              </a:rPr>
+              <a:t>e</a:t>
+            </a:r>
+            <a:r>
+              <a:rPr lang="en-US" sz="2200" spc="-13" dirty="0">
+                <a:solidFill>
+                  <a:prstClr val="black"/>
+                </a:solidFill>
+                <a:latin typeface="Tahoma"/>
+                <a:cs typeface="Tahoma"/>
+              </a:rPr>
+              <a:t>n</a:t>
+            </a:r>
+            <a:r>
+              <a:rPr lang="en-US" sz="2200" dirty="0">
+                <a:solidFill>
+                  <a:prstClr val="black"/>
+                </a:solidFill>
+                <a:latin typeface="Tahoma"/>
+                <a:cs typeface="Tahoma"/>
+              </a:rPr>
+              <a:t>t</a:t>
+            </a:r>
+            <a:r>
+              <a:rPr lang="en-US" sz="2200" spc="-9" dirty="0">
+                <a:solidFill>
+                  <a:prstClr val="black"/>
+                </a:solidFill>
+                <a:latin typeface="Tahoma"/>
+                <a:cs typeface="Tahoma"/>
+              </a:rPr>
+              <a:t>i</a:t>
+            </a:r>
+            <a:r>
+              <a:rPr lang="en-US" sz="2200" dirty="0">
+                <a:solidFill>
+                  <a:prstClr val="black"/>
+                </a:solidFill>
+                <a:latin typeface="Tahoma"/>
+                <a:cs typeface="Tahoma"/>
+              </a:rPr>
+              <a:t>fy</a:t>
+            </a:r>
+            <a:r>
+              <a:rPr lang="en-US" sz="2200" spc="-4" dirty="0">
+                <a:solidFill>
+                  <a:prstClr val="black"/>
+                </a:solidFill>
+                <a:latin typeface="Tahoma"/>
+                <a:cs typeface="Tahoma"/>
+              </a:rPr>
+              <a:t> </a:t>
+            </a:r>
+            <a:r>
+              <a:rPr lang="en-US" sz="2200" spc="-13" dirty="0">
+                <a:solidFill>
+                  <a:prstClr val="black"/>
+                </a:solidFill>
+                <a:latin typeface="Tahoma"/>
+                <a:cs typeface="Tahoma"/>
+              </a:rPr>
+              <a:t>bin</a:t>
+            </a:r>
+            <a:r>
+              <a:rPr lang="en-US" sz="2200" dirty="0">
+                <a:solidFill>
+                  <a:prstClr val="black"/>
+                </a:solidFill>
+                <a:latin typeface="Tahoma"/>
+                <a:cs typeface="Tahoma"/>
+              </a:rPr>
+              <a:t>s</a:t>
+            </a:r>
+            <a:r>
+              <a:rPr lang="en-US" sz="2200" spc="-4" dirty="0">
+                <a:solidFill>
+                  <a:prstClr val="black"/>
+                </a:solidFill>
+                <a:latin typeface="Tahoma"/>
+                <a:cs typeface="Tahoma"/>
+              </a:rPr>
+              <a:t> </a:t>
+            </a:r>
+            <a:r>
+              <a:rPr lang="en-US" sz="2200" spc="-9" dirty="0">
+                <a:solidFill>
+                  <a:prstClr val="black"/>
+                </a:solidFill>
+                <a:latin typeface="Tahoma"/>
+                <a:cs typeface="Tahoma"/>
+              </a:rPr>
+              <a:t>in</a:t>
+            </a:r>
+            <a:r>
+              <a:rPr lang="en-US" sz="2200" spc="-4" dirty="0">
+                <a:solidFill>
+                  <a:prstClr val="black"/>
+                </a:solidFill>
+                <a:latin typeface="Tahoma"/>
+                <a:cs typeface="Tahoma"/>
+              </a:rPr>
+              <a:t> </a:t>
+            </a:r>
+            <a:r>
+              <a:rPr lang="en-US" sz="2200" dirty="0">
+                <a:solidFill>
+                  <a:prstClr val="black"/>
+                </a:solidFill>
+                <a:latin typeface="Tahoma"/>
+                <a:cs typeface="Tahoma"/>
+              </a:rPr>
+              <a:t>or</a:t>
+            </a:r>
+            <a:r>
+              <a:rPr lang="en-US" sz="2200" spc="-13" dirty="0">
+                <a:solidFill>
+                  <a:prstClr val="black"/>
+                </a:solidFill>
+                <a:latin typeface="Tahoma"/>
+                <a:cs typeface="Tahoma"/>
+              </a:rPr>
+              <a:t>d</a:t>
+            </a:r>
+            <a:r>
+              <a:rPr lang="en-US" sz="2200" dirty="0">
+                <a:solidFill>
+                  <a:prstClr val="black"/>
+                </a:solidFill>
+                <a:latin typeface="Tahoma"/>
+                <a:cs typeface="Tahoma"/>
+              </a:rPr>
+              <a:t>er </a:t>
+            </a:r>
+            <a:r>
+              <a:rPr lang="en-US" sz="2200" spc="-13" dirty="0">
+                <a:solidFill>
+                  <a:prstClr val="black"/>
+                </a:solidFill>
+                <a:latin typeface="Tahoma"/>
+                <a:cs typeface="Tahoma"/>
+              </a:rPr>
+              <a:t>b</a:t>
+            </a:r>
+            <a:r>
+              <a:rPr lang="en-US" sz="2200" dirty="0">
+                <a:solidFill>
+                  <a:prstClr val="black"/>
+                </a:solidFill>
+                <a:latin typeface="Tahoma"/>
+                <a:cs typeface="Tahoma"/>
+              </a:rPr>
+              <a:t>y</a:t>
+            </a:r>
+            <a:r>
+              <a:rPr lang="en-US" sz="2200" spc="-4" dirty="0">
+                <a:solidFill>
+                  <a:prstClr val="black"/>
+                </a:solidFill>
+                <a:latin typeface="Tahoma"/>
+                <a:cs typeface="Tahoma"/>
+              </a:rPr>
+              <a:t> </a:t>
+            </a:r>
+            <a:r>
+              <a:rPr lang="en-US" sz="2200" dirty="0">
+                <a:solidFill>
+                  <a:prstClr val="black"/>
+                </a:solidFill>
+                <a:latin typeface="Tahoma"/>
+                <a:cs typeface="Tahoma"/>
+              </a:rPr>
+              <a:t>t</a:t>
+            </a:r>
+            <a:r>
+              <a:rPr lang="en-US" sz="2200" spc="-13" dirty="0">
+                <a:solidFill>
+                  <a:prstClr val="black"/>
+                </a:solidFill>
+                <a:latin typeface="Tahoma"/>
+                <a:cs typeface="Tahoma"/>
+              </a:rPr>
+              <a:t>h</a:t>
+            </a:r>
+            <a:r>
+              <a:rPr lang="en-US" sz="2200" dirty="0">
+                <a:solidFill>
+                  <a:prstClr val="black"/>
+                </a:solidFill>
+                <a:latin typeface="Tahoma"/>
+                <a:cs typeface="Tahoma"/>
+              </a:rPr>
+              <a:t>e</a:t>
+            </a:r>
+            <a:r>
+              <a:rPr lang="en-US" sz="2200" spc="-9" dirty="0">
+                <a:solidFill>
+                  <a:prstClr val="black"/>
+                </a:solidFill>
+                <a:latin typeface="Tahoma"/>
+                <a:cs typeface="Tahoma"/>
+              </a:rPr>
+              <a:t>i</a:t>
+            </a:r>
+            <a:r>
+              <a:rPr lang="en-US" sz="2200" dirty="0">
+                <a:solidFill>
+                  <a:prstClr val="black"/>
+                </a:solidFill>
+                <a:latin typeface="Tahoma"/>
+                <a:cs typeface="Tahoma"/>
+              </a:rPr>
+              <a:t>r</a:t>
+            </a:r>
+            <a:r>
+              <a:rPr lang="en-US" sz="2200" spc="-4" dirty="0">
+                <a:solidFill>
+                  <a:prstClr val="black"/>
+                </a:solidFill>
+                <a:latin typeface="Tahoma"/>
+                <a:cs typeface="Tahoma"/>
+              </a:rPr>
+              <a:t> </a:t>
+            </a:r>
+            <a:r>
+              <a:rPr lang="en-US" sz="2200" spc="-9" dirty="0">
+                <a:solidFill>
+                  <a:prstClr val="black"/>
+                </a:solidFill>
+                <a:latin typeface="Tahoma"/>
+                <a:cs typeface="Tahoma"/>
+              </a:rPr>
+              <a:t>di</a:t>
+            </a:r>
+            <a:r>
+              <a:rPr lang="en-US" sz="2200" dirty="0">
+                <a:solidFill>
+                  <a:prstClr val="black"/>
+                </a:solidFill>
+                <a:latin typeface="Tahoma"/>
+                <a:cs typeface="Tahoma"/>
+              </a:rPr>
+              <a:t>st</a:t>
+            </a:r>
+            <a:r>
+              <a:rPr lang="en-US" sz="2200" spc="-13" dirty="0">
+                <a:solidFill>
+                  <a:prstClr val="black"/>
+                </a:solidFill>
+                <a:latin typeface="Tahoma"/>
+                <a:cs typeface="Tahoma"/>
+              </a:rPr>
+              <a:t>an</a:t>
+            </a:r>
+            <a:r>
+              <a:rPr lang="en-US" sz="2200" dirty="0">
+                <a:solidFill>
+                  <a:prstClr val="black"/>
+                </a:solidFill>
+                <a:latin typeface="Tahoma"/>
+                <a:cs typeface="Tahoma"/>
+              </a:rPr>
+              <a:t>ce</a:t>
+            </a:r>
+            <a:r>
+              <a:rPr lang="en-US" sz="2200" spc="-4" dirty="0">
+                <a:solidFill>
+                  <a:prstClr val="black"/>
+                </a:solidFill>
+                <a:latin typeface="Tahoma"/>
+                <a:cs typeface="Tahoma"/>
+              </a:rPr>
+              <a:t> </a:t>
+            </a:r>
+            <a:r>
+              <a:rPr lang="en-US" sz="2200" dirty="0">
+                <a:solidFill>
+                  <a:prstClr val="black"/>
+                </a:solidFill>
+                <a:latin typeface="Tahoma"/>
+                <a:cs typeface="Tahoma"/>
+              </a:rPr>
+              <a:t>fr</a:t>
+            </a:r>
+            <a:r>
+              <a:rPr lang="en-US" sz="2200" spc="-18" dirty="0">
+                <a:solidFill>
+                  <a:prstClr val="black"/>
+                </a:solidFill>
+                <a:latin typeface="Tahoma"/>
+                <a:cs typeface="Tahoma"/>
+              </a:rPr>
+              <a:t>om</a:t>
+            </a:r>
+            <a:r>
+              <a:rPr lang="en-US" sz="2200" spc="-4" dirty="0">
+                <a:solidFill>
+                  <a:prstClr val="black"/>
+                </a:solidFill>
+                <a:latin typeface="Tahoma"/>
+                <a:cs typeface="Tahoma"/>
+              </a:rPr>
+              <a:t> </a:t>
+            </a:r>
+            <a:r>
+              <a:rPr lang="en-US" sz="2200" spc="-13" dirty="0">
+                <a:solidFill>
+                  <a:prstClr val="black"/>
+                </a:solidFill>
+                <a:latin typeface="Tahoma"/>
+                <a:cs typeface="Tahoma"/>
+              </a:rPr>
+              <a:t>qu</a:t>
+            </a:r>
+            <a:r>
+              <a:rPr lang="en-US" sz="2200" dirty="0">
+                <a:solidFill>
+                  <a:prstClr val="black"/>
+                </a:solidFill>
+                <a:latin typeface="Tahoma"/>
+                <a:cs typeface="Tahoma"/>
+              </a:rPr>
+              <a:t>ery</a:t>
+            </a:r>
+            <a:r>
+              <a:rPr lang="en-US" sz="2200" spc="-4" dirty="0">
+                <a:solidFill>
+                  <a:prstClr val="black"/>
+                </a:solidFill>
+                <a:latin typeface="Tahoma"/>
+                <a:cs typeface="Tahoma"/>
+              </a:rPr>
+              <a:t> </a:t>
+            </a:r>
+            <a:r>
+              <a:rPr lang="en-US" sz="2200" spc="-13" dirty="0">
+                <a:solidFill>
+                  <a:prstClr val="black"/>
+                </a:solidFill>
+                <a:latin typeface="Tahoma"/>
+                <a:cs typeface="Tahoma"/>
+              </a:rPr>
+              <a:t>poin</a:t>
+            </a:r>
+            <a:r>
+              <a:rPr lang="en-US" sz="2200" dirty="0">
+                <a:solidFill>
+                  <a:prstClr val="black"/>
+                </a:solidFill>
+                <a:latin typeface="Tahoma"/>
+                <a:cs typeface="Tahoma"/>
+              </a:rPr>
+              <a:t>t</a:t>
             </a:r>
           </a:p>
           <a:p>
             <a:pPr marL="609600" indent="-609600"/>
-            <a:r>
-              <a:rPr lang="en-US" altLang="en-US" sz="2800" b="1" dirty="0" smtClean="0"/>
+            <a:endParaRPr lang="en-US" altLang="ko-KR" sz="2800" dirty="0">
+              <a:ea typeface="굴림" pitchFamily="34" charset="-127"/>
+            </a:endParaRPr>
+          </a:p>
+          <a:p>
+            <a:pPr marL="609600" indent="-609600"/>
+            <a:r>
+              <a:rPr lang="en-US" altLang="en-US" sz="3300" b="1" dirty="0" smtClean="0"/>
               <a:t>Result</a:t>
             </a:r>
             <a:r>
-              <a:rPr lang="en-US" altLang="en-US" sz="2800" b="1" dirty="0"/>
+              <a:rPr lang="en-US" altLang="en-US" sz="3300" b="1" dirty="0"/>
               <a:t>:</a:t>
             </a:r>
             <a:r>
-              <a:rPr lang="en-US" altLang="en-US" sz="2800" dirty="0"/>
+              <a:rPr lang="en-US" altLang="en-US" sz="3300" dirty="0"/>
               <a:t> Can give speedup by factor of 1000 while finding nearest neighbor (of interest) 95% of the time</a:t>
             </a:r>
-            <a:endParaRPr lang="en-US" altLang="ko-KR" sz="2800" dirty="0">
+            <a:endParaRPr lang="en-US" altLang="ko-KR" sz="3300" dirty="0">
               <a:ea typeface="굴림" pitchFamily="34" charset="-127"/>
             </a:endParaRPr>
           </a:p>
@@ -6037,7 +9739,7 @@
 </p:sld>
 </file>
 
-<file path=ppt/slides/slide18.xml><?xml version="1.0" encoding="utf-8"?>
+<file path=ppt/slides/slide2.xml><?xml version="1.0" encoding="utf-8"?>
 <p:sld xmlns:a="http://schemas.openxmlformats.org/drawingml/2006/main" xmlns:r="http://schemas.openxmlformats.org/officeDocument/2006/relationships" xmlns:p="http://schemas.openxmlformats.org/presentationml/2006/main">
   <p:cSld>
     <p:spTree>
@@ -6056,6 +9758,133 @@
       </p:grpSpPr>
       <p:sp>
         <p:nvSpPr>
+          <p:cNvPr id="2" name="Title 1"/>
+          <p:cNvSpPr>
+            <a:spLocks noGrp="1"/>
+          </p:cNvSpPr>
+          <p:nvPr>
+            <p:ph type="title"/>
+          </p:nvPr>
+        </p:nvSpPr>
+        <p:spPr>
+          <a:xfrm>
+            <a:off x="762000" y="609600"/>
+            <a:ext cx="6507018" cy="492443"/>
+          </a:xfrm>
+        </p:spPr>
+        <p:txBody>
+          <a:bodyPr>
+            <a:noAutofit/>
+          </a:bodyPr>
+          <a:lstStyle/>
+          <a:p>
+            <a:r>
+              <a:rPr lang="en-US" dirty="0" smtClean="0"/>
+              <a:t>Feature detectors</a:t>
+            </a:r>
+            <a:endParaRPr lang="en-US" dirty="0"/>
+          </a:p>
+        </p:txBody>
+      </p:sp>
+      <p:sp>
+        <p:nvSpPr>
+          <p:cNvPr id="3" name="TextBox 2"/>
+          <p:cNvSpPr txBox="1"/>
+          <p:nvPr/>
+        </p:nvSpPr>
+        <p:spPr>
+          <a:xfrm>
+            <a:off x="1676404" y="2209800"/>
+            <a:ext cx="7051074" cy="3416275"/>
+          </a:xfrm>
+          <a:prstGeom prst="rect">
+            <a:avLst/>
+          </a:prstGeom>
+          <a:noFill/>
+        </p:spPr>
+        <p:txBody>
+          <a:bodyPr wrap="none" lIns="91397" tIns="45698" rIns="91397" bIns="45698" rtlCol="0">
+            <a:spAutoFit/>
+          </a:bodyPr>
+          <a:lstStyle/>
+          <a:p>
+            <a:r>
+              <a:rPr lang="en-US" sz="3600" dirty="0"/>
+              <a:t>should be invariant or at least robust</a:t>
+            </a:r>
+          </a:p>
+          <a:p>
+            <a:endParaRPr lang="en-US" sz="3600" dirty="0"/>
+          </a:p>
+          <a:p>
+            <a:r>
+              <a:rPr lang="en-US" sz="3600" dirty="0" smtClean="0"/>
+              <a:t>to </a:t>
+            </a:r>
+            <a:r>
+              <a:rPr lang="en-US" sz="3600" dirty="0"/>
+              <a:t>affine changes</a:t>
+            </a:r>
+          </a:p>
+          <a:p>
+            <a:r>
+              <a:rPr lang="en-US" sz="3600" dirty="0"/>
+              <a:t>translation</a:t>
+            </a:r>
+          </a:p>
+          <a:p>
+            <a:r>
+              <a:rPr lang="en-US" sz="3600" dirty="0"/>
+              <a:t>rotation </a:t>
+            </a:r>
+          </a:p>
+          <a:p>
+            <a:r>
+              <a:rPr lang="en-US" sz="3600" dirty="0"/>
+              <a:t>scale change</a:t>
+            </a:r>
+          </a:p>
+        </p:txBody>
+      </p:sp>
+    </p:spTree>
+    <p:extLst>
+      <p:ext uri="{BB962C8B-B14F-4D97-AF65-F5344CB8AC3E}">
+        <p14:creationId xmlns:p14="http://schemas.microsoft.com/office/powerpoint/2010/main" val="3477309041"/>
+      </p:ext>
+    </p:extLst>
+  </p:cSld>
+  <p:clrMapOvr>
+    <a:masterClrMapping/>
+  </p:clrMapOvr>
+  <p:timing>
+    <p:tnLst>
+      <p:par>
+        <p:cTn id="1" dur="indefinite" restart="never" nodeType="tmRoot"/>
+      </p:par>
+    </p:tnLst>
+  </p:timing>
+</p:sld>
+</file>
+
+<file path=ppt/slides/slide20.xml><?xml version="1.0" encoding="utf-8"?>
+<p:sld xmlns:a="http://schemas.openxmlformats.org/drawingml/2006/main" xmlns:r="http://schemas.openxmlformats.org/officeDocument/2006/relationships" xmlns:p="http://schemas.openxmlformats.org/presentationml/2006/main">
+  <p:cSld>
+    <p:spTree>
+      <p:nvGrpSpPr>
+        <p:cNvPr id="1" name=""/>
+        <p:cNvGrpSpPr/>
+        <p:nvPr/>
+      </p:nvGrpSpPr>
+      <p:grpSpPr>
+        <a:xfrm>
+          <a:off x="0" y="0"/>
+          <a:ext cx="0" cy="0"/>
+          <a:chOff x="0" y="0"/>
+          <a:chExt cx="0" cy="0"/>
+        </a:xfrm>
+      </p:grpSpPr>
+      <p:sp>
+        <p:nvSpPr>
           <p:cNvPr id="80898" name="Rectangle 2"/>
           <p:cNvSpPr>
             <a:spLocks noGrp="1" noChangeArrowheads="1"/>
@@ -6156,7 +9985,7 @@
 </p:sld>
 </file>
 
-<file path=ppt/slides/slide19.xml><?xml version="1.0" encoding="utf-8"?>
+<file path=ppt/slides/slide21.xml><?xml version="1.0" encoding="utf-8"?>
 <p:sld xmlns:a="http://schemas.openxmlformats.org/drawingml/2006/main" xmlns:r="http://schemas.openxmlformats.org/officeDocument/2006/relationships" xmlns:p="http://schemas.openxmlformats.org/presentationml/2006/main">
   <p:cSld>
     <p:spTree>
@@ -6290,634 +10119,6 @@
 </p:sld>
 </file>
 
-<file path=ppt/slides/slide2.xml><?xml version="1.0" encoding="utf-8"?>
-<p:sld xmlns:a="http://schemas.openxmlformats.org/drawingml/2006/main" xmlns:r="http://schemas.openxmlformats.org/officeDocument/2006/relationships" xmlns:p="http://schemas.openxmlformats.org/presentationml/2006/main">
-  <p:cSld>
-    <p:spTree>
-      <p:nvGrpSpPr>
-        <p:cNvPr id="1" name=""/>
-        <p:cNvGrpSpPr/>
-        <p:nvPr/>
-      </p:nvGrpSpPr>
-      <p:grpSpPr>
-        <a:xfrm>
-          <a:off x="0" y="0"/>
-          <a:ext cx="0" cy="0"/>
-          <a:chOff x="0" y="0"/>
-          <a:chExt cx="0" cy="0"/>
-        </a:xfrm>
-      </p:grpSpPr>
-      <p:sp>
-        <p:nvSpPr>
-          <p:cNvPr id="2" name="Title 1"/>
-          <p:cNvSpPr>
-            <a:spLocks noGrp="1"/>
-          </p:cNvSpPr>
-          <p:nvPr>
-            <p:ph type="title"/>
-          </p:nvPr>
-        </p:nvSpPr>
-        <p:spPr/>
-        <p:txBody>
-          <a:bodyPr/>
-          <a:lstStyle/>
-          <a:p>
-            <a:r>
-              <a:rPr lang="en-US" b="1" dirty="0" smtClean="0"/>
-              <a:t>SIFT</a:t>
-            </a:r>
-            <a:endParaRPr lang="en-US" b="1" dirty="0"/>
-          </a:p>
-        </p:txBody>
-      </p:sp>
-      <p:sp>
-        <p:nvSpPr>
-          <p:cNvPr id="3" name="Content Placeholder 2"/>
-          <p:cNvSpPr>
-            <a:spLocks noGrp="1"/>
-          </p:cNvSpPr>
-          <p:nvPr>
-            <p:ph idx="1"/>
-          </p:nvPr>
-        </p:nvSpPr>
-        <p:spPr/>
-        <p:txBody>
-          <a:bodyPr/>
-          <a:lstStyle/>
-          <a:p>
-            <a:pPr>
-              <a:lnSpc>
-                <a:spcPct val="90000"/>
-              </a:lnSpc>
-            </a:pPr>
-            <a:r>
-              <a:rPr lang="en-US" altLang="ko-KR" sz="2800" b="1" dirty="0" smtClean="0">
-                <a:solidFill>
-                  <a:srgbClr val="FF0000"/>
-                </a:solidFill>
-                <a:ea typeface="굴림" pitchFamily="34" charset="-127"/>
-              </a:rPr>
-              <a:t>S</a:t>
-            </a:r>
-            <a:r>
-              <a:rPr lang="en-US" altLang="ko-KR" sz="2800" dirty="0" smtClean="0">
-                <a:ea typeface="굴림" pitchFamily="34" charset="-127"/>
-              </a:rPr>
-              <a:t>cale-</a:t>
-            </a:r>
-            <a:r>
-              <a:rPr lang="en-US" altLang="ko-KR" sz="2800" b="1" dirty="0" smtClean="0">
-                <a:solidFill>
-                  <a:srgbClr val="FF0000"/>
-                </a:solidFill>
-                <a:ea typeface="굴림" pitchFamily="34" charset="-127"/>
-              </a:rPr>
-              <a:t>I</a:t>
-            </a:r>
-            <a:r>
-              <a:rPr lang="en-US" altLang="ko-KR" sz="2800" dirty="0" smtClean="0">
-                <a:ea typeface="굴림" pitchFamily="34" charset="-127"/>
-              </a:rPr>
-              <a:t>nvariant </a:t>
-            </a:r>
-            <a:r>
-              <a:rPr lang="en-US" altLang="ko-KR" sz="2800" b="1" dirty="0" smtClean="0">
-                <a:solidFill>
-                  <a:srgbClr val="FF0000"/>
-                </a:solidFill>
-                <a:ea typeface="굴림" pitchFamily="34" charset="-127"/>
-              </a:rPr>
-              <a:t>F</a:t>
-            </a:r>
-            <a:r>
-              <a:rPr lang="en-US" altLang="ko-KR" sz="2800" dirty="0" smtClean="0">
-                <a:ea typeface="굴림" pitchFamily="34" charset="-127"/>
-              </a:rPr>
-              <a:t>eature </a:t>
-            </a:r>
-            <a:r>
-              <a:rPr lang="en-US" altLang="ko-KR" sz="2800" b="1" dirty="0" smtClean="0">
-                <a:solidFill>
-                  <a:srgbClr val="FF0000"/>
-                </a:solidFill>
-                <a:ea typeface="굴림" pitchFamily="34" charset="-127"/>
-              </a:rPr>
-              <a:t>T</a:t>
-            </a:r>
-            <a:r>
-              <a:rPr lang="en-US" altLang="ko-KR" sz="2800" dirty="0" smtClean="0">
-                <a:ea typeface="굴림" pitchFamily="34" charset="-127"/>
-              </a:rPr>
-              <a:t>ransform</a:t>
-            </a:r>
-          </a:p>
-          <a:p>
-            <a:pPr>
-              <a:lnSpc>
-                <a:spcPct val="90000"/>
-              </a:lnSpc>
-            </a:pPr>
-            <a:r>
-              <a:rPr lang="en-US" altLang="ko-KR" sz="2800" dirty="0" smtClean="0">
-                <a:ea typeface="굴림" pitchFamily="34" charset="-127"/>
-              </a:rPr>
-              <a:t>David Lowe</a:t>
-            </a:r>
-          </a:p>
-          <a:p>
-            <a:pPr>
-              <a:lnSpc>
-                <a:spcPct val="90000"/>
-              </a:lnSpc>
-            </a:pPr>
-            <a:r>
-              <a:rPr lang="en-US" altLang="ko-KR" sz="2800" dirty="0" smtClean="0">
-                <a:ea typeface="굴림" pitchFamily="34" charset="-127"/>
-              </a:rPr>
-              <a:t>Scale/rotation invariant</a:t>
-            </a:r>
-          </a:p>
-          <a:p>
-            <a:pPr>
-              <a:lnSpc>
-                <a:spcPct val="90000"/>
-              </a:lnSpc>
-            </a:pPr>
-            <a:r>
-              <a:rPr lang="en-US" altLang="ko-KR" sz="2800" dirty="0" smtClean="0">
-                <a:ea typeface="굴림" pitchFamily="34" charset="-127"/>
-              </a:rPr>
-              <a:t>Currently best known feature descriptor</a:t>
-            </a:r>
-          </a:p>
-          <a:p>
-            <a:pPr>
-              <a:lnSpc>
-                <a:spcPct val="90000"/>
-              </a:lnSpc>
-            </a:pPr>
-            <a:r>
-              <a:rPr lang="en-US" altLang="ko-KR" sz="2800" dirty="0">
-                <a:ea typeface="굴림" pitchFamily="34" charset="-127"/>
-              </a:rPr>
-              <a:t>A</a:t>
-            </a:r>
-            <a:r>
-              <a:rPr lang="en-US" altLang="ko-KR" sz="2800" dirty="0" smtClean="0">
-                <a:ea typeface="굴림" pitchFamily="34" charset="-127"/>
-              </a:rPr>
-              <a:t>pplications</a:t>
-            </a:r>
-          </a:p>
-          <a:p>
-            <a:pPr lvl="1">
-              <a:lnSpc>
-                <a:spcPct val="90000"/>
-              </a:lnSpc>
-            </a:pPr>
-            <a:r>
-              <a:rPr lang="en-US" altLang="ko-KR" sz="2400" dirty="0" smtClean="0">
-                <a:ea typeface="굴림" pitchFamily="34" charset="-127"/>
-              </a:rPr>
-              <a:t>Object recognition, Robot localization</a:t>
-            </a:r>
-          </a:p>
-        </p:txBody>
-      </p:sp>
-    </p:spTree>
-    <p:extLst>
-      <p:ext uri="{BB962C8B-B14F-4D97-AF65-F5344CB8AC3E}">
-        <p14:creationId xmlns:p14="http://schemas.microsoft.com/office/powerpoint/2010/main" val="1981813049"/>
-      </p:ext>
-    </p:extLst>
-  </p:cSld>
-  <p:clrMapOvr>
-    <a:masterClrMapping/>
-  </p:clrMapOvr>
-</p:sld>
-</file>
-
-<file path=ppt/slides/slide20.xml><?xml version="1.0" encoding="utf-8"?>
-<p:sld xmlns:a="http://schemas.openxmlformats.org/drawingml/2006/main" xmlns:r="http://schemas.openxmlformats.org/officeDocument/2006/relationships" xmlns:p="http://schemas.openxmlformats.org/presentationml/2006/main">
-  <p:cSld>
-    <p:spTree>
-      <p:nvGrpSpPr>
-        <p:cNvPr id="1" name=""/>
-        <p:cNvGrpSpPr/>
-        <p:nvPr/>
-      </p:nvGrpSpPr>
-      <p:grpSpPr>
-        <a:xfrm>
-          <a:off x="0" y="0"/>
-          <a:ext cx="0" cy="0"/>
-          <a:chOff x="0" y="0"/>
-          <a:chExt cx="0" cy="0"/>
-        </a:xfrm>
-      </p:grpSpPr>
-      <p:sp>
-        <p:nvSpPr>
-          <p:cNvPr id="52226" name="Rectangle 2"/>
-          <p:cNvSpPr>
-            <a:spLocks noGrp="1" noChangeArrowheads="1"/>
-          </p:cNvSpPr>
-          <p:nvPr>
-            <p:ph type="title"/>
-          </p:nvPr>
-        </p:nvSpPr>
-        <p:spPr/>
-        <p:txBody>
-          <a:bodyPr/>
-          <a:lstStyle/>
-          <a:p>
-            <a:r>
-              <a:rPr lang="en-US" altLang="ko-KR" sz="4000">
-                <a:ea typeface="굴림" pitchFamily="34" charset="-127"/>
-              </a:rPr>
-              <a:t>3. Feature matching</a:t>
-            </a:r>
-            <a:endParaRPr lang="en-US" altLang="en-US" sz="4000"/>
-          </a:p>
-        </p:txBody>
-      </p:sp>
-      <p:sp>
-        <p:nvSpPr>
-          <p:cNvPr id="52227" name="Rectangle 3"/>
-          <p:cNvSpPr>
-            <a:spLocks noGrp="1" noChangeArrowheads="1"/>
-          </p:cNvSpPr>
-          <p:nvPr>
-            <p:ph type="body" idx="1"/>
-          </p:nvPr>
-        </p:nvSpPr>
-        <p:spPr/>
-        <p:txBody>
-          <a:bodyPr/>
-          <a:lstStyle/>
-          <a:p>
-            <a:pPr marL="609600" indent="-609600"/>
-            <a:r>
-              <a:rPr lang="en-US" altLang="ko-KR" sz="2800" dirty="0">
-                <a:ea typeface="굴림" pitchFamily="34" charset="-127"/>
-              </a:rPr>
-              <a:t>3D object recognition</a:t>
-            </a:r>
-          </a:p>
-          <a:p>
-            <a:pPr marL="990600" lvl="1" indent="-533400"/>
-            <a:r>
-              <a:rPr lang="en-US" altLang="ko-KR" sz="2400" dirty="0">
-                <a:ea typeface="굴림" pitchFamily="34" charset="-127"/>
-              </a:rPr>
-              <a:t>Assume affine transform: clusters of size &gt;=3</a:t>
-            </a:r>
-          </a:p>
-          <a:p>
-            <a:pPr marL="990600" lvl="1" indent="-533400"/>
-            <a:r>
-              <a:rPr lang="en-US" altLang="ko-KR" sz="2400" dirty="0">
-                <a:ea typeface="굴림" pitchFamily="34" charset="-127"/>
-              </a:rPr>
-              <a:t>Looking for 3 matches out of 3000 that agree on same object and pose: too many outliers for RANSAC or LMS</a:t>
-            </a:r>
-          </a:p>
-          <a:p>
-            <a:pPr marL="990600" lvl="1" indent="-533400"/>
-            <a:r>
-              <a:rPr lang="en-US" altLang="ko-KR" sz="2400" dirty="0">
-                <a:ea typeface="굴림" pitchFamily="34" charset="-127"/>
-              </a:rPr>
-              <a:t>Use Hough </a:t>
-            </a:r>
-            <a:r>
-              <a:rPr lang="en-US" altLang="ko-KR" sz="2400" dirty="0" smtClean="0">
-                <a:ea typeface="굴림" pitchFamily="34" charset="-127"/>
-              </a:rPr>
-              <a:t>Transform</a:t>
-            </a:r>
-            <a:endParaRPr lang="en-US" altLang="ko-KR" sz="2400" dirty="0">
-              <a:ea typeface="굴림" pitchFamily="34" charset="-127"/>
-            </a:endParaRPr>
-          </a:p>
-        </p:txBody>
-      </p:sp>
-    </p:spTree>
-    <p:extLst>
-      <p:ext uri="{BB962C8B-B14F-4D97-AF65-F5344CB8AC3E}">
-        <p14:creationId xmlns:p14="http://schemas.microsoft.com/office/powerpoint/2010/main" val="3352082316"/>
-      </p:ext>
-    </p:extLst>
-  </p:cSld>
-  <p:clrMapOvr>
-    <a:masterClrMapping/>
-  </p:clrMapOvr>
-  <p:timing>
-    <p:tnLst>
-      <p:par>
-        <p:cTn id="1" dur="indefinite" restart="never" nodeType="tmRoot"/>
-      </p:par>
-    </p:tnLst>
-  </p:timing>
-</p:sld>
-</file>
-
-<file path=ppt/slides/slide21.xml><?xml version="1.0" encoding="utf-8"?>
-<p:sld xmlns:a="http://schemas.openxmlformats.org/drawingml/2006/main" xmlns:r="http://schemas.openxmlformats.org/officeDocument/2006/relationships" xmlns:p="http://schemas.openxmlformats.org/presentationml/2006/main">
-  <p:cSld>
-    <p:spTree>
-      <p:nvGrpSpPr>
-        <p:cNvPr id="1" name=""/>
-        <p:cNvGrpSpPr/>
-        <p:nvPr/>
-      </p:nvGrpSpPr>
-      <p:grpSpPr>
-        <a:xfrm>
-          <a:off x="0" y="0"/>
-          <a:ext cx="0" cy="0"/>
-          <a:chOff x="0" y="0"/>
-          <a:chExt cx="0" cy="0"/>
-        </a:xfrm>
-      </p:grpSpPr>
-      <p:sp>
-        <p:nvSpPr>
-          <p:cNvPr id="53250" name="Rectangle 2"/>
-          <p:cNvSpPr>
-            <a:spLocks noGrp="1" noChangeArrowheads="1"/>
-          </p:cNvSpPr>
-          <p:nvPr>
-            <p:ph type="title"/>
-          </p:nvPr>
-        </p:nvSpPr>
-        <p:spPr/>
-        <p:txBody>
-          <a:bodyPr/>
-          <a:lstStyle/>
-          <a:p>
-            <a:r>
-              <a:rPr lang="en-US" altLang="ko-KR" sz="4000">
-                <a:ea typeface="굴림" pitchFamily="34" charset="-127"/>
-              </a:rPr>
-              <a:t>3. Feature matching</a:t>
-            </a:r>
-            <a:endParaRPr lang="en-US" altLang="en-US" sz="4000">
-              <a:ea typeface="굴림" pitchFamily="34" charset="-127"/>
-            </a:endParaRPr>
-          </a:p>
-        </p:txBody>
-      </p:sp>
-      <p:sp>
-        <p:nvSpPr>
-          <p:cNvPr id="53251" name="Rectangle 3"/>
-          <p:cNvSpPr>
-            <a:spLocks noGrp="1" noChangeArrowheads="1"/>
-          </p:cNvSpPr>
-          <p:nvPr>
-            <p:ph type="body" idx="1"/>
-          </p:nvPr>
-        </p:nvSpPr>
-        <p:spPr>
-          <a:xfrm>
-            <a:off x="457200" y="1389063"/>
-            <a:ext cx="8229600" cy="4525962"/>
-          </a:xfrm>
-        </p:spPr>
-        <p:txBody>
-          <a:bodyPr/>
-          <a:lstStyle/>
-          <a:p>
-            <a:pPr marL="609600" indent="-609600"/>
-            <a:r>
-              <a:rPr lang="en-US" altLang="ko-KR" sz="2800">
-                <a:ea typeface="굴림" pitchFamily="34" charset="-127"/>
-              </a:rPr>
-              <a:t>3D object recognition: solve for pose</a:t>
-            </a:r>
-          </a:p>
-          <a:p>
-            <a:pPr marL="990600" lvl="1" indent="-533400"/>
-            <a:r>
-              <a:rPr lang="en-US" altLang="en-US" sz="2400"/>
-              <a:t>Affine transform of [x,y] to [u,v]:</a:t>
-            </a:r>
-          </a:p>
-          <a:p>
-            <a:pPr marL="609600" indent="-609600"/>
-            <a:endParaRPr lang="en-US" altLang="en-US"/>
-          </a:p>
-          <a:p>
-            <a:pPr marL="609600" indent="-609600"/>
-            <a:endParaRPr lang="en-US" altLang="en-US"/>
-          </a:p>
-          <a:p>
-            <a:pPr marL="990600" lvl="1" indent="-533400"/>
-            <a:r>
-              <a:rPr lang="en-US" altLang="en-US" sz="2400"/>
-              <a:t>Rewrite to solve for transform parameters:</a:t>
-            </a:r>
-            <a:endParaRPr lang="en-US" altLang="ko-KR" sz="2400">
-              <a:ea typeface="굴림" pitchFamily="34" charset="-127"/>
-            </a:endParaRPr>
-          </a:p>
-        </p:txBody>
-      </p:sp>
-      <p:graphicFrame>
-        <p:nvGraphicFramePr>
-          <p:cNvPr id="53252" name="Object 4"/>
-          <p:cNvGraphicFramePr>
-            <a:graphicFrameLocks noChangeAspect="1"/>
-          </p:cNvGraphicFramePr>
-          <p:nvPr/>
-        </p:nvGraphicFramePr>
-        <p:xfrm>
-          <a:off x="2057400" y="2379663"/>
-          <a:ext cx="5105400" cy="1139825"/>
-        </p:xfrm>
-        <a:graphic>
-          <a:graphicData uri="http://schemas.openxmlformats.org/presentationml/2006/ole">
-            <mc:AlternateContent xmlns:mc="http://schemas.openxmlformats.org/markup-compatibility/2006">
-              <mc:Choice xmlns:v="urn:schemas-microsoft-com:vml" Requires="v">
-                <p:oleObj spid="_x0000_s2052" name="CorelPhotoPaint.Image.8" r:id="rId3" imgW="3208298" imgH="716039" progId="CorelPhotoPaint.Image.8">
-                  <p:embed/>
-                </p:oleObj>
-              </mc:Choice>
-              <mc:Fallback>
-                <p:oleObj name="CorelPhotoPaint.Image.8" r:id="rId3" imgW="3208298" imgH="716039" progId="CorelPhotoPaint.Image.8">
-                  <p:embed/>
-                  <p:pic>
-                    <p:nvPicPr>
-                      <p:cNvPr id="0" name=""/>
-                      <p:cNvPicPr>
-                        <a:picLocks noChangeAspect="1" noChangeArrowheads="1"/>
-                      </p:cNvPicPr>
-                      <p:nvPr/>
-                    </p:nvPicPr>
-                    <p:blipFill>
-                      <a:blip r:embed="rId4">
-                        <a:extLst>
-                          <a:ext uri="{28A0092B-C50C-407E-A947-70E740481C1C}">
-                            <a14:useLocalDpi xmlns:a14="http://schemas.microsoft.com/office/drawing/2010/main" val="0"/>
-                          </a:ext>
-                        </a:extLst>
-                      </a:blip>
-                      <a:srcRect/>
-                      <a:stretch>
-                        <a:fillRect/>
-                      </a:stretch>
-                    </p:blipFill>
-                    <p:spPr bwMode="auto">
-                      <a:xfrm>
-                        <a:off x="2057400" y="2379663"/>
-                        <a:ext cx="5105400" cy="1139825"/>
-                      </a:xfrm>
-                      <a:prstGeom prst="rect">
-                        <a:avLst/>
-                      </a:prstGeom>
-                      <a:noFill/>
-                      <a:ln>
-                        <a:noFill/>
-                      </a:ln>
-                      <a:effectLst/>
-                      <a:extLst>
-                        <a:ext uri="{909E8E84-426E-40DD-AFC4-6F175D3DCCD1}">
-                          <a14:hiddenFill xmlns:a14="http://schemas.microsoft.com/office/drawing/2010/main">
-                            <a:solidFill>
-                              <a:schemeClr val="accent1"/>
-                            </a:solidFill>
-                          </a14:hiddenFill>
-                        </a:ext>
-                        <a:ext uri="{91240B29-F687-4F45-9708-019B960494DF}">
-                          <a14:hiddenLine xmlns:a14="http://schemas.microsoft.com/office/drawing/2010/main" w="12700" cap="sq">
-                            <a:solidFill>
-                              <a:schemeClr val="tx1"/>
-                            </a:solidFill>
-                            <a:miter lim="800000"/>
-                            <a:headEnd type="none" w="sm" len="sm"/>
-                            <a:tailEnd type="none" w="sm" len="sm"/>
-                          </a14:hiddenLine>
-                        </a:ext>
-                        <a:ext uri="{AF507438-7753-43E0-B8FC-AC1667EBCBE1}">
-                          <a14:hiddenEffects xmlns:a14="http://schemas.microsoft.com/office/drawing/2010/main">
-                            <a:effectLst>
-                              <a:outerShdw dist="35921" dir="2700000" algn="ctr" rotWithShape="0">
-                                <a:schemeClr val="bg2"/>
-                              </a:outerShdw>
-                            </a:effectLst>
-                          </a14:hiddenEffects>
-                        </a:ext>
-                      </a:extLst>
-                    </p:spPr>
-                  </p:pic>
-                </p:oleObj>
-              </mc:Fallback>
-            </mc:AlternateContent>
-          </a:graphicData>
-        </a:graphic>
-      </p:graphicFrame>
-      <p:graphicFrame>
-        <p:nvGraphicFramePr>
-          <p:cNvPr id="53253" name="Object 5"/>
-          <p:cNvGraphicFramePr>
-            <a:graphicFrameLocks noChangeAspect="1"/>
-          </p:cNvGraphicFramePr>
-          <p:nvPr/>
-        </p:nvGraphicFramePr>
-        <p:xfrm>
-          <a:off x="1981200" y="3903663"/>
-          <a:ext cx="5029200" cy="2573337"/>
-        </p:xfrm>
-        <a:graphic>
-          <a:graphicData uri="http://schemas.openxmlformats.org/presentationml/2006/ole">
-            <mc:AlternateContent xmlns:mc="http://schemas.openxmlformats.org/markup-compatibility/2006">
-              <mc:Choice xmlns:v="urn:schemas-microsoft-com:vml" Requires="v">
-                <p:oleObj spid="_x0000_s2053" name="CorelPhotoPaint.Image.8" r:id="rId5" imgW="3276190" imgH="1676190" progId="CorelPhotoPaint.Image.8">
-                  <p:embed/>
-                </p:oleObj>
-              </mc:Choice>
-              <mc:Fallback>
-                <p:oleObj name="CorelPhotoPaint.Image.8" r:id="rId5" imgW="3276190" imgH="1676190" progId="CorelPhotoPaint.Image.8">
-                  <p:embed/>
-                  <p:pic>
-                    <p:nvPicPr>
-                      <p:cNvPr id="0" name=""/>
-                      <p:cNvPicPr>
-                        <a:picLocks noChangeAspect="1" noChangeArrowheads="1"/>
-                      </p:cNvPicPr>
-                      <p:nvPr/>
-                    </p:nvPicPr>
-                    <p:blipFill>
-                      <a:blip r:embed="rId6">
-                        <a:extLst>
-                          <a:ext uri="{28A0092B-C50C-407E-A947-70E740481C1C}">
-                            <a14:useLocalDpi xmlns:a14="http://schemas.microsoft.com/office/drawing/2010/main" val="0"/>
-                          </a:ext>
-                        </a:extLst>
-                      </a:blip>
-                      <a:srcRect/>
-                      <a:stretch>
-                        <a:fillRect/>
-                      </a:stretch>
-                    </p:blipFill>
-                    <p:spPr bwMode="auto">
-                      <a:xfrm>
-                        <a:off x="1981200" y="3903663"/>
-                        <a:ext cx="5029200" cy="2573337"/>
-                      </a:xfrm>
-                      <a:prstGeom prst="rect">
-                        <a:avLst/>
-                      </a:prstGeom>
-                      <a:noFill/>
-                      <a:ln>
-                        <a:noFill/>
-                      </a:ln>
-                      <a:effectLst/>
-                      <a:extLst>
-                        <a:ext uri="{909E8E84-426E-40DD-AFC4-6F175D3DCCD1}">
-                          <a14:hiddenFill xmlns:a14="http://schemas.microsoft.com/office/drawing/2010/main">
-                            <a:solidFill>
-                              <a:schemeClr val="accent1"/>
-                            </a:solidFill>
-                          </a14:hiddenFill>
-                        </a:ext>
-                        <a:ext uri="{91240B29-F687-4F45-9708-019B960494DF}">
-                          <a14:hiddenLine xmlns:a14="http://schemas.microsoft.com/office/drawing/2010/main" w="12700" cap="sq">
-                            <a:solidFill>
-                              <a:schemeClr val="tx1"/>
-                            </a:solidFill>
-                            <a:miter lim="800000"/>
-                            <a:headEnd type="none" w="sm" len="sm"/>
-                            <a:tailEnd type="none" w="sm" len="sm"/>
-                          </a14:hiddenLine>
-                        </a:ext>
-                        <a:ext uri="{AF507438-7753-43E0-B8FC-AC1667EBCBE1}">
-                          <a14:hiddenEffects xmlns:a14="http://schemas.microsoft.com/office/drawing/2010/main">
-                            <a:effectLst>
-                              <a:outerShdw dist="35921" dir="2700000" algn="ctr" rotWithShape="0">
-                                <a:schemeClr val="bg2"/>
-                              </a:outerShdw>
-                            </a:effectLst>
-                          </a14:hiddenEffects>
-                        </a:ext>
-                      </a:extLst>
-                    </p:spPr>
-                  </p:pic>
-                </p:oleObj>
-              </mc:Fallback>
-            </mc:AlternateContent>
-          </a:graphicData>
-        </a:graphic>
-      </p:graphicFrame>
-    </p:spTree>
-    <p:extLst>
-      <p:ext uri="{BB962C8B-B14F-4D97-AF65-F5344CB8AC3E}">
-        <p14:creationId xmlns:p14="http://schemas.microsoft.com/office/powerpoint/2010/main" val="4156914859"/>
-      </p:ext>
-    </p:extLst>
-  </p:cSld>
-  <p:clrMapOvr>
-    <a:masterClrMapping/>
-  </p:clrMapOvr>
-</p:sld>
-</file>
-
 <file path=ppt/slides/slide22.xml><?xml version="1.0" encoding="utf-8"?>
 <p:sld xmlns:a="http://schemas.openxmlformats.org/drawingml/2006/main" xmlns:r="http://schemas.openxmlformats.org/officeDocument/2006/relationships" xmlns:p="http://schemas.openxmlformats.org/presentationml/2006/main">
   <p:cSld>
@@ -6937,7 +10138,7 @@
       </p:grpSpPr>
       <p:sp>
         <p:nvSpPr>
-          <p:cNvPr id="54274" name="Rectangle 2"/>
+          <p:cNvPr id="52226" name="Rectangle 2"/>
           <p:cNvSpPr>
             <a:spLocks noGrp="1" noChangeArrowheads="1"/>
           </p:cNvSpPr>
@@ -6962,7 +10163,7 @@
       </p:sp>
       <p:sp>
         <p:nvSpPr>
-          <p:cNvPr id="54275" name="Rectangle 3"/>
+          <p:cNvPr id="52227" name="Rectangle 3"/>
           <p:cNvSpPr>
             <a:spLocks noGrp="1" noChangeArrowheads="1"/>
           </p:cNvSpPr>
@@ -6980,80 +10181,51 @@
               <a:rPr lang="en-US" altLang="ko-KR" sz="2800" dirty="0">
                 <a:ea typeface="굴림" pitchFamily="34" charset="-127"/>
               </a:rPr>
-              <a:t>3D object recognition: verify model</a:t>
-            </a:r>
-          </a:p>
-          <a:p>
-            <a:pPr marL="990600" lvl="1" indent="-533400">
-              <a:buClr>
-                <a:schemeClr val="accent2"/>
-              </a:buClr>
-              <a:buFont typeface="Monotype Sorts" pitchFamily="2" charset="2"/>
-              <a:buAutoNum type="arabicParenR"/>
-            </a:pPr>
+              <a:t>3D object recognition</a:t>
+            </a:r>
+          </a:p>
+          <a:p>
+            <a:pPr marL="990600" lvl="1" indent="-533400"/>
             <a:r>
               <a:rPr lang="en-US" altLang="ko-KR" sz="2400" dirty="0">
                 <a:ea typeface="굴림" pitchFamily="34" charset="-127"/>
               </a:rPr>
-              <a:t>Discard outliers for pose solution in </a:t>
-            </a:r>
-            <a:r>
-              <a:rPr lang="en-US" altLang="ko-KR" sz="2400" dirty="0" err="1">
-                <a:ea typeface="굴림" pitchFamily="34" charset="-127"/>
-              </a:rPr>
-              <a:t>prev</a:t>
-            </a:r>
+              <a:t>Assume affine transform: clusters of size &gt;=3</a:t>
+            </a:r>
+          </a:p>
+          <a:p>
+            <a:pPr marL="990600" lvl="1" indent="-533400"/>
             <a:r>
               <a:rPr lang="en-US" altLang="ko-KR" sz="2400" dirty="0">
                 <a:ea typeface="굴림" pitchFamily="34" charset="-127"/>
               </a:rPr>
-              <a:t> step</a:t>
-            </a:r>
-            <a:endParaRPr lang="en-US" altLang="en-US" sz="2400" dirty="0"/>
-          </a:p>
-          <a:p>
-            <a:pPr marL="990600" lvl="1" indent="-533400">
-              <a:buClr>
-                <a:schemeClr val="accent2"/>
-              </a:buClr>
-              <a:buFont typeface="Monotype Sorts" pitchFamily="2" charset="2"/>
-              <a:buAutoNum type="arabicParenR"/>
-            </a:pPr>
+              <a:t>Looking for 3 matches out of 3000 that agree on same object and pose: too many outliers for RANSAC or LMS</a:t>
+            </a:r>
+          </a:p>
+          <a:p>
+            <a:pPr marL="990600" lvl="1" indent="-533400"/>
             <a:r>
               <a:rPr lang="en-US" altLang="ko-KR" sz="2400" dirty="0">
                 <a:ea typeface="굴림" pitchFamily="34" charset="-127"/>
               </a:rPr>
-              <a:t>P</a:t>
-            </a:r>
-            <a:r>
-              <a:rPr lang="en-US" altLang="en-US" sz="2400" dirty="0"/>
-              <a:t>erform top-down check for additional features</a:t>
-            </a:r>
-          </a:p>
-          <a:p>
-            <a:pPr marL="990600" lvl="1" indent="-533400">
-              <a:buClr>
-                <a:schemeClr val="accent2"/>
-              </a:buClr>
-              <a:buFont typeface="Monotype Sorts" pitchFamily="2" charset="2"/>
-              <a:buAutoNum type="arabicParenR"/>
-            </a:pPr>
-            <a:r>
-              <a:rPr lang="en-US" altLang="en-US" sz="2400" dirty="0"/>
-              <a:t>Evaluate probability that match is </a:t>
-            </a:r>
-            <a:r>
-              <a:rPr lang="en-US" altLang="en-US" sz="2400" dirty="0" smtClean="0"/>
-              <a:t>correct</a:t>
-            </a:r>
-            <a:endParaRPr lang="en-US" altLang="en-US" sz="2400" dirty="0"/>
+              <a:t>Use Hough </a:t>
+            </a:r>
+            <a:r>
+              <a:rPr lang="en-US" altLang="ko-KR" sz="2400" dirty="0" smtClean="0">
+                <a:ea typeface="굴림" pitchFamily="34" charset="-127"/>
+              </a:rPr>
+              <a:t>Transform</a:t>
+            </a:r>
+            <a:endParaRPr lang="en-US" altLang="ko-KR" sz="2400" dirty="0">
+              <a:ea typeface="굴림" pitchFamily="34" charset="-127"/>
+            </a:endParaRPr>
           </a:p>
         </p:txBody>
       </p:sp>
     </p:spTree>
     <p:extLst>
       <p:ext uri="{BB962C8B-B14F-4D97-AF65-F5344CB8AC3E}">
-        <p14:creationId xmlns:p14="http://schemas.microsoft.com/office/powerpoint/2010/main" val="3474248215"/>
+        <p14:creationId xmlns:p14="http://schemas.microsoft.com/office/powerpoint/2010/main" val="3352082316"/>
       </p:ext>
     </p:extLst>
   </p:cSld>
@@ -7089,7 +10261,7 @@
       </p:grpSpPr>
       <p:sp>
         <p:nvSpPr>
-          <p:cNvPr id="86018" name="Rectangle 2"/>
+          <p:cNvPr id="54274" name="Rectangle 2"/>
           <p:cNvSpPr>
             <a:spLocks noGrp="1" noChangeArrowheads="1"/>
           </p:cNvSpPr>
@@ -7097,12 +10269,7 @@
             <p:ph type="title"/>
           </p:nvPr>
         </p:nvSpPr>
-        <p:spPr>
-          <a:xfrm>
-            <a:off x="457200" y="152400"/>
-            <a:ext cx="8229600" cy="1143000"/>
-          </a:xfrm>
-        </p:spPr>
+        <p:spPr/>
         <p:txBody>
           <a:bodyPr/>
           <a:lstStyle/>
@@ -7111,7 +10278,7 @@
               <a:rPr lang="en-US" altLang="ko-KR" sz="4000">
                 <a:ea typeface="굴림" pitchFamily="34" charset="-127"/>
               </a:rPr>
-              <a:t>Planar recognition</a:t>
+              <a:t>3. Feature matching</a:t>
             </a:r>
             <a:endParaRPr lang="en-US" altLang="en-US" sz="4000"/>
           </a:p>
@@ -7119,7 +10286,7 @@
       </p:sp>
       <p:sp>
         <p:nvSpPr>
-          <p:cNvPr id="86019" name="Rectangle 3"/>
+          <p:cNvPr id="54275" name="Rectangle 3"/>
           <p:cNvSpPr>
             <a:spLocks noGrp="1" noChangeArrowheads="1"/>
           </p:cNvSpPr>
@@ -7127,94 +10294,90 @@
             <p:ph type="body" idx="1"/>
           </p:nvPr>
         </p:nvSpPr>
-        <p:spPr>
-          <a:xfrm>
-            <a:off x="457200" y="1265238"/>
-            <a:ext cx="8229600" cy="4525962"/>
-          </a:xfrm>
-        </p:spPr>
+        <p:spPr/>
         <p:txBody>
           <a:bodyPr/>
           <a:lstStyle/>
           <a:p>
-            <a:r>
-              <a:rPr lang="en-US" altLang="ko-KR" sz="2800">
+            <a:pPr marL="609600" indent="-609600"/>
+            <a:r>
+              <a:rPr lang="en-US" altLang="ko-KR" sz="2800" dirty="0">
                 <a:ea typeface="굴림" pitchFamily="34" charset="-127"/>
               </a:rPr>
-              <a:t>Training images</a:t>
-            </a:r>
-            <a:endParaRPr lang="en-US" altLang="en-US" sz="2800"/>
+              <a:t>3D object recognition: verify model</a:t>
+            </a:r>
+          </a:p>
+          <a:p>
+            <a:pPr marL="990600" lvl="1" indent="-533400">
+              <a:buClr>
+                <a:schemeClr val="accent2"/>
+              </a:buClr>
+              <a:buFont typeface="Monotype Sorts" pitchFamily="2" charset="2"/>
+              <a:buAutoNum type="arabicParenR"/>
+            </a:pPr>
+            <a:r>
+              <a:rPr lang="en-US" altLang="ko-KR" sz="2400" dirty="0">
+                <a:ea typeface="굴림" pitchFamily="34" charset="-127"/>
+              </a:rPr>
+              <a:t>Discard outliers for pose solution in </a:t>
+            </a:r>
+            <a:r>
+              <a:rPr lang="en-US" altLang="ko-KR" sz="2400" dirty="0" err="1">
+                <a:ea typeface="굴림" pitchFamily="34" charset="-127"/>
+              </a:rPr>
+              <a:t>prev</a:t>
+            </a:r>
+            <a:r>
+              <a:rPr lang="en-US" altLang="ko-KR" sz="2400" dirty="0">
+                <a:ea typeface="굴림" pitchFamily="34" charset="-127"/>
+              </a:rPr>
+              <a:t> step</a:t>
+            </a:r>
+            <a:endParaRPr lang="en-US" altLang="en-US" sz="2400" dirty="0"/>
+          </a:p>
+          <a:p>
+            <a:pPr marL="990600" lvl="1" indent="-533400">
+              <a:buClr>
+                <a:schemeClr val="accent2"/>
+              </a:buClr>
+              <a:buFont typeface="Monotype Sorts" pitchFamily="2" charset="2"/>
+              <a:buAutoNum type="arabicParenR"/>
+            </a:pPr>
+            <a:r>
+              <a:rPr lang="en-US" altLang="ko-KR" sz="2400" dirty="0">
+                <a:ea typeface="굴림" pitchFamily="34" charset="-127"/>
+              </a:rPr>
+              <a:t>P</a:t>
+            </a:r>
+            <a:r>
+              <a:rPr lang="en-US" altLang="en-US" sz="2400" dirty="0"/>
+              <a:t>erform top-down check for additional features</a:t>
+            </a:r>
+          </a:p>
+          <a:p>
+            <a:pPr marL="990600" lvl="1" indent="-533400">
+              <a:buClr>
+                <a:schemeClr val="accent2"/>
+              </a:buClr>
+              <a:buFont typeface="Monotype Sorts" pitchFamily="2" charset="2"/>
+              <a:buAutoNum type="arabicParenR"/>
+            </a:pPr>
+            <a:r>
+              <a:rPr lang="en-US" altLang="en-US" sz="2400" dirty="0"/>
+              <a:t>Evaluate probability that match is </a:t>
+            </a:r>
+            <a:r>
+              <a:rPr lang="en-US" altLang="en-US" sz="2400" dirty="0" smtClean="0"/>
+              <a:t>correct</a:t>
+            </a:r>
+            <a:endParaRPr lang="en-US" altLang="en-US" sz="2400" dirty="0"/>
           </a:p>
         </p:txBody>
       </p:sp>
-      <p:pic>
-        <p:nvPicPr>
-          <p:cNvPr id="86024" name="Picture 8"/>
-          <p:cNvPicPr>
-            <a:picLocks noChangeAspect="1" noChangeArrowheads="1"/>
-          </p:cNvPicPr>
-          <p:nvPr/>
-        </p:nvPicPr>
-        <p:blipFill>
-          <a:blip r:embed="rId2">
-            <a:extLst>
-              <a:ext uri="{28A0092B-C50C-407E-A947-70E740481C1C}">
-                <a14:useLocalDpi xmlns:a14="http://schemas.microsoft.com/office/drawing/2010/main" val="0"/>
-              </a:ext>
-            </a:extLst>
-          </a:blip>
-          <a:srcRect l="9906" t="21487" r="31998" b="19009"/>
-          <a:stretch>
-            <a:fillRect/>
-          </a:stretch>
-        </p:blipFill>
-        <p:spPr bwMode="auto">
-          <a:xfrm>
-            <a:off x="2667000" y="1905000"/>
-            <a:ext cx="4064000" cy="4572000"/>
-          </a:xfrm>
-          <a:prstGeom prst="rect">
-            <a:avLst/>
-          </a:prstGeom>
-          <a:noFill/>
-          <a:ln>
-            <a:noFill/>
-          </a:ln>
-          <a:effectLst/>
-          <a:extLst>
-            <a:ext uri="{909E8E84-426E-40DD-AFC4-6F175D3DCCD1}">
-              <a14:hiddenFill xmlns:a14="http://schemas.microsoft.com/office/drawing/2010/main">
-                <a:solidFill>
-                  <a:schemeClr val="accent1"/>
-                </a:solidFill>
-              </a14:hiddenFill>
-            </a:ext>
-            <a:ext uri="{91240B29-F687-4F45-9708-019B960494DF}">
-              <a14:hiddenLine xmlns:a14="http://schemas.microsoft.com/office/drawing/2010/main" w="12700" cap="sq">
-                <a:solidFill>
-                  <a:schemeClr val="tx1"/>
-                </a:solidFill>
-                <a:miter lim="800000"/>
-                <a:headEnd type="none" w="sm" len="sm"/>
-                <a:tailEnd type="none" w="sm" len="sm"/>
-              </a14:hiddenLine>
-            </a:ext>
-            <a:ext uri="{AF507438-7753-43E0-B8FC-AC1667EBCBE1}">
-              <a14:hiddenEffects xmlns:a14="http://schemas.microsoft.com/office/drawing/2010/main">
-                <a:effectLst>
-                  <a:outerShdw dist="35921" dir="2700000" algn="ctr" rotWithShape="0">
-                    <a:schemeClr val="bg2"/>
-                  </a:outerShdw>
-                </a:effectLst>
-              </a14:hiddenEffects>
-            </a:ext>
-          </a:extLst>
-        </p:spPr>
-      </p:pic>
     </p:spTree>
     <p:extLst>
       <p:ext uri="{BB962C8B-B14F-4D97-AF65-F5344CB8AC3E}">
-        <p14:creationId xmlns:p14="http://schemas.microsoft.com/office/powerpoint/2010/main" val="3782755293"/>
+        <p14:creationId xmlns:p14="http://schemas.microsoft.com/office/powerpoint/2010/main" val="3474248215"/>
       </p:ext>
     </p:extLst>
   </p:cSld>
@@ -7250,336 +10413,6 @@
       </p:grpSpPr>
       <p:sp>
         <p:nvSpPr>
-          <p:cNvPr id="89090" name="Rectangle 2"/>
-          <p:cNvSpPr>
-            <a:spLocks noGrp="1" noChangeArrowheads="1"/>
-          </p:cNvSpPr>
-          <p:nvPr>
-            <p:ph type="title"/>
-          </p:nvPr>
-        </p:nvSpPr>
-        <p:spPr>
-          <a:xfrm>
-            <a:off x="457200" y="152400"/>
-            <a:ext cx="8229600" cy="1143000"/>
-          </a:xfrm>
-        </p:spPr>
-        <p:txBody>
-          <a:bodyPr/>
-          <a:lstStyle/>
-          <a:p>
-            <a:r>
-              <a:rPr lang="en-US" altLang="ko-KR" sz="4000">
-                <a:ea typeface="굴림" pitchFamily="34" charset="-127"/>
-              </a:rPr>
-              <a:t>Planar recognition</a:t>
-            </a:r>
-            <a:endParaRPr lang="en-US" altLang="en-US" sz="4000"/>
-          </a:p>
-        </p:txBody>
-      </p:sp>
-      <p:sp>
-        <p:nvSpPr>
-          <p:cNvPr id="89092" name="Rectangle 4"/>
-          <p:cNvSpPr>
-            <a:spLocks noChangeArrowheads="1"/>
-          </p:cNvSpPr>
-          <p:nvPr/>
-        </p:nvSpPr>
-        <p:spPr bwMode="auto">
-          <a:xfrm>
-            <a:off x="457200" y="1295400"/>
-            <a:ext cx="3657600" cy="5257800"/>
-          </a:xfrm>
-          <a:prstGeom prst="rect">
-            <a:avLst/>
-          </a:prstGeom>
-          <a:noFill/>
-          <a:ln>
-            <a:noFill/>
-          </a:ln>
-          <a:extLst>
-            <a:ext uri="{909E8E84-426E-40DD-AFC4-6F175D3DCCD1}">
-              <a14:hiddenFill xmlns:a14="http://schemas.microsoft.com/office/drawing/2010/main">
-                <a:solidFill>
-                  <a:schemeClr val="accent1"/>
-                </a:solidFill>
-              </a14:hiddenFill>
-            </a:ext>
-            <a:ext uri="{91240B29-F687-4F45-9708-019B960494DF}">
-              <a14:hiddenLine xmlns:a14="http://schemas.microsoft.com/office/drawing/2010/main" w="9525">
-                <a:solidFill>
-                  <a:schemeClr val="tx1"/>
-                </a:solidFill>
-                <a:miter lim="800000"/>
-                <a:headEnd/>
-                <a:tailEnd/>
-              </a14:hiddenLine>
-            </a:ext>
-          </a:extLst>
-        </p:spPr>
-        <p:txBody>
-          <a:bodyPr/>
-          <a:lstStyle>
-            <a:lvl1pPr marL="342900" indent="-342900">
-              <a:spcBef>
-                <a:spcPct val="20000"/>
-              </a:spcBef>
-              <a:buChar char="•"/>
-              <a:defRPr sz="3200">
-                <a:solidFill>
-                  <a:schemeClr val="tx1"/>
-                </a:solidFill>
-                <a:latin typeface="Tahoma" pitchFamily="34" charset="0"/>
-              </a:defRPr>
-            </a:lvl1pPr>
-            <a:lvl2pPr marL="742950" indent="-285750">
-              <a:spcBef>
-                <a:spcPct val="20000"/>
-              </a:spcBef>
-              <a:buChar char="–"/>
-              <a:defRPr sz="2800">
-                <a:solidFill>
-                  <a:schemeClr val="tx1"/>
-                </a:solidFill>
-                <a:latin typeface="Tahoma" pitchFamily="34" charset="0"/>
-              </a:defRPr>
-            </a:lvl2pPr>
-            <a:lvl3pPr marL="1143000" indent="-228600">
-              <a:spcBef>
-                <a:spcPct val="20000"/>
-              </a:spcBef>
-              <a:buChar char="•"/>
-              <a:defRPr sz="2400">
-                <a:solidFill>
-                  <a:schemeClr val="tx1"/>
-                </a:solidFill>
-                <a:latin typeface="Tahoma" pitchFamily="34" charset="0"/>
-              </a:defRPr>
-            </a:lvl3pPr>
-            <a:lvl4pPr marL="1600200" indent="-228600">
-              <a:spcBef>
-                <a:spcPct val="20000"/>
-              </a:spcBef>
-              <a:buChar char="–"/>
-              <a:defRPr sz="2000">
-                <a:solidFill>
-                  <a:schemeClr val="tx1"/>
-                </a:solidFill>
-                <a:latin typeface="Tahoma" pitchFamily="34" charset="0"/>
-              </a:defRPr>
-            </a:lvl4pPr>
-            <a:lvl5pPr marL="2057400" indent="-228600">
-              <a:spcBef>
-                <a:spcPct val="20000"/>
-              </a:spcBef>
-              <a:buChar char="»"/>
-              <a:defRPr sz="2000">
-                <a:solidFill>
-                  <a:schemeClr val="tx1"/>
-                </a:solidFill>
-                <a:latin typeface="Tahoma" pitchFamily="34" charset="0"/>
-              </a:defRPr>
-            </a:lvl5pPr>
-            <a:lvl6pPr marL="2514600" indent="-228600" fontAlgn="base">
-              <a:spcBef>
-                <a:spcPct val="20000"/>
-              </a:spcBef>
-              <a:spcAft>
-                <a:spcPct val="0"/>
-              </a:spcAft>
-              <a:buChar char="»"/>
-              <a:defRPr sz="2000">
-                <a:solidFill>
-                  <a:schemeClr val="tx1"/>
-                </a:solidFill>
-                <a:latin typeface="Tahoma" pitchFamily="34" charset="0"/>
-              </a:defRPr>
-            </a:lvl6pPr>
-            <a:lvl7pPr marL="2971800" indent="-228600" fontAlgn="base">
-              <a:spcBef>
-                <a:spcPct val="20000"/>
-              </a:spcBef>
-              <a:spcAft>
-                <a:spcPct val="0"/>
-              </a:spcAft>
-              <a:buChar char="»"/>
-              <a:defRPr sz="2000">
-                <a:solidFill>
-                  <a:schemeClr val="tx1"/>
-                </a:solidFill>
-                <a:latin typeface="Tahoma" pitchFamily="34" charset="0"/>
-              </a:defRPr>
-            </a:lvl7pPr>
-            <a:lvl8pPr marL="3429000" indent="-228600" fontAlgn="base">
-              <a:spcBef>
-                <a:spcPct val="20000"/>
-              </a:spcBef>
-              <a:spcAft>
-                <a:spcPct val="0"/>
-              </a:spcAft>
-              <a:buChar char="»"/>
-              <a:defRPr sz="2000">
-                <a:solidFill>
-                  <a:schemeClr val="tx1"/>
-                </a:solidFill>
-                <a:latin typeface="Tahoma" pitchFamily="34" charset="0"/>
-              </a:defRPr>
-            </a:lvl8pPr>
-            <a:lvl9pPr marL="3886200" indent="-228600" fontAlgn="base">
-              <a:spcBef>
-                <a:spcPct val="20000"/>
-              </a:spcBef>
-              <a:spcAft>
-                <a:spcPct val="0"/>
-              </a:spcAft>
-              <a:buChar char="»"/>
-              <a:defRPr sz="2000">
-                <a:solidFill>
-                  <a:schemeClr val="tx1"/>
-                </a:solidFill>
-                <a:latin typeface="Tahoma" pitchFamily="34" charset="0"/>
-              </a:defRPr>
-            </a:lvl9pPr>
-          </a:lstStyle>
-          <a:p>
-            <a:r>
-              <a:rPr lang="en-US" altLang="ko-KR" sz="2800" dirty="0">
-                <a:ea typeface="굴림" pitchFamily="34" charset="-127"/>
-              </a:rPr>
-              <a:t>R</a:t>
-            </a:r>
-            <a:r>
-              <a:rPr lang="en-US" altLang="en-US" sz="2800" dirty="0"/>
-              <a:t>eliably recognized at a rotation of 60° away from the camera</a:t>
-            </a:r>
-          </a:p>
-          <a:p>
-            <a:r>
-              <a:rPr lang="en-US" altLang="en-US" sz="2800" dirty="0"/>
-              <a:t>Affine fit </a:t>
-            </a:r>
-            <a:r>
-              <a:rPr lang="en-US" altLang="en-US" sz="2800" dirty="0" smtClean="0"/>
-              <a:t>is an approximation of </a:t>
-            </a:r>
-            <a:r>
-              <a:rPr lang="en-US" altLang="en-US" sz="2800" dirty="0"/>
-              <a:t>perspective projection</a:t>
-            </a:r>
-            <a:endParaRPr lang="en-US" altLang="en-US" dirty="0"/>
-          </a:p>
-          <a:p>
-            <a:r>
-              <a:rPr lang="en-US" altLang="en-US" sz="2800" dirty="0"/>
-              <a:t>Only 3 points are needed for recognition</a:t>
-            </a:r>
-          </a:p>
-        </p:txBody>
-      </p:sp>
-      <p:pic>
-        <p:nvPicPr>
-          <p:cNvPr id="89093" name="Picture 5"/>
-          <p:cNvPicPr>
-            <a:picLocks noChangeAspect="1" noChangeArrowheads="1"/>
-          </p:cNvPicPr>
-          <p:nvPr/>
-        </p:nvPicPr>
-        <p:blipFill>
-          <a:blip r:embed="rId2">
-            <a:extLst>
-              <a:ext uri="{28A0092B-C50C-407E-A947-70E740481C1C}">
-                <a14:useLocalDpi xmlns:a14="http://schemas.microsoft.com/office/drawing/2010/main" val="0"/>
-              </a:ext>
-            </a:extLst>
-          </a:blip>
-          <a:srcRect l="8017" t="11946" r="9387" b="4073"/>
-          <a:stretch>
-            <a:fillRect/>
-          </a:stretch>
-        </p:blipFill>
-        <p:spPr bwMode="auto">
-          <a:xfrm>
-            <a:off x="5003800" y="1295400"/>
-            <a:ext cx="3508375" cy="5257800"/>
-          </a:xfrm>
-          <a:prstGeom prst="rect">
-            <a:avLst/>
-          </a:prstGeom>
-          <a:noFill/>
-          <a:ln>
-            <a:noFill/>
-          </a:ln>
-          <a:effectLst/>
-          <a:extLst>
-            <a:ext uri="{909E8E84-426E-40DD-AFC4-6F175D3DCCD1}">
-              <a14:hiddenFill xmlns:a14="http://schemas.microsoft.com/office/drawing/2010/main">
-                <a:solidFill>
-                  <a:schemeClr val="accent1"/>
-                </a:solidFill>
-              </a14:hiddenFill>
-            </a:ext>
-            <a:ext uri="{91240B29-F687-4F45-9708-019B960494DF}">
-              <a14:hiddenLine xmlns:a14="http://schemas.microsoft.com/office/drawing/2010/main" w="12700" cap="sq">
-                <a:solidFill>
-                  <a:schemeClr val="tx1"/>
-                </a:solidFill>
-                <a:miter lim="800000"/>
-                <a:headEnd type="none" w="sm" len="sm"/>
-                <a:tailEnd type="none" w="sm" len="sm"/>
-              </a14:hiddenLine>
-            </a:ext>
-            <a:ext uri="{AF507438-7753-43E0-B8FC-AC1667EBCBE1}">
-              <a14:hiddenEffects xmlns:a14="http://schemas.microsoft.com/office/drawing/2010/main">
-                <a:effectLst>
-                  <a:outerShdw dist="35921" dir="2700000" algn="ctr" rotWithShape="0">
-                    <a:schemeClr val="bg2"/>
-                  </a:outerShdw>
-                </a:effectLst>
-              </a14:hiddenEffects>
-            </a:ext>
-          </a:extLst>
-        </p:spPr>
-      </p:pic>
-    </p:spTree>
-    <p:extLst>
-      <p:ext uri="{BB962C8B-B14F-4D97-AF65-F5344CB8AC3E}">
-        <p14:creationId xmlns:p14="http://schemas.microsoft.com/office/powerpoint/2010/main" val="2482563633"/>
-      </p:ext>
-    </p:extLst>
-  </p:cSld>
-  <p:clrMapOvr>
-    <a:masterClrMapping/>
-  </p:clrMapOvr>
-  <p:timing>
-    <p:tnLst>
-      <p:par>
-        <p:cTn id="1" dur="indefinite" restart="never" nodeType="tmRoot"/>
-      </p:par>
-    </p:tnLst>
-  </p:timing>
-</p:sld>
-</file>
-
-<file path=ppt/slides/slide25.xml><?xml version="1.0" encoding="utf-8"?>
-<p:sld xmlns:a="http://schemas.openxmlformats.org/drawingml/2006/main" xmlns:r="http://schemas.openxmlformats.org/officeDocument/2006/relationships" xmlns:p="http://schemas.openxmlformats.org/presentationml/2006/main">
-  <p:cSld>
-    <p:spTree>
-      <p:nvGrpSpPr>
-        <p:cNvPr id="1" name=""/>
-        <p:cNvGrpSpPr/>
-        <p:nvPr/>
-      </p:nvGrpSpPr>
-      <p:grpSpPr>
-        <a:xfrm>
-          <a:off x="0" y="0"/>
-          <a:ext cx="0" cy="0"/>
-          <a:chOff x="0" y="0"/>
-          <a:chExt cx="0" cy="0"/>
-        </a:xfrm>
-      </p:grpSpPr>
-      <p:sp>
-        <p:nvSpPr>
           <p:cNvPr id="90114" name="Rectangle 2"/>
           <p:cNvSpPr>
             <a:spLocks noGrp="1" noChangeArrowheads="1"/>
@@ -7654,7 +10487,7 @@
           <a:graphicData uri="http://schemas.openxmlformats.org/presentationml/2006/ole">
             <mc:AlternateContent xmlns:mc="http://schemas.openxmlformats.org/markup-compatibility/2006">
               <mc:Choice xmlns:v="urn:schemas-microsoft-com:vml" Requires="v">
-                <p:oleObj spid="_x0000_s3075" name="CorelPhotoPaint.Image.8" r:id="rId3" imgW="3796825" imgH="4507937" progId="CorelPhotoPaint.Image.8">
+                <p:oleObj spid="_x0000_s3081" name="CorelPhotoPaint.Image.8" r:id="rId3" imgW="3796825" imgH="4507937" progId="CorelPhotoPaint.Image.8">
                   <p:embed/>
                 </p:oleObj>
               </mc:Choice>
@@ -7751,7 +10584,642 @@
 </p:sld>
 </file>
 
+<file path=ppt/slides/slide25.xml><?xml version="1.0" encoding="utf-8"?>
+<p:sld xmlns:a="http://schemas.openxmlformats.org/drawingml/2006/main" xmlns:r="http://schemas.openxmlformats.org/officeDocument/2006/relationships" xmlns:p="http://schemas.openxmlformats.org/presentationml/2006/main">
+  <p:cSld>
+    <p:spTree>
+      <p:nvGrpSpPr>
+        <p:cNvPr id="1" name=""/>
+        <p:cNvGrpSpPr/>
+        <p:nvPr/>
+      </p:nvGrpSpPr>
+      <p:grpSpPr>
+        <a:xfrm>
+          <a:off x="0" y="0"/>
+          <a:ext cx="0" cy="0"/>
+          <a:chOff x="0" y="0"/>
+          <a:chExt cx="0" cy="0"/>
+        </a:xfrm>
+      </p:grpSpPr>
+      <p:sp>
+        <p:nvSpPr>
+          <p:cNvPr id="89090" name="Rectangle 2"/>
+          <p:cNvSpPr>
+            <a:spLocks noGrp="1" noChangeArrowheads="1"/>
+          </p:cNvSpPr>
+          <p:nvPr>
+            <p:ph type="title"/>
+          </p:nvPr>
+        </p:nvSpPr>
+        <p:spPr>
+          <a:xfrm>
+            <a:off x="457200" y="152400"/>
+            <a:ext cx="8229600" cy="1143000"/>
+          </a:xfrm>
+        </p:spPr>
+        <p:txBody>
+          <a:bodyPr/>
+          <a:lstStyle/>
+          <a:p>
+            <a:r>
+              <a:rPr lang="en-US" altLang="ko-KR" sz="4000">
+                <a:ea typeface="굴림" pitchFamily="34" charset="-127"/>
+              </a:rPr>
+              <a:t>Planar recognition</a:t>
+            </a:r>
+            <a:endParaRPr lang="en-US" altLang="en-US" sz="4000"/>
+          </a:p>
+        </p:txBody>
+      </p:sp>
+      <p:sp>
+        <p:nvSpPr>
+          <p:cNvPr id="89092" name="Rectangle 4"/>
+          <p:cNvSpPr>
+            <a:spLocks noChangeArrowheads="1"/>
+          </p:cNvSpPr>
+          <p:nvPr/>
+        </p:nvSpPr>
+        <p:spPr bwMode="auto">
+          <a:xfrm>
+            <a:off x="457200" y="1295400"/>
+            <a:ext cx="3657600" cy="5257800"/>
+          </a:xfrm>
+          <a:prstGeom prst="rect">
+            <a:avLst/>
+          </a:prstGeom>
+          <a:noFill/>
+          <a:ln>
+            <a:noFill/>
+          </a:ln>
+          <a:extLst>
+            <a:ext uri="{909E8E84-426E-40DD-AFC4-6F175D3DCCD1}">
+              <a14:hiddenFill xmlns:a14="http://schemas.microsoft.com/office/drawing/2010/main">
+                <a:solidFill>
+                  <a:schemeClr val="accent1"/>
+                </a:solidFill>
+              </a14:hiddenFill>
+            </a:ext>
+            <a:ext uri="{91240B29-F687-4F45-9708-019B960494DF}">
+              <a14:hiddenLine xmlns:a14="http://schemas.microsoft.com/office/drawing/2010/main" w="9525">
+                <a:solidFill>
+                  <a:schemeClr val="tx1"/>
+                </a:solidFill>
+                <a:miter lim="800000"/>
+                <a:headEnd/>
+                <a:tailEnd/>
+              </a14:hiddenLine>
+            </a:ext>
+          </a:extLst>
+        </p:spPr>
+        <p:txBody>
+          <a:bodyPr/>
+          <a:lstStyle>
+            <a:lvl1pPr marL="342900" indent="-342900">
+              <a:spcBef>
+                <a:spcPct val="20000"/>
+              </a:spcBef>
+              <a:buChar char="•"/>
+              <a:defRPr sz="3200">
+                <a:solidFill>
+                  <a:schemeClr val="tx1"/>
+                </a:solidFill>
+                <a:latin typeface="Tahoma" pitchFamily="34" charset="0"/>
+              </a:defRPr>
+            </a:lvl1pPr>
+            <a:lvl2pPr marL="742950" indent="-285750">
+              <a:spcBef>
+                <a:spcPct val="20000"/>
+              </a:spcBef>
+              <a:buChar char="–"/>
+              <a:defRPr sz="2800">
+                <a:solidFill>
+                  <a:schemeClr val="tx1"/>
+                </a:solidFill>
+                <a:latin typeface="Tahoma" pitchFamily="34" charset="0"/>
+              </a:defRPr>
+            </a:lvl2pPr>
+            <a:lvl3pPr marL="1143000" indent="-228600">
+              <a:spcBef>
+                <a:spcPct val="20000"/>
+              </a:spcBef>
+              <a:buChar char="•"/>
+              <a:defRPr sz="2400">
+                <a:solidFill>
+                  <a:schemeClr val="tx1"/>
+                </a:solidFill>
+                <a:latin typeface="Tahoma" pitchFamily="34" charset="0"/>
+              </a:defRPr>
+            </a:lvl3pPr>
+            <a:lvl4pPr marL="1600200" indent="-228600">
+              <a:spcBef>
+                <a:spcPct val="20000"/>
+              </a:spcBef>
+              <a:buChar char="–"/>
+              <a:defRPr sz="2000">
+                <a:solidFill>
+                  <a:schemeClr val="tx1"/>
+                </a:solidFill>
+                <a:latin typeface="Tahoma" pitchFamily="34" charset="0"/>
+              </a:defRPr>
+            </a:lvl4pPr>
+            <a:lvl5pPr marL="2057400" indent="-228600">
+              <a:spcBef>
+                <a:spcPct val="20000"/>
+              </a:spcBef>
+              <a:buChar char="»"/>
+              <a:defRPr sz="2000">
+                <a:solidFill>
+                  <a:schemeClr val="tx1"/>
+                </a:solidFill>
+                <a:latin typeface="Tahoma" pitchFamily="34" charset="0"/>
+              </a:defRPr>
+            </a:lvl5pPr>
+            <a:lvl6pPr marL="2514600" indent="-228600" fontAlgn="base">
+              <a:spcBef>
+                <a:spcPct val="20000"/>
+              </a:spcBef>
+              <a:spcAft>
+                <a:spcPct val="0"/>
+              </a:spcAft>
+              <a:buChar char="»"/>
+              <a:defRPr sz="2000">
+                <a:solidFill>
+                  <a:schemeClr val="tx1"/>
+                </a:solidFill>
+                <a:latin typeface="Tahoma" pitchFamily="34" charset="0"/>
+              </a:defRPr>
+            </a:lvl6pPr>
+            <a:lvl7pPr marL="2971800" indent="-228600" fontAlgn="base">
+              <a:spcBef>
+                <a:spcPct val="20000"/>
+              </a:spcBef>
+              <a:spcAft>
+                <a:spcPct val="0"/>
+              </a:spcAft>
+              <a:buChar char="»"/>
+              <a:defRPr sz="2000">
+                <a:solidFill>
+                  <a:schemeClr val="tx1"/>
+                </a:solidFill>
+                <a:latin typeface="Tahoma" pitchFamily="34" charset="0"/>
+              </a:defRPr>
+            </a:lvl7pPr>
+            <a:lvl8pPr marL="3429000" indent="-228600" fontAlgn="base">
+              <a:spcBef>
+                <a:spcPct val="20000"/>
+              </a:spcBef>
+              <a:spcAft>
+                <a:spcPct val="0"/>
+              </a:spcAft>
+              <a:buChar char="»"/>
+              <a:defRPr sz="2000">
+                <a:solidFill>
+                  <a:schemeClr val="tx1"/>
+                </a:solidFill>
+                <a:latin typeface="Tahoma" pitchFamily="34" charset="0"/>
+              </a:defRPr>
+            </a:lvl8pPr>
+            <a:lvl9pPr marL="3886200" indent="-228600" fontAlgn="base">
+              <a:spcBef>
+                <a:spcPct val="20000"/>
+              </a:spcBef>
+              <a:spcAft>
+                <a:spcPct val="0"/>
+              </a:spcAft>
+              <a:buChar char="»"/>
+              <a:defRPr sz="2000">
+                <a:solidFill>
+                  <a:schemeClr val="tx1"/>
+                </a:solidFill>
+                <a:latin typeface="Tahoma" pitchFamily="34" charset="0"/>
+              </a:defRPr>
+            </a:lvl9pPr>
+          </a:lstStyle>
+          <a:p>
+            <a:r>
+              <a:rPr lang="en-US" altLang="ko-KR" sz="2800" dirty="0">
+                <a:ea typeface="굴림" pitchFamily="34" charset="-127"/>
+              </a:rPr>
+              <a:t>R</a:t>
+            </a:r>
+            <a:r>
+              <a:rPr lang="en-US" altLang="en-US" sz="2800" dirty="0"/>
+              <a:t>eliably recognized at a rotation of 60° away from the camera</a:t>
+            </a:r>
+          </a:p>
+          <a:p>
+            <a:r>
+              <a:rPr lang="en-US" altLang="en-US" sz="2800" dirty="0"/>
+              <a:t>Affine fit </a:t>
+            </a:r>
+            <a:r>
+              <a:rPr lang="en-US" altLang="en-US" sz="2800" dirty="0" smtClean="0"/>
+              <a:t>is an approximation of </a:t>
+            </a:r>
+            <a:r>
+              <a:rPr lang="en-US" altLang="en-US" sz="2800" dirty="0"/>
+              <a:t>perspective projection</a:t>
+            </a:r>
+            <a:endParaRPr lang="en-US" altLang="en-US" dirty="0"/>
+          </a:p>
+          <a:p>
+            <a:r>
+              <a:rPr lang="en-US" altLang="en-US" sz="2800" dirty="0"/>
+              <a:t>Only 3 points are needed for recognition</a:t>
+            </a:r>
+          </a:p>
+        </p:txBody>
+      </p:sp>
+      <p:pic>
+        <p:nvPicPr>
+          <p:cNvPr id="89093" name="Picture 5"/>
+          <p:cNvPicPr>
+            <a:picLocks noChangeAspect="1" noChangeArrowheads="1"/>
+          </p:cNvPicPr>
+          <p:nvPr/>
+        </p:nvPicPr>
+        <p:blipFill>
+          <a:blip r:embed="rId2">
+            <a:extLst>
+              <a:ext uri="{28A0092B-C50C-407E-A947-70E740481C1C}">
+                <a14:useLocalDpi xmlns:a14="http://schemas.microsoft.com/office/drawing/2010/main" val="0"/>
+              </a:ext>
+            </a:extLst>
+          </a:blip>
+          <a:srcRect l="8017" t="11946" r="9387" b="4073"/>
+          <a:stretch>
+            <a:fillRect/>
+          </a:stretch>
+        </p:blipFill>
+        <p:spPr bwMode="auto">
+          <a:xfrm>
+            <a:off x="5003800" y="1295400"/>
+            <a:ext cx="3508375" cy="5257800"/>
+          </a:xfrm>
+          <a:prstGeom prst="rect">
+            <a:avLst/>
+          </a:prstGeom>
+          <a:noFill/>
+          <a:ln>
+            <a:noFill/>
+          </a:ln>
+          <a:effectLst/>
+          <a:extLst>
+            <a:ext uri="{909E8E84-426E-40DD-AFC4-6F175D3DCCD1}">
+              <a14:hiddenFill xmlns:a14="http://schemas.microsoft.com/office/drawing/2010/main">
+                <a:solidFill>
+                  <a:schemeClr val="accent1"/>
+                </a:solidFill>
+              </a14:hiddenFill>
+            </a:ext>
+            <a:ext uri="{91240B29-F687-4F45-9708-019B960494DF}">
+              <a14:hiddenLine xmlns:a14="http://schemas.microsoft.com/office/drawing/2010/main" w="12700" cap="sq">
+                <a:solidFill>
+                  <a:schemeClr val="tx1"/>
+                </a:solidFill>
+                <a:miter lim="800000"/>
+                <a:headEnd type="none" w="sm" len="sm"/>
+                <a:tailEnd type="none" w="sm" len="sm"/>
+              </a14:hiddenLine>
+            </a:ext>
+            <a:ext uri="{AF507438-7753-43E0-B8FC-AC1667EBCBE1}">
+              <a14:hiddenEffects xmlns:a14="http://schemas.microsoft.com/office/drawing/2010/main">
+                <a:effectLst>
+                  <a:outerShdw dist="35921" dir="2700000" algn="ctr" rotWithShape="0">
+                    <a:schemeClr val="bg2"/>
+                  </a:outerShdw>
+                </a:effectLst>
+              </a14:hiddenEffects>
+            </a:ext>
+          </a:extLst>
+        </p:spPr>
+      </p:pic>
+    </p:spTree>
+    <p:extLst>
+      <p:ext uri="{BB962C8B-B14F-4D97-AF65-F5344CB8AC3E}">
+        <p14:creationId xmlns:p14="http://schemas.microsoft.com/office/powerpoint/2010/main" val="2482563633"/>
+      </p:ext>
+    </p:extLst>
+  </p:cSld>
+  <p:clrMapOvr>
+    <a:masterClrMapping/>
+  </p:clrMapOvr>
+  <p:timing>
+    <p:tnLst>
+      <p:par>
+        <p:cTn id="1" dur="indefinite" restart="never" nodeType="tmRoot"/>
+      </p:par>
+    </p:tnLst>
+  </p:timing>
+</p:sld>
+</file>
+
 <file path=ppt/slides/slide26.xml><?xml version="1.0" encoding="utf-8"?>
+<p:sld xmlns:a="http://schemas.openxmlformats.org/drawingml/2006/main" xmlns:r="http://schemas.openxmlformats.org/officeDocument/2006/relationships" xmlns:p="http://schemas.openxmlformats.org/presentationml/2006/main">
+  <p:cSld>
+    <p:spTree>
+      <p:nvGrpSpPr>
+        <p:cNvPr id="1" name=""/>
+        <p:cNvGrpSpPr/>
+        <p:nvPr/>
+      </p:nvGrpSpPr>
+      <p:grpSpPr>
+        <a:xfrm>
+          <a:off x="0" y="0"/>
+          <a:ext cx="0" cy="0"/>
+          <a:chOff x="0" y="0"/>
+          <a:chExt cx="0" cy="0"/>
+        </a:xfrm>
+      </p:grpSpPr>
+      <p:sp>
+        <p:nvSpPr>
+          <p:cNvPr id="53250" name="Rectangle 2"/>
+          <p:cNvSpPr>
+            <a:spLocks noGrp="1" noChangeArrowheads="1"/>
+          </p:cNvSpPr>
+          <p:nvPr>
+            <p:ph type="title"/>
+          </p:nvPr>
+        </p:nvSpPr>
+        <p:spPr/>
+        <p:txBody>
+          <a:bodyPr/>
+          <a:lstStyle/>
+          <a:p>
+            <a:r>
+              <a:rPr lang="en-US" altLang="ko-KR" sz="4000">
+                <a:ea typeface="굴림" pitchFamily="34" charset="-127"/>
+              </a:rPr>
+              <a:t>3. Feature matching</a:t>
+            </a:r>
+            <a:endParaRPr lang="en-US" altLang="en-US" sz="4000">
+              <a:ea typeface="굴림" pitchFamily="34" charset="-127"/>
+            </a:endParaRPr>
+          </a:p>
+        </p:txBody>
+      </p:sp>
+      <p:sp>
+        <p:nvSpPr>
+          <p:cNvPr id="53251" name="Rectangle 3"/>
+          <p:cNvSpPr>
+            <a:spLocks noGrp="1" noChangeArrowheads="1"/>
+          </p:cNvSpPr>
+          <p:nvPr>
+            <p:ph type="body" idx="1"/>
+          </p:nvPr>
+        </p:nvSpPr>
+        <p:spPr>
+          <a:xfrm>
+            <a:off x="457200" y="1389063"/>
+            <a:ext cx="8229600" cy="4525962"/>
+          </a:xfrm>
+        </p:spPr>
+        <p:txBody>
+          <a:bodyPr/>
+          <a:lstStyle/>
+          <a:p>
+            <a:pPr marL="609600" indent="-609600"/>
+            <a:r>
+              <a:rPr lang="en-US" altLang="ko-KR" sz="2800">
+                <a:ea typeface="굴림" pitchFamily="34" charset="-127"/>
+              </a:rPr>
+              <a:t>3D object recognition: solve for pose</a:t>
+            </a:r>
+          </a:p>
+          <a:p>
+            <a:pPr marL="990600" lvl="1" indent="-533400"/>
+            <a:r>
+              <a:rPr lang="en-US" altLang="en-US" sz="2400"/>
+              <a:t>Affine transform of [x,y] to [u,v]:</a:t>
+            </a:r>
+          </a:p>
+          <a:p>
+            <a:pPr marL="609600" indent="-609600"/>
+            <a:endParaRPr lang="en-US" altLang="en-US"/>
+          </a:p>
+          <a:p>
+            <a:pPr marL="609600" indent="-609600"/>
+            <a:endParaRPr lang="en-US" altLang="en-US"/>
+          </a:p>
+          <a:p>
+            <a:pPr marL="990600" lvl="1" indent="-533400"/>
+            <a:r>
+              <a:rPr lang="en-US" altLang="en-US" sz="2400"/>
+              <a:t>Rewrite to solve for transform parameters:</a:t>
+            </a:r>
+            <a:endParaRPr lang="en-US" altLang="ko-KR" sz="2400">
+              <a:ea typeface="굴림" pitchFamily="34" charset="-127"/>
+            </a:endParaRPr>
+          </a:p>
+        </p:txBody>
+      </p:sp>
+      <p:graphicFrame>
+        <p:nvGraphicFramePr>
+          <p:cNvPr id="53252" name="Object 4"/>
+          <p:cNvGraphicFramePr>
+            <a:graphicFrameLocks noChangeAspect="1"/>
+          </p:cNvGraphicFramePr>
+          <p:nvPr/>
+        </p:nvGraphicFramePr>
+        <p:xfrm>
+          <a:off x="2057400" y="2379663"/>
+          <a:ext cx="5105400" cy="1139825"/>
+        </p:xfrm>
+        <a:graphic>
+          <a:graphicData uri="http://schemas.openxmlformats.org/presentationml/2006/ole">
+            <mc:AlternateContent xmlns:mc="http://schemas.openxmlformats.org/markup-compatibility/2006">
+              <mc:Choice xmlns:v="urn:schemas-microsoft-com:vml" Requires="v">
+                <p:oleObj spid="_x0000_s2064" name="CorelPhotoPaint.Image.8" r:id="rId3" imgW="3208298" imgH="716039" progId="CorelPhotoPaint.Image.8">
+                  <p:embed/>
+                </p:oleObj>
+              </mc:Choice>
+              <mc:Fallback>
+                <p:oleObj name="CorelPhotoPaint.Image.8" r:id="rId3" imgW="3208298" imgH="716039" progId="CorelPhotoPaint.Image.8">
+                  <p:embed/>
+                  <p:pic>
+                    <p:nvPicPr>
+                      <p:cNvPr id="0" name=""/>
+                      <p:cNvPicPr>
+                        <a:picLocks noChangeAspect="1" noChangeArrowheads="1"/>
+                      </p:cNvPicPr>
+                      <p:nvPr/>
+                    </p:nvPicPr>
+                    <p:blipFill>
+                      <a:blip r:embed="rId4">
+                        <a:extLst>
+                          <a:ext uri="{28A0092B-C50C-407E-A947-70E740481C1C}">
+                            <a14:useLocalDpi xmlns:a14="http://schemas.microsoft.com/office/drawing/2010/main" val="0"/>
+                          </a:ext>
+                        </a:extLst>
+                      </a:blip>
+                      <a:srcRect/>
+                      <a:stretch>
+                        <a:fillRect/>
+                      </a:stretch>
+                    </p:blipFill>
+                    <p:spPr bwMode="auto">
+                      <a:xfrm>
+                        <a:off x="2057400" y="2379663"/>
+                        <a:ext cx="5105400" cy="1139825"/>
+                      </a:xfrm>
+                      <a:prstGeom prst="rect">
+                        <a:avLst/>
+                      </a:prstGeom>
+                      <a:noFill/>
+                      <a:ln>
+                        <a:noFill/>
+                      </a:ln>
+                      <a:effectLst/>
+                      <a:extLst>
+                        <a:ext uri="{909E8E84-426E-40DD-AFC4-6F175D3DCCD1}">
+                          <a14:hiddenFill xmlns:a14="http://schemas.microsoft.com/office/drawing/2010/main">
+                            <a:solidFill>
+                              <a:schemeClr val="accent1"/>
+                            </a:solidFill>
+                          </a14:hiddenFill>
+                        </a:ext>
+                        <a:ext uri="{91240B29-F687-4F45-9708-019B960494DF}">
+                          <a14:hiddenLine xmlns:a14="http://schemas.microsoft.com/office/drawing/2010/main" w="12700" cap="sq">
+                            <a:solidFill>
+                              <a:schemeClr val="tx1"/>
+                            </a:solidFill>
+                            <a:miter lim="800000"/>
+                            <a:headEnd type="none" w="sm" len="sm"/>
+                            <a:tailEnd type="none" w="sm" len="sm"/>
+                          </a14:hiddenLine>
+                        </a:ext>
+                        <a:ext uri="{AF507438-7753-43E0-B8FC-AC1667EBCBE1}">
+                          <a14:hiddenEffects xmlns:a14="http://schemas.microsoft.com/office/drawing/2010/main">
+                            <a:effectLst>
+                              <a:outerShdw dist="35921" dir="2700000" algn="ctr" rotWithShape="0">
+                                <a:schemeClr val="bg2"/>
+                              </a:outerShdw>
+                            </a:effectLst>
+                          </a14:hiddenEffects>
+                        </a:ext>
+                      </a:extLst>
+                    </p:spPr>
+                  </p:pic>
+                </p:oleObj>
+              </mc:Fallback>
+            </mc:AlternateContent>
+          </a:graphicData>
+        </a:graphic>
+      </p:graphicFrame>
+      <p:graphicFrame>
+        <p:nvGraphicFramePr>
+          <p:cNvPr id="53253" name="Object 5"/>
+          <p:cNvGraphicFramePr>
+            <a:graphicFrameLocks noChangeAspect="1"/>
+          </p:cNvGraphicFramePr>
+          <p:nvPr/>
+        </p:nvGraphicFramePr>
+        <p:xfrm>
+          <a:off x="1981200" y="3903663"/>
+          <a:ext cx="5029200" cy="2573337"/>
+        </p:xfrm>
+        <a:graphic>
+          <a:graphicData uri="http://schemas.openxmlformats.org/presentationml/2006/ole">
+            <mc:AlternateContent xmlns:mc="http://schemas.openxmlformats.org/markup-compatibility/2006">
+              <mc:Choice xmlns:v="urn:schemas-microsoft-com:vml" Requires="v">
+                <p:oleObj spid="_x0000_s2065" name="CorelPhotoPaint.Image.8" r:id="rId5" imgW="3276190" imgH="1676190" progId="CorelPhotoPaint.Image.8">
+                  <p:embed/>
+                </p:oleObj>
+              </mc:Choice>
+              <mc:Fallback>
+                <p:oleObj name="CorelPhotoPaint.Image.8" r:id="rId5" imgW="3276190" imgH="1676190" progId="CorelPhotoPaint.Image.8">
+                  <p:embed/>
+                  <p:pic>
+                    <p:nvPicPr>
+                      <p:cNvPr id="0" name=""/>
+                      <p:cNvPicPr>
+                        <a:picLocks noChangeAspect="1" noChangeArrowheads="1"/>
+                      </p:cNvPicPr>
+                      <p:nvPr/>
+                    </p:nvPicPr>
+                    <p:blipFill>
+                      <a:blip r:embed="rId6">
+                        <a:extLst>
+                          <a:ext uri="{28A0092B-C50C-407E-A947-70E740481C1C}">
+                            <a14:useLocalDpi xmlns:a14="http://schemas.microsoft.com/office/drawing/2010/main" val="0"/>
+                          </a:ext>
+                        </a:extLst>
+                      </a:blip>
+                      <a:srcRect/>
+                      <a:stretch>
+                        <a:fillRect/>
+                      </a:stretch>
+                    </p:blipFill>
+                    <p:spPr bwMode="auto">
+                      <a:xfrm>
+                        <a:off x="1981200" y="3903663"/>
+                        <a:ext cx="5029200" cy="2573337"/>
+                      </a:xfrm>
+                      <a:prstGeom prst="rect">
+                        <a:avLst/>
+                      </a:prstGeom>
+                      <a:noFill/>
+                      <a:ln>
+                        <a:noFill/>
+                      </a:ln>
+                      <a:effectLst/>
+                      <a:extLst>
+                        <a:ext uri="{909E8E84-426E-40DD-AFC4-6F175D3DCCD1}">
+                          <a14:hiddenFill xmlns:a14="http://schemas.microsoft.com/office/drawing/2010/main">
+                            <a:solidFill>
+                              <a:schemeClr val="accent1"/>
+                            </a:solidFill>
+                          </a14:hiddenFill>
+                        </a:ext>
+                        <a:ext uri="{91240B29-F687-4F45-9708-019B960494DF}">
+                          <a14:hiddenLine xmlns:a14="http://schemas.microsoft.com/office/drawing/2010/main" w="12700" cap="sq">
+                            <a:solidFill>
+                              <a:schemeClr val="tx1"/>
+                            </a:solidFill>
+                            <a:miter lim="800000"/>
+                            <a:headEnd type="none" w="sm" len="sm"/>
+                            <a:tailEnd type="none" w="sm" len="sm"/>
+                          </a14:hiddenLine>
+                        </a:ext>
+                        <a:ext uri="{AF507438-7753-43E0-B8FC-AC1667EBCBE1}">
+                          <a14:hiddenEffects xmlns:a14="http://schemas.microsoft.com/office/drawing/2010/main">
+                            <a:effectLst>
+                              <a:outerShdw dist="35921" dir="2700000" algn="ctr" rotWithShape="0">
+                                <a:schemeClr val="bg2"/>
+                              </a:outerShdw>
+                            </a:effectLst>
+                          </a14:hiddenEffects>
+                        </a:ext>
+                      </a:extLst>
+                    </p:spPr>
+                  </p:pic>
+                </p:oleObj>
+              </mc:Fallback>
+            </mc:AlternateContent>
+          </a:graphicData>
+        </a:graphic>
+      </p:graphicFrame>
+    </p:spTree>
+    <p:extLst>
+      <p:ext uri="{BB962C8B-B14F-4D97-AF65-F5344CB8AC3E}">
+        <p14:creationId xmlns:p14="http://schemas.microsoft.com/office/powerpoint/2010/main" val="4156914859"/>
+      </p:ext>
+    </p:extLst>
+  </p:cSld>
+  <p:clrMapOvr>
+    <a:masterClrMapping/>
+  </p:clrMapOvr>
+  <p:timing>
+    <p:tnLst>
+      <p:par>
+        <p:cTn id="1" dur="indefinite" restart="never" nodeType="tmRoot"/>
+      </p:par>
+    </p:tnLst>
+  </p:timing>
+</p:sld>
+</file>
+
+<file path=ppt/slides/slide27.xml><?xml version="1.0" encoding="utf-8"?>
 <p:sld xmlns:a="http://schemas.openxmlformats.org/drawingml/2006/main" xmlns:r="http://schemas.openxmlformats.org/officeDocument/2006/relationships" xmlns:p="http://schemas.openxmlformats.org/presentationml/2006/main">
   <p:cSld>
     <p:spTree>
@@ -7933,7 +11401,7 @@
 </p:sld>
 </file>
 
-<file path=ppt/slides/slide27.xml><?xml version="1.0" encoding="utf-8"?>
+<file path=ppt/slides/slide28.xml><?xml version="1.0" encoding="utf-8"?>
 <p:sld xmlns:a="http://schemas.openxmlformats.org/drawingml/2006/main" xmlns:r="http://schemas.openxmlformats.org/officeDocument/2006/relationships" xmlns:p="http://schemas.openxmlformats.org/presentationml/2006/main">
   <p:cSld>
     <p:spTree>
@@ -8127,7 +11595,7 @@
 </p:sld>
 </file>
 
-<file path=ppt/slides/slide28.xml><?xml version="1.0" encoding="utf-8"?>
+<file path=ppt/slides/slide29.xml><?xml version="1.0" encoding="utf-8"?>
 <p:sld xmlns:a="http://schemas.openxmlformats.org/drawingml/2006/main" xmlns:r="http://schemas.openxmlformats.org/officeDocument/2006/relationships" xmlns:p="http://schemas.openxmlformats.org/presentationml/2006/main">
   <p:cSld>
     <p:spTree>
@@ -8317,7 +11785,7 @@
 </p:sld>
 </file>
 
-<file path=ppt/slides/slide29.xml><?xml version="1.0" encoding="utf-8"?>
+<file path=ppt/slides/slide3.xml><?xml version="1.0" encoding="utf-8"?>
 <p:sld xmlns:a="http://schemas.openxmlformats.org/drawingml/2006/main" xmlns:r="http://schemas.openxmlformats.org/officeDocument/2006/relationships" xmlns:p="http://schemas.openxmlformats.org/presentationml/2006/main">
   <p:cSld>
     <p:spTree>
@@ -8336,6 +11804,250 @@
       </p:grpSpPr>
       <p:sp>
         <p:nvSpPr>
+          <p:cNvPr id="57346" name="Rectangle 2"/>
+          <p:cNvSpPr>
+            <a:spLocks noGrp="1" noChangeArrowheads="1"/>
+          </p:cNvSpPr>
+          <p:nvPr>
+            <p:ph type="title"/>
+          </p:nvPr>
+        </p:nvSpPr>
+        <p:spPr>
+          <a:xfrm>
+            <a:off x="533400" y="0"/>
+            <a:ext cx="8229600" cy="1143000"/>
+          </a:xfrm>
+        </p:spPr>
+        <p:txBody>
+          <a:bodyPr>
+            <a:normAutofit/>
+          </a:bodyPr>
+          <a:lstStyle/>
+          <a:p>
+            <a:r>
+              <a:rPr lang="en-US" altLang="en-US" sz="2800" dirty="0" smtClean="0">
+                <a:ea typeface="굴림" pitchFamily="34" charset="-127"/>
+              </a:rPr>
+              <a:t>Example I: mosaicking</a:t>
+            </a:r>
+            <a:br>
+              <a:rPr lang="en-US" altLang="en-US" sz="2800" dirty="0" smtClean="0">
+                <a:ea typeface="굴림" pitchFamily="34" charset="-127"/>
+              </a:rPr>
+            </a:br>
+            <a:r>
+              <a:rPr lang="en-US" altLang="en-US" sz="2800" dirty="0" smtClean="0">
+                <a:ea typeface="굴림" pitchFamily="34" charset="-127"/>
+              </a:rPr>
+              <a:t>Using SIFT features we match the different images</a:t>
+            </a:r>
+            <a:endParaRPr lang="en-US" altLang="en-US" sz="2800" dirty="0"/>
+          </a:p>
+        </p:txBody>
+      </p:sp>
+      <p:pic>
+        <p:nvPicPr>
+          <p:cNvPr id="57348" name="Picture 4" descr="SIFT2"/>
+          <p:cNvPicPr>
+            <a:picLocks noChangeArrowheads="1"/>
+          </p:cNvPicPr>
+          <p:nvPr/>
+        </p:nvPicPr>
+        <p:blipFill>
+          <a:blip r:embed="rId2">
+            <a:extLst>
+              <a:ext uri="{28A0092B-C50C-407E-A947-70E740481C1C}">
+                <a14:useLocalDpi xmlns:a14="http://schemas.microsoft.com/office/drawing/2010/main" val="0"/>
+              </a:ext>
+            </a:extLst>
+          </a:blip>
+          <a:srcRect/>
+          <a:stretch>
+            <a:fillRect/>
+          </a:stretch>
+        </p:blipFill>
+        <p:spPr bwMode="auto">
+          <a:xfrm>
+            <a:off x="4648200" y="3924300"/>
+            <a:ext cx="3675063" cy="2660650"/>
+          </a:xfrm>
+          <a:prstGeom prst="rect">
+            <a:avLst/>
+          </a:prstGeom>
+          <a:noFill/>
+          <a:extLst>
+            <a:ext uri="{909E8E84-426E-40DD-AFC4-6F175D3DCCD1}">
+              <a14:hiddenFill xmlns:a14="http://schemas.microsoft.com/office/drawing/2010/main">
+                <a:solidFill>
+                  <a:srgbClr val="FFFFFF"/>
+                </a:solidFill>
+              </a14:hiddenFill>
+            </a:ext>
+          </a:extLst>
+        </p:spPr>
+      </p:pic>
+      <p:pic>
+        <p:nvPicPr>
+          <p:cNvPr id="57349" name="Picture 5" descr="SIFT1"/>
+          <p:cNvPicPr>
+            <a:picLocks noChangeAspect="1" noChangeArrowheads="1"/>
+          </p:cNvPicPr>
+          <p:nvPr/>
+        </p:nvPicPr>
+        <p:blipFill>
+          <a:blip r:embed="rId3">
+            <a:extLst>
+              <a:ext uri="{28A0092B-C50C-407E-A947-70E740481C1C}">
+                <a14:useLocalDpi xmlns:a14="http://schemas.microsoft.com/office/drawing/2010/main" val="0"/>
+              </a:ext>
+            </a:extLst>
+          </a:blip>
+          <a:srcRect/>
+          <a:stretch>
+            <a:fillRect/>
+          </a:stretch>
+        </p:blipFill>
+        <p:spPr bwMode="auto">
+          <a:xfrm>
+            <a:off x="838200" y="3924300"/>
+            <a:ext cx="3675063" cy="2663825"/>
+          </a:xfrm>
+          <a:prstGeom prst="rect">
+            <a:avLst/>
+          </a:prstGeom>
+          <a:noFill/>
+          <a:extLst>
+            <a:ext uri="{909E8E84-426E-40DD-AFC4-6F175D3DCCD1}">
+              <a14:hiddenFill xmlns:a14="http://schemas.microsoft.com/office/drawing/2010/main">
+                <a:solidFill>
+                  <a:srgbClr val="FFFFFF"/>
+                </a:solidFill>
+              </a14:hiddenFill>
+            </a:ext>
+          </a:extLst>
+        </p:spPr>
+      </p:pic>
+      <p:pic>
+        <p:nvPicPr>
+          <p:cNvPr id="57350" name="Picture 6" descr="image1"/>
+          <p:cNvPicPr>
+            <a:picLocks noChangeAspect="1" noChangeArrowheads="1"/>
+          </p:cNvPicPr>
+          <p:nvPr/>
+        </p:nvPicPr>
+        <p:blipFill>
+          <a:blip r:embed="rId4">
+            <a:extLst>
+              <a:ext uri="{28A0092B-C50C-407E-A947-70E740481C1C}">
+                <a14:useLocalDpi xmlns:a14="http://schemas.microsoft.com/office/drawing/2010/main" val="0"/>
+              </a:ext>
+            </a:extLst>
+          </a:blip>
+          <a:srcRect/>
+          <a:stretch>
+            <a:fillRect/>
+          </a:stretch>
+        </p:blipFill>
+        <p:spPr bwMode="auto">
+          <a:xfrm>
+            <a:off x="838200" y="1143000"/>
+            <a:ext cx="3676650" cy="2660650"/>
+          </a:xfrm>
+          <a:prstGeom prst="rect">
+            <a:avLst/>
+          </a:prstGeom>
+          <a:noFill/>
+          <a:extLst>
+            <a:ext uri="{909E8E84-426E-40DD-AFC4-6F175D3DCCD1}">
+              <a14:hiddenFill xmlns:a14="http://schemas.microsoft.com/office/drawing/2010/main">
+                <a:solidFill>
+                  <a:srgbClr val="FFFFFF"/>
+                </a:solidFill>
+              </a14:hiddenFill>
+            </a:ext>
+          </a:extLst>
+        </p:spPr>
+      </p:pic>
+      <p:pic>
+        <p:nvPicPr>
+          <p:cNvPr id="57351" name="Picture 7" descr="image2"/>
+          <p:cNvPicPr>
+            <a:picLocks noChangeAspect="1" noChangeArrowheads="1"/>
+          </p:cNvPicPr>
+          <p:nvPr/>
+        </p:nvPicPr>
+        <p:blipFill>
+          <a:blip r:embed="rId5">
+            <a:extLst>
+              <a:ext uri="{28A0092B-C50C-407E-A947-70E740481C1C}">
+                <a14:useLocalDpi xmlns:a14="http://schemas.microsoft.com/office/drawing/2010/main" val="0"/>
+              </a:ext>
+            </a:extLst>
+          </a:blip>
+          <a:srcRect/>
+          <a:stretch>
+            <a:fillRect/>
+          </a:stretch>
+        </p:blipFill>
+        <p:spPr bwMode="auto">
+          <a:xfrm>
+            <a:off x="4648200" y="1143000"/>
+            <a:ext cx="3676650" cy="2660650"/>
+          </a:xfrm>
+          <a:prstGeom prst="rect">
+            <a:avLst/>
+          </a:prstGeom>
+          <a:noFill/>
+          <a:extLst>
+            <a:ext uri="{909E8E84-426E-40DD-AFC4-6F175D3DCCD1}">
+              <a14:hiddenFill xmlns:a14="http://schemas.microsoft.com/office/drawing/2010/main">
+                <a:solidFill>
+                  <a:srgbClr val="FFFFFF"/>
+                </a:solidFill>
+              </a14:hiddenFill>
+            </a:ext>
+          </a:extLst>
+        </p:spPr>
+      </p:pic>
+    </p:spTree>
+    <p:extLst>
+      <p:ext uri="{BB962C8B-B14F-4D97-AF65-F5344CB8AC3E}">
+        <p14:creationId xmlns:p14="http://schemas.microsoft.com/office/powerpoint/2010/main" val="3647252200"/>
+      </p:ext>
+    </p:extLst>
+  </p:cSld>
+  <p:clrMapOvr>
+    <a:masterClrMapping/>
+  </p:clrMapOvr>
+  <p:timing>
+    <p:tnLst>
+      <p:par>
+        <p:cTn id="1" dur="indefinite" restart="never" nodeType="tmRoot"/>
+      </p:par>
+    </p:tnLst>
+  </p:timing>
+</p:sld>
+</file>
+
+<file path=ppt/slides/slide30.xml><?xml version="1.0" encoding="utf-8"?>
+<p:sld xmlns:a="http://schemas.openxmlformats.org/drawingml/2006/main" xmlns:r="http://schemas.openxmlformats.org/officeDocument/2006/relationships" xmlns:p="http://schemas.openxmlformats.org/presentationml/2006/main">
+  <p:cSld>
+    <p:spTree>
+      <p:nvGrpSpPr>
+        <p:cNvPr id="1" name=""/>
+        <p:cNvGrpSpPr/>
+        <p:nvPr/>
+      </p:nvGrpSpPr>
+      <p:grpSpPr>
+        <a:xfrm>
+          <a:off x="0" y="0"/>
+          <a:ext cx="0" cy="0"/>
+          <a:chOff x="0" y="0"/>
+          <a:chExt cx="0" cy="0"/>
+        </a:xfrm>
+      </p:grpSpPr>
+      <p:sp>
+        <p:nvSpPr>
           <p:cNvPr id="96258" name="Rectangle 2"/>
           <p:cNvSpPr>
             <a:spLocks noGrp="1" noChangeArrowheads="1"/>
@@ -8372,7 +12084,7 @@
           <a:graphicData uri="http://schemas.openxmlformats.org/presentationml/2006/ole">
             <mc:AlternateContent xmlns:mc="http://schemas.openxmlformats.org/markup-compatibility/2006">
               <mc:Choice xmlns:v="urn:schemas-microsoft-com:vml" Requires="v">
-                <p:oleObj spid="_x0000_s4101" name="Bitmap Image" r:id="rId3" imgW="2438095" imgH="1828959" progId="Paint.Picture">
+                <p:oleObj spid="_x0000_s4119" name="Bitmap Image" r:id="rId3" imgW="2438095" imgH="1828959" progId="Paint.Picture">
                   <p:embed/>
                 </p:oleObj>
               </mc:Choice>
@@ -8465,7 +12177,7 @@
           <a:graphicData uri="http://schemas.openxmlformats.org/presentationml/2006/ole">
             <mc:AlternateContent xmlns:mc="http://schemas.openxmlformats.org/markup-compatibility/2006">
               <mc:Choice xmlns:v="urn:schemas-microsoft-com:vml" Requires="v">
-                <p:oleObj spid="_x0000_s4102" name="Bitmap Image" r:id="rId5" imgW="2438095" imgH="1828959" progId="Paint.Picture">
+                <p:oleObj spid="_x0000_s4120" name="Bitmap Image" r:id="rId5" imgW="2438095" imgH="1828959" progId="Paint.Picture">
                   <p:embed/>
                 </p:oleObj>
               </mc:Choice>
@@ -8558,7 +12270,7 @@
           <a:graphicData uri="http://schemas.openxmlformats.org/presentationml/2006/ole">
             <mc:AlternateContent xmlns:mc="http://schemas.openxmlformats.org/markup-compatibility/2006">
               <mc:Choice xmlns:v="urn:schemas-microsoft-com:vml" Requires="v">
-                <p:oleObj spid="_x0000_s4103" name="Bitmap Image" r:id="rId7" imgW="2438095" imgH="1828959" progId="Paint.Picture">
+                <p:oleObj spid="_x0000_s4121" name="Bitmap Image" r:id="rId7" imgW="2438095" imgH="1828959" progId="Paint.Picture">
                   <p:embed/>
                 </p:oleObj>
               </mc:Choice>
@@ -8655,250 +12367,6 @@
 </p:sld>
 </file>
 
-<file path=ppt/slides/slide3.xml><?xml version="1.0" encoding="utf-8"?>
-<p:sld xmlns:a="http://schemas.openxmlformats.org/drawingml/2006/main" xmlns:r="http://schemas.openxmlformats.org/officeDocument/2006/relationships" xmlns:p="http://schemas.openxmlformats.org/presentationml/2006/main">
-  <p:cSld>
-    <p:spTree>
-      <p:nvGrpSpPr>
-        <p:cNvPr id="1" name=""/>
-        <p:cNvGrpSpPr/>
-        <p:nvPr/>
-      </p:nvGrpSpPr>
-      <p:grpSpPr>
-        <a:xfrm>
-          <a:off x="0" y="0"/>
-          <a:ext cx="0" cy="0"/>
-          <a:chOff x="0" y="0"/>
-          <a:chExt cx="0" cy="0"/>
-        </a:xfrm>
-      </p:grpSpPr>
-      <p:sp>
-        <p:nvSpPr>
-          <p:cNvPr id="57346" name="Rectangle 2"/>
-          <p:cNvSpPr>
-            <a:spLocks noGrp="1" noChangeArrowheads="1"/>
-          </p:cNvSpPr>
-          <p:nvPr>
-            <p:ph type="title"/>
-          </p:nvPr>
-        </p:nvSpPr>
-        <p:spPr>
-          <a:xfrm>
-            <a:off x="533400" y="0"/>
-            <a:ext cx="8229600" cy="1143000"/>
-          </a:xfrm>
-        </p:spPr>
-        <p:txBody>
-          <a:bodyPr>
-            <a:normAutofit/>
-          </a:bodyPr>
-          <a:lstStyle/>
-          <a:p>
-            <a:r>
-              <a:rPr lang="en-US" altLang="en-US" sz="2800" dirty="0" smtClean="0">
-                <a:ea typeface="굴림" pitchFamily="34" charset="-127"/>
-              </a:rPr>
-              <a:t>Example I: mosaicking</a:t>
-            </a:r>
-            <a:br>
-              <a:rPr lang="en-US" altLang="en-US" sz="2800" dirty="0" smtClean="0">
-                <a:ea typeface="굴림" pitchFamily="34" charset="-127"/>
-              </a:rPr>
-            </a:br>
-            <a:r>
-              <a:rPr lang="en-US" altLang="en-US" sz="2800" dirty="0" smtClean="0">
-                <a:ea typeface="굴림" pitchFamily="34" charset="-127"/>
-              </a:rPr>
-              <a:t>Using SIFT features we match the different images</a:t>
-            </a:r>
-            <a:endParaRPr lang="en-US" altLang="en-US" sz="2800" dirty="0"/>
-          </a:p>
-        </p:txBody>
-      </p:sp>
-      <p:pic>
-        <p:nvPicPr>
-          <p:cNvPr id="57348" name="Picture 4" descr="SIFT2"/>
-          <p:cNvPicPr>
-            <a:picLocks noChangeArrowheads="1"/>
-          </p:cNvPicPr>
-          <p:nvPr/>
-        </p:nvPicPr>
-        <p:blipFill>
-          <a:blip r:embed="rId2">
-            <a:extLst>
-              <a:ext uri="{28A0092B-C50C-407E-A947-70E740481C1C}">
-                <a14:useLocalDpi xmlns:a14="http://schemas.microsoft.com/office/drawing/2010/main" val="0"/>
-              </a:ext>
-            </a:extLst>
-          </a:blip>
-          <a:srcRect/>
-          <a:stretch>
-            <a:fillRect/>
-          </a:stretch>
-        </p:blipFill>
-        <p:spPr bwMode="auto">
-          <a:xfrm>
-            <a:off x="4648200" y="3924300"/>
-            <a:ext cx="3675063" cy="2660650"/>
-          </a:xfrm>
-          <a:prstGeom prst="rect">
-            <a:avLst/>
-          </a:prstGeom>
-          <a:noFill/>
-          <a:extLst>
-            <a:ext uri="{909E8E84-426E-40DD-AFC4-6F175D3DCCD1}">
-              <a14:hiddenFill xmlns:a14="http://schemas.microsoft.com/office/drawing/2010/main">
-                <a:solidFill>
-                  <a:srgbClr val="FFFFFF"/>
-                </a:solidFill>
-              </a14:hiddenFill>
-            </a:ext>
-          </a:extLst>
-        </p:spPr>
-      </p:pic>
-      <p:pic>
-        <p:nvPicPr>
-          <p:cNvPr id="57349" name="Picture 5" descr="SIFT1"/>
-          <p:cNvPicPr>
-            <a:picLocks noChangeAspect="1" noChangeArrowheads="1"/>
-          </p:cNvPicPr>
-          <p:nvPr/>
-        </p:nvPicPr>
-        <p:blipFill>
-          <a:blip r:embed="rId3">
-            <a:extLst>
-              <a:ext uri="{28A0092B-C50C-407E-A947-70E740481C1C}">
-                <a14:useLocalDpi xmlns:a14="http://schemas.microsoft.com/office/drawing/2010/main" val="0"/>
-              </a:ext>
-            </a:extLst>
-          </a:blip>
-          <a:srcRect/>
-          <a:stretch>
-            <a:fillRect/>
-          </a:stretch>
-        </p:blipFill>
-        <p:spPr bwMode="auto">
-          <a:xfrm>
-            <a:off x="838200" y="3924300"/>
-            <a:ext cx="3675063" cy="2663825"/>
-          </a:xfrm>
-          <a:prstGeom prst="rect">
-            <a:avLst/>
-          </a:prstGeom>
-          <a:noFill/>
-          <a:extLst>
-            <a:ext uri="{909E8E84-426E-40DD-AFC4-6F175D3DCCD1}">
-              <a14:hiddenFill xmlns:a14="http://schemas.microsoft.com/office/drawing/2010/main">
-                <a:solidFill>
-                  <a:srgbClr val="FFFFFF"/>
-                </a:solidFill>
-              </a14:hiddenFill>
-            </a:ext>
-          </a:extLst>
-        </p:spPr>
-      </p:pic>
-      <p:pic>
-        <p:nvPicPr>
-          <p:cNvPr id="57350" name="Picture 6" descr="image1"/>
-          <p:cNvPicPr>
-            <a:picLocks noChangeAspect="1" noChangeArrowheads="1"/>
-          </p:cNvPicPr>
-          <p:nvPr/>
-        </p:nvPicPr>
-        <p:blipFill>
-          <a:blip r:embed="rId4">
-            <a:extLst>
-              <a:ext uri="{28A0092B-C50C-407E-A947-70E740481C1C}">
-                <a14:useLocalDpi xmlns:a14="http://schemas.microsoft.com/office/drawing/2010/main" val="0"/>
-              </a:ext>
-            </a:extLst>
-          </a:blip>
-          <a:srcRect/>
-          <a:stretch>
-            <a:fillRect/>
-          </a:stretch>
-        </p:blipFill>
-        <p:spPr bwMode="auto">
-          <a:xfrm>
-            <a:off x="838200" y="1143000"/>
-            <a:ext cx="3676650" cy="2660650"/>
-          </a:xfrm>
-          <a:prstGeom prst="rect">
-            <a:avLst/>
-          </a:prstGeom>
-          <a:noFill/>
-          <a:extLst>
-            <a:ext uri="{909E8E84-426E-40DD-AFC4-6F175D3DCCD1}">
-              <a14:hiddenFill xmlns:a14="http://schemas.microsoft.com/office/drawing/2010/main">
-                <a:solidFill>
-                  <a:srgbClr val="FFFFFF"/>
-                </a:solidFill>
-              </a14:hiddenFill>
-            </a:ext>
-          </a:extLst>
-        </p:spPr>
-      </p:pic>
-      <p:pic>
-        <p:nvPicPr>
-          <p:cNvPr id="57351" name="Picture 7" descr="image2"/>
-          <p:cNvPicPr>
-            <a:picLocks noChangeAspect="1" noChangeArrowheads="1"/>
-          </p:cNvPicPr>
-          <p:nvPr/>
-        </p:nvPicPr>
-        <p:blipFill>
-          <a:blip r:embed="rId5">
-            <a:extLst>
-              <a:ext uri="{28A0092B-C50C-407E-A947-70E740481C1C}">
-                <a14:useLocalDpi xmlns:a14="http://schemas.microsoft.com/office/drawing/2010/main" val="0"/>
-              </a:ext>
-            </a:extLst>
-          </a:blip>
-          <a:srcRect/>
-          <a:stretch>
-            <a:fillRect/>
-          </a:stretch>
-        </p:blipFill>
-        <p:spPr bwMode="auto">
-          <a:xfrm>
-            <a:off x="4648200" y="1143000"/>
-            <a:ext cx="3676650" cy="2660650"/>
-          </a:xfrm>
-          <a:prstGeom prst="rect">
-            <a:avLst/>
-          </a:prstGeom>
-          <a:noFill/>
-          <a:extLst>
-            <a:ext uri="{909E8E84-426E-40DD-AFC4-6F175D3DCCD1}">
-              <a14:hiddenFill xmlns:a14="http://schemas.microsoft.com/office/drawing/2010/main">
-                <a:solidFill>
-                  <a:srgbClr val="FFFFFF"/>
-                </a:solidFill>
-              </a14:hiddenFill>
-            </a:ext>
-          </a:extLst>
-        </p:spPr>
-      </p:pic>
-    </p:spTree>
-    <p:extLst>
-      <p:ext uri="{BB962C8B-B14F-4D97-AF65-F5344CB8AC3E}">
-        <p14:creationId xmlns:p14="http://schemas.microsoft.com/office/powerpoint/2010/main" val="3647252200"/>
-      </p:ext>
-    </p:extLst>
-  </p:cSld>
-  <p:clrMapOvr>
-    <a:masterClrMapping/>
-  </p:clrMapOvr>
-  <p:timing>
-    <p:tnLst>
-      <p:par>
-        <p:cTn id="1" dur="indefinite" restart="never" nodeType="tmRoot"/>
-      </p:par>
-    </p:tnLst>
-  </p:timing>
-</p:sld>
-</file>
-
 <file path=ppt/slides/slide4.xml><?xml version="1.0" encoding="utf-8"?>
 <p:sld xmlns:a="http://schemas.openxmlformats.org/drawingml/2006/main" xmlns:r="http://schemas.openxmlformats.org/officeDocument/2006/relationships" xmlns:p="http://schemas.openxmlformats.org/presentationml/2006/main">
   <p:cSld>
@@ -9177,7 +12645,15 @@
           <a:p>
             <a:r>
               <a:rPr lang="en-US" altLang="en-US" sz="4000" dirty="0" smtClean="0"/>
-              <a:t>And we can “stich” the images</a:t>
+              <a:t>And we can “</a:t>
+            </a:r>
+            <a:r>
+              <a:rPr lang="en-US" altLang="en-US" sz="4000" dirty="0" smtClean="0"/>
+              <a:t>stitch</a:t>
+            </a:r>
+            <a:r>
+              <a:rPr lang="en-US" altLang="en-US" sz="4000" dirty="0" smtClean="0"/>
+              <a:t>” the images</a:t>
             </a:r>
             <a:endParaRPr lang="en-US" altLang="en-US" sz="4000" dirty="0"/>
           </a:p>
@@ -9669,6 +13145,13 @@
   <p:clrMapOvr>
     <a:masterClrMapping/>
   </p:clrMapOvr>
+  <p:timing>
+    <p:tnLst>
+      <p:par>
+        <p:cTn id="1" dur="indefinite" restart="never" nodeType="tmRoot"/>
+      </p:par>
+    </p:tnLst>
+  </p:timing>
 </p:sld>
 </file>
 
@@ -9691,136 +13174,530 @@
       </p:grpSpPr>
       <p:sp>
         <p:nvSpPr>
-          <p:cNvPr id="26626" name="Rectangle 2"/>
-          <p:cNvSpPr>
-            <a:spLocks noGrp="1" noChangeArrowheads="1"/>
+          <p:cNvPr id="3" name="object 3"/>
+          <p:cNvSpPr txBox="1">
+            <a:spLocks noGrp="1"/>
           </p:cNvSpPr>
           <p:nvPr>
             <p:ph type="title"/>
           </p:nvPr>
         </p:nvSpPr>
-        <p:spPr/>
+        <p:spPr>
+          <a:xfrm>
+            <a:off x="1169928" y="601162"/>
+            <a:ext cx="6507018" cy="615553"/>
+          </a:xfrm>
+          <a:prstGeom prst="rect">
+            <a:avLst/>
+          </a:prstGeom>
+        </p:spPr>
         <p:txBody>
-          <a:bodyPr/>
+          <a:bodyPr vert="horz" wrap="square" lIns="0" tIns="0" rIns="0" bIns="0" rtlCol="0">
+            <a:spAutoFit/>
+          </a:bodyPr>
           <a:lstStyle/>
           <a:p>
-            <a:r>
-              <a:rPr lang="en-US" altLang="ko-KR" sz="4000" dirty="0">
-                <a:ea typeface="굴림" pitchFamily="34" charset="-127"/>
-              </a:rPr>
-              <a:t>1. </a:t>
-            </a:r>
-            <a:r>
-              <a:rPr lang="en-US" altLang="en-US" sz="4000" dirty="0"/>
-              <a:t>Feature </a:t>
-            </a:r>
-            <a:r>
-              <a:rPr lang="en-US" altLang="ko-KR" sz="4000" dirty="0">
-                <a:ea typeface="굴림" pitchFamily="34" charset="-127"/>
-              </a:rPr>
-              <a:t>dete</a:t>
-            </a:r>
-            <a:r>
-              <a:rPr lang="en-US" altLang="en-US" sz="4000" dirty="0"/>
-              <a:t>ction</a:t>
-            </a:r>
+            <a:pPr marL="402695"/>
+            <a:r>
+              <a:rPr sz="4000" dirty="0"/>
+              <a:t>Sc</a:t>
+            </a:r>
+            <a:r>
+              <a:rPr sz="4000" spc="-13" dirty="0"/>
+              <a:t>ale</a:t>
+            </a:r>
+            <a:r>
+              <a:rPr sz="4000" spc="-4" dirty="0"/>
+              <a:t> </a:t>
+            </a:r>
+            <a:r>
+              <a:rPr sz="4000" spc="-18" dirty="0"/>
+              <a:t>In</a:t>
+            </a:r>
+            <a:r>
+              <a:rPr sz="4000" spc="-22" dirty="0"/>
+              <a:t>v</a:t>
+            </a:r>
+            <a:r>
+              <a:rPr sz="4000" spc="-18" dirty="0"/>
+              <a:t>a</a:t>
+            </a:r>
+            <a:r>
+              <a:rPr sz="4000" dirty="0"/>
+              <a:t>r</a:t>
+            </a:r>
+            <a:r>
+              <a:rPr sz="4000" spc="-13" dirty="0"/>
+              <a:t>ian</a:t>
+            </a:r>
+            <a:r>
+              <a:rPr sz="4000" dirty="0"/>
+              <a:t>t</a:t>
+            </a:r>
+            <a:r>
+              <a:rPr sz="4000" spc="-4" dirty="0"/>
+              <a:t> </a:t>
+            </a:r>
+            <a:r>
+              <a:rPr sz="4000" dirty="0"/>
+              <a:t>Detect</a:t>
+            </a:r>
+            <a:r>
+              <a:rPr sz="4000" spc="-13" dirty="0"/>
+              <a:t>ion</a:t>
+            </a:r>
+            <a:endParaRPr sz="4000" dirty="0"/>
           </a:p>
         </p:txBody>
       </p:sp>
       <p:sp>
         <p:nvSpPr>
-          <p:cNvPr id="26627" name="Rectangle 3"/>
-          <p:cNvSpPr>
-            <a:spLocks noGrp="1" noChangeArrowheads="1"/>
+          <p:cNvPr id="4" name="object 4"/>
+          <p:cNvSpPr txBox="1"/>
+          <p:nvPr/>
+        </p:nvSpPr>
+        <p:spPr>
+          <a:xfrm>
+            <a:off x="1318494" y="1756038"/>
+            <a:ext cx="5655541" cy="728405"/>
+          </a:xfrm>
+          <a:prstGeom prst="rect">
+            <a:avLst/>
+          </a:prstGeom>
+        </p:spPr>
+        <p:txBody>
+          <a:bodyPr vert="horz" wrap="square" lIns="0" tIns="0" rIns="0" bIns="0" rtlCol="0">
+            <a:spAutoFit/>
+          </a:bodyPr>
+          <a:lstStyle/>
+          <a:p>
+            <a:pPr marL="318966" indent="-307574">
+              <a:buClr>
+                <a:srgbClr val="3333CC"/>
+              </a:buClr>
+              <a:buSzPct val="58333"/>
+              <a:buFont typeface="Wingdings"/>
+              <a:buChar char=""/>
+              <a:tabLst>
+                <a:tab pos="318966" algn="l"/>
+              </a:tabLst>
+            </a:pPr>
+            <a:r>
+              <a:rPr sz="2200" spc="-13" dirty="0">
+                <a:latin typeface="Tahoma"/>
+                <a:cs typeface="Tahoma"/>
+              </a:rPr>
+              <a:t>Cons</a:t>
+            </a:r>
+            <a:r>
+              <a:rPr sz="2200" spc="-9" dirty="0">
+                <a:latin typeface="Tahoma"/>
+                <a:cs typeface="Tahoma"/>
+              </a:rPr>
+              <a:t>ider</a:t>
+            </a:r>
+            <a:r>
+              <a:rPr sz="2200" spc="-4" dirty="0">
+                <a:latin typeface="Tahoma"/>
+                <a:cs typeface="Tahoma"/>
+              </a:rPr>
+              <a:t> </a:t>
+            </a:r>
+            <a:r>
+              <a:rPr sz="2200" dirty="0">
+                <a:latin typeface="Tahoma"/>
+                <a:cs typeface="Tahoma"/>
+              </a:rPr>
+              <a:t>re</a:t>
+            </a:r>
+            <a:r>
+              <a:rPr sz="2200" spc="-13" dirty="0">
+                <a:latin typeface="Tahoma"/>
+                <a:cs typeface="Tahoma"/>
+              </a:rPr>
+              <a:t>gion</a:t>
+            </a:r>
+            <a:r>
+              <a:rPr sz="2200" dirty="0">
+                <a:latin typeface="Tahoma"/>
+                <a:cs typeface="Tahoma"/>
+              </a:rPr>
+              <a:t>s</a:t>
+            </a:r>
+            <a:r>
+              <a:rPr sz="2200" spc="-4" dirty="0">
+                <a:latin typeface="Tahoma"/>
+                <a:cs typeface="Tahoma"/>
+              </a:rPr>
+              <a:t> </a:t>
+            </a:r>
+            <a:r>
+              <a:rPr sz="2200" dirty="0">
+                <a:latin typeface="Tahoma"/>
+                <a:cs typeface="Tahoma"/>
+              </a:rPr>
+              <a:t>of</a:t>
+            </a:r>
+            <a:r>
+              <a:rPr sz="2200" spc="-4" dirty="0">
+                <a:latin typeface="Tahoma"/>
+                <a:cs typeface="Tahoma"/>
+              </a:rPr>
+              <a:t> </a:t>
+            </a:r>
+            <a:r>
+              <a:rPr sz="2200" spc="-9" dirty="0">
+                <a:latin typeface="Tahoma"/>
+                <a:cs typeface="Tahoma"/>
+              </a:rPr>
+              <a:t>di</a:t>
+            </a:r>
+            <a:r>
+              <a:rPr sz="2200" dirty="0">
+                <a:latin typeface="Tahoma"/>
+                <a:cs typeface="Tahoma"/>
+              </a:rPr>
+              <a:t>ffere</a:t>
+            </a:r>
+            <a:r>
+              <a:rPr sz="2200" spc="-13" dirty="0">
+                <a:latin typeface="Tahoma"/>
+                <a:cs typeface="Tahoma"/>
+              </a:rPr>
+              <a:t>n</a:t>
+            </a:r>
+            <a:r>
+              <a:rPr sz="2200" dirty="0">
+                <a:latin typeface="Tahoma"/>
+                <a:cs typeface="Tahoma"/>
+              </a:rPr>
+              <a:t>t</a:t>
+            </a:r>
+            <a:r>
+              <a:rPr sz="2200" spc="-4" dirty="0">
+                <a:latin typeface="Tahoma"/>
+                <a:cs typeface="Tahoma"/>
+              </a:rPr>
+              <a:t> </a:t>
+            </a:r>
+            <a:r>
+              <a:rPr sz="2200" dirty="0">
+                <a:latin typeface="Tahoma"/>
+                <a:cs typeface="Tahoma"/>
+              </a:rPr>
+              <a:t>s</a:t>
+            </a:r>
+            <a:r>
+              <a:rPr sz="2200" spc="-9" dirty="0">
+                <a:latin typeface="Tahoma"/>
+                <a:cs typeface="Tahoma"/>
+              </a:rPr>
+              <a:t>i</a:t>
+            </a:r>
+            <a:r>
+              <a:rPr sz="2200" dirty="0">
+                <a:latin typeface="Tahoma"/>
+                <a:cs typeface="Tahoma"/>
+              </a:rPr>
+              <a:t>ze</a:t>
+            </a:r>
+            <a:endParaRPr sz="2200">
+              <a:latin typeface="Tahoma"/>
+              <a:cs typeface="Tahoma"/>
+            </a:endParaRPr>
+          </a:p>
+          <a:p>
+            <a:pPr marL="318966" indent="-307574">
+              <a:spcBef>
+                <a:spcPts val="444"/>
+              </a:spcBef>
+              <a:buClr>
+                <a:srgbClr val="3333CC"/>
+              </a:buClr>
+              <a:buSzPct val="58333"/>
+              <a:buFont typeface="Wingdings"/>
+              <a:buChar char=""/>
+              <a:tabLst>
+                <a:tab pos="318966" algn="l"/>
+              </a:tabLst>
+            </a:pPr>
+            <a:r>
+              <a:rPr sz="2200" dirty="0">
+                <a:latin typeface="Tahoma"/>
+                <a:cs typeface="Tahoma"/>
+              </a:rPr>
+              <a:t>Se</a:t>
+            </a:r>
+            <a:r>
+              <a:rPr sz="2200" spc="-9" dirty="0">
+                <a:latin typeface="Tahoma"/>
+                <a:cs typeface="Tahoma"/>
+              </a:rPr>
+              <a:t>lect</a:t>
+            </a:r>
+            <a:r>
+              <a:rPr sz="2200" spc="-4" dirty="0">
+                <a:latin typeface="Tahoma"/>
+                <a:cs typeface="Tahoma"/>
+              </a:rPr>
+              <a:t> </a:t>
+            </a:r>
+            <a:r>
+              <a:rPr sz="2200" dirty="0">
+                <a:latin typeface="Tahoma"/>
+                <a:cs typeface="Tahoma"/>
+              </a:rPr>
+              <a:t>re</a:t>
+            </a:r>
+            <a:r>
+              <a:rPr sz="2200" spc="-13" dirty="0">
+                <a:latin typeface="Tahoma"/>
+                <a:cs typeface="Tahoma"/>
+              </a:rPr>
+              <a:t>gion</a:t>
+            </a:r>
+            <a:r>
+              <a:rPr sz="2200" dirty="0">
+                <a:latin typeface="Tahoma"/>
+                <a:cs typeface="Tahoma"/>
+              </a:rPr>
+              <a:t>s</a:t>
+            </a:r>
+            <a:r>
+              <a:rPr sz="2200" spc="-4" dirty="0">
+                <a:latin typeface="Tahoma"/>
+                <a:cs typeface="Tahoma"/>
+              </a:rPr>
+              <a:t> </a:t>
+            </a:r>
+            <a:r>
+              <a:rPr sz="2200" dirty="0">
+                <a:latin typeface="Tahoma"/>
+                <a:cs typeface="Tahoma"/>
+              </a:rPr>
+              <a:t>t</a:t>
+            </a:r>
+            <a:r>
+              <a:rPr sz="2200" spc="-13" dirty="0">
+                <a:latin typeface="Tahoma"/>
+                <a:cs typeface="Tahoma"/>
+              </a:rPr>
+              <a:t>o</a:t>
+            </a:r>
+            <a:r>
+              <a:rPr sz="2200" spc="-4" dirty="0">
+                <a:latin typeface="Tahoma"/>
+                <a:cs typeface="Tahoma"/>
+              </a:rPr>
+              <a:t> </a:t>
+            </a:r>
+            <a:r>
+              <a:rPr sz="2200" dirty="0">
+                <a:latin typeface="Tahoma"/>
+                <a:cs typeface="Tahoma"/>
+              </a:rPr>
+              <a:t>s</a:t>
+            </a:r>
+            <a:r>
+              <a:rPr sz="2200" spc="-13" dirty="0">
+                <a:latin typeface="Tahoma"/>
+                <a:cs typeface="Tahoma"/>
+              </a:rPr>
+              <a:t>ub</a:t>
+            </a:r>
+            <a:r>
+              <a:rPr sz="2200" dirty="0">
+                <a:latin typeface="Tahoma"/>
+                <a:cs typeface="Tahoma"/>
+              </a:rPr>
+              <a:t>te</a:t>
+            </a:r>
+            <a:r>
+              <a:rPr sz="2200" spc="-13" dirty="0">
+                <a:latin typeface="Tahoma"/>
+                <a:cs typeface="Tahoma"/>
+              </a:rPr>
+              <a:t>nd</a:t>
+            </a:r>
+            <a:r>
+              <a:rPr sz="2200" spc="-4" dirty="0">
+                <a:latin typeface="Tahoma"/>
+                <a:cs typeface="Tahoma"/>
+              </a:rPr>
+              <a:t> </a:t>
+            </a:r>
+            <a:r>
+              <a:rPr sz="2200" dirty="0">
+                <a:latin typeface="Tahoma"/>
+                <a:cs typeface="Tahoma"/>
+              </a:rPr>
+              <a:t>t</a:t>
+            </a:r>
+            <a:r>
+              <a:rPr sz="2200" spc="-13" dirty="0">
+                <a:latin typeface="Tahoma"/>
+                <a:cs typeface="Tahoma"/>
+              </a:rPr>
+              <a:t>h</a:t>
+            </a:r>
+            <a:r>
+              <a:rPr sz="2200" dirty="0">
+                <a:latin typeface="Tahoma"/>
+                <a:cs typeface="Tahoma"/>
+              </a:rPr>
+              <a:t>e</a:t>
+            </a:r>
+            <a:r>
+              <a:rPr sz="2200" spc="-4" dirty="0">
+                <a:latin typeface="Tahoma"/>
+                <a:cs typeface="Tahoma"/>
+              </a:rPr>
+              <a:t> </a:t>
+            </a:r>
+            <a:r>
+              <a:rPr sz="2200" dirty="0">
+                <a:latin typeface="Tahoma"/>
+                <a:cs typeface="Tahoma"/>
+              </a:rPr>
+              <a:t>s</a:t>
+            </a:r>
+            <a:r>
+              <a:rPr sz="2200" spc="-13" dirty="0">
+                <a:latin typeface="Tahoma"/>
+                <a:cs typeface="Tahoma"/>
+              </a:rPr>
+              <a:t>a</a:t>
+            </a:r>
+            <a:r>
+              <a:rPr sz="2200" spc="-27" dirty="0">
+                <a:latin typeface="Tahoma"/>
+                <a:cs typeface="Tahoma"/>
+              </a:rPr>
+              <a:t>m</a:t>
+            </a:r>
+            <a:r>
+              <a:rPr sz="2200" dirty="0">
+                <a:latin typeface="Tahoma"/>
+                <a:cs typeface="Tahoma"/>
+              </a:rPr>
+              <a:t>e</a:t>
+            </a:r>
+            <a:r>
+              <a:rPr sz="2200" spc="-4" dirty="0">
+                <a:latin typeface="Tahoma"/>
+                <a:cs typeface="Tahoma"/>
+              </a:rPr>
+              <a:t> </a:t>
+            </a:r>
+            <a:r>
+              <a:rPr sz="2200" dirty="0">
+                <a:latin typeface="Tahoma"/>
+                <a:cs typeface="Tahoma"/>
+              </a:rPr>
+              <a:t>c</a:t>
+            </a:r>
+            <a:r>
+              <a:rPr sz="2200" spc="-13" dirty="0">
+                <a:latin typeface="Tahoma"/>
+                <a:cs typeface="Tahoma"/>
+              </a:rPr>
+              <a:t>on</a:t>
+            </a:r>
+            <a:r>
+              <a:rPr sz="2200" dirty="0">
+                <a:latin typeface="Tahoma"/>
+                <a:cs typeface="Tahoma"/>
+              </a:rPr>
+              <a:t>te</a:t>
+            </a:r>
+            <a:r>
+              <a:rPr sz="2200" spc="-13" dirty="0">
+                <a:latin typeface="Tahoma"/>
+                <a:cs typeface="Tahoma"/>
+              </a:rPr>
+              <a:t>n</a:t>
+            </a:r>
+            <a:r>
+              <a:rPr sz="2200" dirty="0">
+                <a:latin typeface="Tahoma"/>
+                <a:cs typeface="Tahoma"/>
+              </a:rPr>
+              <a:t>t</a:t>
+            </a:r>
+            <a:endParaRPr sz="2200">
+              <a:latin typeface="Tahoma"/>
+              <a:cs typeface="Tahoma"/>
+            </a:endParaRPr>
+          </a:p>
+        </p:txBody>
+      </p:sp>
+      <p:sp>
+        <p:nvSpPr>
+          <p:cNvPr id="5" name="object 5"/>
+          <p:cNvSpPr/>
+          <p:nvPr/>
+        </p:nvSpPr>
+        <p:spPr>
+          <a:xfrm>
+            <a:off x="1431638" y="2734240"/>
+            <a:ext cx="6280725" cy="3249705"/>
+          </a:xfrm>
+          <a:prstGeom prst="rect">
+            <a:avLst/>
+          </a:prstGeom>
+          <a:blipFill>
+            <a:blip r:embed="rId3" cstate="print"/>
+            <a:stretch>
+              <a:fillRect/>
+            </a:stretch>
+          </a:blipFill>
+        </p:spPr>
+        <p:txBody>
+          <a:bodyPr wrap="square" lIns="0" tIns="0" rIns="0" bIns="0" rtlCol="0"/>
+          <a:lstStyle/>
+          <a:p>
+            <a:endParaRPr/>
+          </a:p>
+        </p:txBody>
+      </p:sp>
+      <p:sp>
+        <p:nvSpPr>
+          <p:cNvPr id="6" name="object 6"/>
+          <p:cNvSpPr txBox="1">
+            <a:spLocks noGrp="1"/>
           </p:cNvSpPr>
           <p:nvPr>
-            <p:ph type="body" sz="half" idx="1"/>
+            <p:ph type="sldNum" sz="quarter" idx="4294967295"/>
           </p:nvPr>
         </p:nvSpPr>
         <p:spPr>
           <a:xfrm>
-            <a:off x="457200" y="1600200"/>
-            <a:ext cx="7848600" cy="4525963"/>
+            <a:off x="8183100" y="6102955"/>
+            <a:ext cx="311150" cy="276999"/>
           </a:xfrm>
+          <a:prstGeom prst="rect">
+            <a:avLst/>
+          </a:prstGeom>
         </p:spPr>
         <p:txBody>
-          <a:bodyPr>
-            <a:normAutofit lnSpcReduction="10000"/>
+          <a:bodyPr vert="horz" wrap="square" lIns="0" tIns="0" rIns="0" bIns="0" rtlCol="0">
+            <a:spAutoFit/>
           </a:bodyPr>
           <a:lstStyle/>
           <a:p>
-            <a:pPr marL="0" indent="0">
-              <a:buNone/>
-            </a:pPr>
-            <a:r>
-              <a:rPr lang="en-US" sz="2400" dirty="0" smtClean="0"/>
-              <a:t>This is the stage where the interest points, which are called </a:t>
-            </a:r>
-            <a:r>
-              <a:rPr lang="en-US" sz="2400" dirty="0" err="1" smtClean="0"/>
-              <a:t>keypoints</a:t>
-            </a:r>
-            <a:r>
-              <a:rPr lang="en-US" sz="2400" dirty="0" smtClean="0"/>
-              <a:t> in the SIFT framework, are detected. For this, the image is convolved with Gaussian filters at different scales, and then the difference of successive Gaussian-blurred images are taken. </a:t>
-            </a:r>
-            <a:r>
-              <a:rPr lang="en-US" sz="2400" dirty="0" err="1" smtClean="0"/>
-              <a:t>Keypoints</a:t>
-            </a:r>
-            <a:r>
-              <a:rPr lang="en-US" sz="2400" dirty="0" smtClean="0"/>
-              <a:t> are then taken as maxima/minima of the Difference of Gaussians</a:t>
-            </a:r>
-            <a:r>
-              <a:rPr lang="en-US" sz="2400" dirty="0"/>
-              <a:t> </a:t>
-            </a:r>
-            <a:r>
-              <a:rPr lang="en-US" sz="2400" dirty="0" smtClean="0"/>
-              <a:t>(</a:t>
-            </a:r>
-            <a:r>
-              <a:rPr lang="en-US" sz="2400" dirty="0" err="1" smtClean="0"/>
-              <a:t>DoG</a:t>
-            </a:r>
-            <a:r>
-              <a:rPr lang="en-US" sz="2400" dirty="0" smtClean="0"/>
-              <a:t>) that occur at multiple scales. </a:t>
-            </a:r>
-          </a:p>
-          <a:p>
-            <a:pPr marL="0" indent="0">
-              <a:buNone/>
-            </a:pPr>
-            <a:r>
-              <a:rPr lang="en-US" sz="2400" dirty="0" smtClean="0"/>
-              <a:t>This is done by comparing each pixel in the </a:t>
-            </a:r>
-            <a:r>
-              <a:rPr lang="en-US" sz="2400" dirty="0" err="1" smtClean="0"/>
-              <a:t>DoG</a:t>
-            </a:r>
-            <a:r>
-              <a:rPr lang="en-US" sz="2400" dirty="0" smtClean="0"/>
-              <a:t> images to its eight neighbors at the same scale and nine corresponding neighboring pixels in each of the neighboring scales. If the pixel value is the maximum or minimum among all compared pixels, it is selected as a candidate </a:t>
-            </a:r>
-            <a:r>
-              <a:rPr lang="en-US" sz="2400" dirty="0" err="1" smtClean="0"/>
-              <a:t>keypoint</a:t>
-            </a:r>
-            <a:r>
-              <a:rPr lang="en-US" sz="2400" dirty="0" smtClean="0"/>
-              <a:t>.</a:t>
-            </a:r>
-            <a:endParaRPr lang="en-US" altLang="en-US" sz="2400" dirty="0"/>
+            <a:pPr marL="109359"/>
+            <a:fld id="{D558CFC4-CE03-438B-BA6B-F8ED41D96368}" type="slidenum">
+              <a:rPr lang="en-US" spc="-9" smtClean="0"/>
+              <a:t>8</a:t>
+            </a:fld>
+            <a:endParaRPr spc="-9" dirty="0"/>
           </a:p>
         </p:txBody>
       </p:sp>
     </p:spTree>
     <p:extLst>
       <p:ext uri="{BB962C8B-B14F-4D97-AF65-F5344CB8AC3E}">
-        <p14:creationId xmlns:p14="http://schemas.microsoft.com/office/powerpoint/2010/main" val="1568228911"/>
+        <p14:creationId xmlns:p14="http://schemas.microsoft.com/office/powerpoint/2010/main" val="1617443408"/>
       </p:ext>
     </p:extLst>
   </p:cSld>
@@ -9856,147 +13733,564 @@
       </p:grpSpPr>
       <p:sp>
         <p:nvSpPr>
-          <p:cNvPr id="75778" name="Rectangle 2"/>
-          <p:cNvSpPr>
-            <a:spLocks noGrp="1" noChangeArrowheads="1"/>
-          </p:cNvSpPr>
-          <p:nvPr>
-            <p:ph type="title"/>
-          </p:nvPr>
-        </p:nvSpPr>
-        <p:spPr/>
-        <p:txBody>
-          <a:bodyPr/>
-          <a:lstStyle/>
-          <a:p>
-            <a:r>
-              <a:rPr lang="en-US" altLang="ko-KR" sz="4000">
-                <a:ea typeface="굴림" pitchFamily="34" charset="-127"/>
-              </a:rPr>
-              <a:t>1. </a:t>
-            </a:r>
-            <a:r>
-              <a:rPr lang="en-US" altLang="en-US" sz="4000"/>
-              <a:t>Feature </a:t>
-            </a:r>
-            <a:r>
-              <a:rPr lang="en-US" altLang="ko-KR" sz="4000">
-                <a:ea typeface="굴림" pitchFamily="34" charset="-127"/>
-              </a:rPr>
-              <a:t>dete</a:t>
-            </a:r>
-            <a:r>
-              <a:rPr lang="en-US" altLang="en-US" sz="4000"/>
-              <a:t>ction</a:t>
-            </a:r>
-          </a:p>
-        </p:txBody>
-      </p:sp>
-      <p:pic>
-        <p:nvPicPr>
-          <p:cNvPr id="75780" name="Picture 4"/>
-          <p:cNvPicPr>
-            <a:picLocks noChangeAspect="1" noChangeArrowheads="1"/>
-          </p:cNvPicPr>
+          <p:cNvPr id="2" name="object 2"/>
+          <p:cNvSpPr txBox="1"/>
           <p:nvPr/>
-        </p:nvPicPr>
-        <p:blipFill>
-          <a:blip r:embed="rId3">
-            <a:extLst>
-              <a:ext uri="{28A0092B-C50C-407E-A947-70E740481C1C}">
-                <a14:useLocalDpi xmlns:a14="http://schemas.microsoft.com/office/drawing/2010/main" val="0"/>
-              </a:ext>
-            </a:extLst>
-          </a:blip>
-          <a:srcRect/>
-          <a:stretch>
-            <a:fillRect/>
-          </a:stretch>
-        </p:blipFill>
-        <p:spPr bwMode="auto">
+        </p:nvSpPr>
+        <p:spPr>
           <a:xfrm>
-            <a:off x="236538" y="1905000"/>
-            <a:ext cx="5327650" cy="3916363"/>
+            <a:off x="1715370" y="869586"/>
+            <a:ext cx="4068041" cy="446276"/>
           </a:xfrm>
           <a:prstGeom prst="rect">
             <a:avLst/>
           </a:prstGeom>
-          <a:noFill/>
-          <a:extLst>
-            <a:ext uri="{909E8E84-426E-40DD-AFC4-6F175D3DCCD1}">
-              <a14:hiddenFill xmlns:a14="http://schemas.microsoft.com/office/drawing/2010/main">
-                <a:solidFill>
-                  <a:srgbClr val="FFFFFF"/>
-                </a:solidFill>
-              </a14:hiddenFill>
-            </a:ext>
-          </a:extLst>
         </p:spPr>
-      </p:pic>
-      <p:pic>
-        <p:nvPicPr>
-          <p:cNvPr id="75781" name="Picture 5"/>
-          <p:cNvPicPr>
-            <a:picLocks noGrp="1" noChangeAspect="1" noChangeArrowheads="1"/>
-          </p:cNvPicPr>
-          <p:nvPr>
-            <p:ph sz="half" idx="2"/>
-          </p:nvPr>
-        </p:nvPicPr>
-        <p:blipFill>
-          <a:blip r:embed="rId4">
-            <a:extLst>
-              <a:ext uri="{28A0092B-C50C-407E-A947-70E740481C1C}">
-                <a14:useLocalDpi xmlns:a14="http://schemas.microsoft.com/office/drawing/2010/main" val="0"/>
-              </a:ext>
-            </a:extLst>
-          </a:blip>
-          <a:srcRect/>
-          <a:stretch>
-            <a:fillRect/>
-          </a:stretch>
-        </p:blipFill>
+        <p:txBody>
+          <a:bodyPr vert="horz" wrap="square" lIns="0" tIns="0" rIns="0" bIns="0" rtlCol="0">
+            <a:spAutoFit/>
+          </a:bodyPr>
+          <a:lstStyle/>
+          <a:p>
+            <a:pPr marL="11391"/>
+            <a:r>
+              <a:rPr sz="2900" dirty="0">
+                <a:solidFill>
+                  <a:srgbClr val="333399"/>
+                </a:solidFill>
+                <a:latin typeface="Tahoma"/>
+                <a:cs typeface="Tahoma"/>
+              </a:rPr>
+              <a:t>Sc</a:t>
+            </a:r>
+            <a:r>
+              <a:rPr sz="2900" spc="-13" dirty="0">
+                <a:solidFill>
+                  <a:srgbClr val="333399"/>
+                </a:solidFill>
+                <a:latin typeface="Tahoma"/>
+                <a:cs typeface="Tahoma"/>
+              </a:rPr>
+              <a:t>ale</a:t>
+            </a:r>
+            <a:r>
+              <a:rPr sz="2900" spc="-4" dirty="0">
+                <a:solidFill>
+                  <a:srgbClr val="333399"/>
+                </a:solidFill>
+                <a:latin typeface="Tahoma"/>
+                <a:cs typeface="Tahoma"/>
+              </a:rPr>
+              <a:t> </a:t>
+            </a:r>
+            <a:r>
+              <a:rPr sz="2900" spc="-18" dirty="0">
+                <a:solidFill>
+                  <a:srgbClr val="333399"/>
+                </a:solidFill>
+                <a:latin typeface="Tahoma"/>
+                <a:cs typeface="Tahoma"/>
+              </a:rPr>
+              <a:t>In</a:t>
+            </a:r>
+            <a:r>
+              <a:rPr sz="2900" spc="-22" dirty="0">
+                <a:solidFill>
+                  <a:srgbClr val="333399"/>
+                </a:solidFill>
+                <a:latin typeface="Tahoma"/>
+                <a:cs typeface="Tahoma"/>
+              </a:rPr>
+              <a:t>v</a:t>
+            </a:r>
+            <a:r>
+              <a:rPr sz="2900" spc="-18" dirty="0">
+                <a:solidFill>
+                  <a:srgbClr val="333399"/>
+                </a:solidFill>
+                <a:latin typeface="Tahoma"/>
+                <a:cs typeface="Tahoma"/>
+              </a:rPr>
+              <a:t>a</a:t>
+            </a:r>
+            <a:r>
+              <a:rPr sz="2900" dirty="0">
+                <a:solidFill>
+                  <a:srgbClr val="333399"/>
+                </a:solidFill>
+                <a:latin typeface="Tahoma"/>
+                <a:cs typeface="Tahoma"/>
+              </a:rPr>
+              <a:t>r</a:t>
+            </a:r>
+            <a:r>
+              <a:rPr sz="2900" spc="-13" dirty="0">
+                <a:solidFill>
+                  <a:srgbClr val="333399"/>
+                </a:solidFill>
+                <a:latin typeface="Tahoma"/>
+                <a:cs typeface="Tahoma"/>
+              </a:rPr>
+              <a:t>ian</a:t>
+            </a:r>
+            <a:r>
+              <a:rPr sz="2900" dirty="0">
+                <a:solidFill>
+                  <a:srgbClr val="333399"/>
+                </a:solidFill>
+                <a:latin typeface="Tahoma"/>
+                <a:cs typeface="Tahoma"/>
+              </a:rPr>
+              <a:t>t</a:t>
+            </a:r>
+            <a:r>
+              <a:rPr sz="2900" spc="-4" dirty="0">
+                <a:solidFill>
+                  <a:srgbClr val="333399"/>
+                </a:solidFill>
+                <a:latin typeface="Tahoma"/>
+                <a:cs typeface="Tahoma"/>
+              </a:rPr>
+              <a:t> </a:t>
+            </a:r>
+            <a:r>
+              <a:rPr sz="2900" spc="-22" dirty="0">
+                <a:solidFill>
+                  <a:srgbClr val="333399"/>
+                </a:solidFill>
+                <a:latin typeface="Tahoma"/>
+                <a:cs typeface="Tahoma"/>
+              </a:rPr>
+              <a:t>d</a:t>
+            </a:r>
+            <a:r>
+              <a:rPr sz="2900" dirty="0">
+                <a:solidFill>
+                  <a:srgbClr val="333399"/>
+                </a:solidFill>
+                <a:latin typeface="Tahoma"/>
+                <a:cs typeface="Tahoma"/>
+              </a:rPr>
+              <a:t>etect</a:t>
+            </a:r>
+            <a:r>
+              <a:rPr sz="2900" spc="-13" dirty="0">
+                <a:solidFill>
+                  <a:srgbClr val="333399"/>
+                </a:solidFill>
+                <a:latin typeface="Tahoma"/>
+                <a:cs typeface="Tahoma"/>
+              </a:rPr>
+              <a:t>ion</a:t>
+            </a:r>
+            <a:endParaRPr sz="2900" dirty="0">
+              <a:latin typeface="Tahoma"/>
+              <a:cs typeface="Tahoma"/>
+            </a:endParaRPr>
+          </a:p>
+        </p:txBody>
+      </p:sp>
+      <p:sp>
+        <p:nvSpPr>
+          <p:cNvPr id="3" name="object 3"/>
+          <p:cNvSpPr txBox="1"/>
+          <p:nvPr/>
+        </p:nvSpPr>
         <p:spPr>
           <a:xfrm>
-            <a:off x="5395913" y="2371725"/>
-            <a:ext cx="3519487" cy="3163888"/>
+            <a:off x="1318490" y="1487100"/>
+            <a:ext cx="6632864" cy="677108"/>
           </a:xfrm>
-          <a:noFill/>
-          <a:ln/>
-          <a:extLst>
-            <a:ext uri="{909E8E84-426E-40DD-AFC4-6F175D3DCCD1}">
-              <a14:hiddenFill xmlns:a14="http://schemas.microsoft.com/office/drawing/2010/main">
-                <a:solidFill>
-                  <a:srgbClr val="FFFFFF"/>
-                </a:solidFill>
-              </a14:hiddenFill>
-            </a:ext>
-            <a:ext uri="{91240B29-F687-4F45-9708-019B960494DF}">
-              <a14:hiddenLine xmlns:a14="http://schemas.microsoft.com/office/drawing/2010/main" w="9525">
-                <a:solidFill>
-                  <a:srgbClr val="000000"/>
-                </a:solidFill>
-                <a:miter lim="800000"/>
-                <a:headEnd/>
-                <a:tailEnd/>
-              </a14:hiddenLine>
-            </a:ext>
-            <a:ext uri="{AF507438-7753-43E0-B8FC-AC1667EBCBE1}">
-              <a14:hiddenEffects xmlns:a14="http://schemas.microsoft.com/office/drawing/2010/main">
-                <a:effectLst>
-                  <a:outerShdw dist="35921" dir="2700000" algn="ctr" rotWithShape="0">
-                    <a:srgbClr val="808080"/>
-                  </a:outerShdw>
-                </a:effectLst>
-              </a14:hiddenEffects>
-            </a:ext>
-          </a:extLst>
+          <a:prstGeom prst="rect">
+            <a:avLst/>
+          </a:prstGeom>
         </p:spPr>
-      </p:pic>
+        <p:txBody>
+          <a:bodyPr vert="horz" wrap="square" lIns="0" tIns="0" rIns="0" bIns="0" rtlCol="0">
+            <a:spAutoFit/>
+          </a:bodyPr>
+          <a:lstStyle/>
+          <a:p>
+            <a:pPr marL="318966" indent="-307574">
+              <a:buClr>
+                <a:srgbClr val="3333CC"/>
+              </a:buClr>
+              <a:buSzPct val="58333"/>
+              <a:buFont typeface="Wingdings"/>
+              <a:buChar char=""/>
+              <a:tabLst>
+                <a:tab pos="318966" algn="l"/>
+              </a:tabLst>
+            </a:pPr>
+            <a:r>
+              <a:rPr sz="2200" dirty="0">
+                <a:latin typeface="Tahoma"/>
+                <a:cs typeface="Tahoma"/>
+              </a:rPr>
+              <a:t>How</a:t>
+            </a:r>
+            <a:r>
+              <a:rPr sz="2200" spc="-4" dirty="0">
+                <a:latin typeface="Tahoma"/>
+                <a:cs typeface="Tahoma"/>
+              </a:rPr>
+              <a:t> </a:t>
+            </a:r>
+            <a:r>
+              <a:rPr sz="2200" dirty="0">
+                <a:latin typeface="Tahoma"/>
+                <a:cs typeface="Tahoma"/>
+              </a:rPr>
+              <a:t>t</a:t>
+            </a:r>
+            <a:r>
+              <a:rPr sz="2200" spc="-13" dirty="0">
+                <a:latin typeface="Tahoma"/>
+                <a:cs typeface="Tahoma"/>
+              </a:rPr>
+              <a:t>o</a:t>
+            </a:r>
+            <a:r>
+              <a:rPr sz="2200" spc="-4" dirty="0">
+                <a:latin typeface="Tahoma"/>
+                <a:cs typeface="Tahoma"/>
+              </a:rPr>
+              <a:t> </a:t>
+            </a:r>
+            <a:r>
+              <a:rPr sz="2200" dirty="0">
+                <a:latin typeface="Tahoma"/>
+                <a:cs typeface="Tahoma"/>
+              </a:rPr>
+              <a:t>c</a:t>
+            </a:r>
+            <a:r>
+              <a:rPr sz="2200" spc="-13" dirty="0">
+                <a:latin typeface="Tahoma"/>
+                <a:cs typeface="Tahoma"/>
+              </a:rPr>
+              <a:t>h</a:t>
+            </a:r>
+            <a:r>
+              <a:rPr sz="2200" dirty="0">
+                <a:latin typeface="Tahoma"/>
+                <a:cs typeface="Tahoma"/>
+              </a:rPr>
+              <a:t>oose</a:t>
+            </a:r>
+            <a:r>
+              <a:rPr sz="2200" spc="-4" dirty="0">
+                <a:latin typeface="Tahoma"/>
+                <a:cs typeface="Tahoma"/>
+              </a:rPr>
+              <a:t> </a:t>
+            </a:r>
+            <a:r>
+              <a:rPr sz="2200" dirty="0">
+                <a:latin typeface="Tahoma"/>
+                <a:cs typeface="Tahoma"/>
+              </a:rPr>
+              <a:t>t</a:t>
+            </a:r>
+            <a:r>
+              <a:rPr sz="2200" spc="-13" dirty="0">
+                <a:latin typeface="Tahoma"/>
+                <a:cs typeface="Tahoma"/>
+              </a:rPr>
+              <a:t>h</a:t>
+            </a:r>
+            <a:r>
+              <a:rPr sz="2200" dirty="0">
+                <a:latin typeface="Tahoma"/>
+                <a:cs typeface="Tahoma"/>
+              </a:rPr>
+              <a:t>e</a:t>
+            </a:r>
+            <a:r>
+              <a:rPr sz="2200" spc="-4" dirty="0">
+                <a:latin typeface="Tahoma"/>
+                <a:cs typeface="Tahoma"/>
+              </a:rPr>
+              <a:t> </a:t>
+            </a:r>
+            <a:r>
+              <a:rPr sz="2200" dirty="0">
+                <a:latin typeface="Tahoma"/>
+                <a:cs typeface="Tahoma"/>
+              </a:rPr>
+              <a:t>s</a:t>
+            </a:r>
+            <a:r>
+              <a:rPr sz="2200" spc="-9" dirty="0">
+                <a:latin typeface="Tahoma"/>
+                <a:cs typeface="Tahoma"/>
+              </a:rPr>
+              <a:t>i</a:t>
+            </a:r>
+            <a:r>
+              <a:rPr sz="2200" dirty="0">
+                <a:latin typeface="Tahoma"/>
+                <a:cs typeface="Tahoma"/>
+              </a:rPr>
+              <a:t>ze</a:t>
+            </a:r>
+            <a:r>
+              <a:rPr sz="2200" spc="-4" dirty="0">
+                <a:latin typeface="Tahoma"/>
+                <a:cs typeface="Tahoma"/>
+              </a:rPr>
+              <a:t> </a:t>
+            </a:r>
+            <a:r>
+              <a:rPr sz="2200" dirty="0">
+                <a:latin typeface="Tahoma"/>
+                <a:cs typeface="Tahoma"/>
+              </a:rPr>
+              <a:t>of</a:t>
+            </a:r>
+            <a:r>
+              <a:rPr sz="2200" spc="-4" dirty="0">
+                <a:latin typeface="Tahoma"/>
+                <a:cs typeface="Tahoma"/>
+              </a:rPr>
+              <a:t> </a:t>
+            </a:r>
+            <a:r>
+              <a:rPr sz="2200" dirty="0">
+                <a:latin typeface="Tahoma"/>
+                <a:cs typeface="Tahoma"/>
+              </a:rPr>
+              <a:t>t</a:t>
+            </a:r>
+            <a:r>
+              <a:rPr sz="2200" spc="-13" dirty="0">
+                <a:latin typeface="Tahoma"/>
+                <a:cs typeface="Tahoma"/>
+              </a:rPr>
+              <a:t>h</a:t>
+            </a:r>
+            <a:r>
+              <a:rPr sz="2200" dirty="0">
+                <a:latin typeface="Tahoma"/>
+                <a:cs typeface="Tahoma"/>
+              </a:rPr>
+              <a:t>e</a:t>
+            </a:r>
+            <a:r>
+              <a:rPr sz="2200" spc="-4" dirty="0">
+                <a:latin typeface="Tahoma"/>
+                <a:cs typeface="Tahoma"/>
+              </a:rPr>
+              <a:t> </a:t>
+            </a:r>
+            <a:r>
+              <a:rPr sz="2200" dirty="0">
+                <a:latin typeface="Tahoma"/>
+                <a:cs typeface="Tahoma"/>
+              </a:rPr>
+              <a:t>re</a:t>
+            </a:r>
+            <a:r>
+              <a:rPr sz="2200" spc="-13" dirty="0">
+                <a:latin typeface="Tahoma"/>
+                <a:cs typeface="Tahoma"/>
+              </a:rPr>
+              <a:t>gion</a:t>
+            </a:r>
+            <a:r>
+              <a:rPr sz="2200" spc="-4" dirty="0">
+                <a:latin typeface="Tahoma"/>
+                <a:cs typeface="Tahoma"/>
+              </a:rPr>
+              <a:t> </a:t>
+            </a:r>
+            <a:r>
+              <a:rPr sz="2200" spc="-13" dirty="0">
+                <a:latin typeface="Tahoma"/>
+                <a:cs typeface="Tahoma"/>
+              </a:rPr>
+              <a:t>ind</a:t>
+            </a:r>
+            <a:r>
+              <a:rPr sz="2200" dirty="0">
+                <a:latin typeface="Tahoma"/>
+                <a:cs typeface="Tahoma"/>
+              </a:rPr>
+              <a:t>e</a:t>
+            </a:r>
+            <a:r>
+              <a:rPr sz="2200" spc="-13" dirty="0">
+                <a:latin typeface="Tahoma"/>
+                <a:cs typeface="Tahoma"/>
+              </a:rPr>
+              <a:t>p</a:t>
+            </a:r>
+            <a:r>
+              <a:rPr sz="2200" dirty="0">
+                <a:latin typeface="Tahoma"/>
+                <a:cs typeface="Tahoma"/>
+              </a:rPr>
+              <a:t>e</a:t>
+            </a:r>
+            <a:r>
+              <a:rPr sz="2200" spc="-13" dirty="0">
+                <a:latin typeface="Tahoma"/>
+                <a:cs typeface="Tahoma"/>
+              </a:rPr>
+              <a:t>nd</a:t>
+            </a:r>
+            <a:r>
+              <a:rPr sz="2200" dirty="0">
+                <a:latin typeface="Tahoma"/>
+                <a:cs typeface="Tahoma"/>
+              </a:rPr>
+              <a:t>e</a:t>
+            </a:r>
+            <a:r>
+              <a:rPr sz="2200" spc="-13" dirty="0">
+                <a:latin typeface="Tahoma"/>
+                <a:cs typeface="Tahoma"/>
+              </a:rPr>
+              <a:t>n</a:t>
+            </a:r>
+            <a:r>
+              <a:rPr sz="2200" dirty="0">
+                <a:latin typeface="Tahoma"/>
+                <a:cs typeface="Tahoma"/>
+              </a:rPr>
+              <a:t>t</a:t>
+            </a:r>
+            <a:r>
+              <a:rPr sz="2200" spc="-9" dirty="0">
+                <a:latin typeface="Tahoma"/>
+                <a:cs typeface="Tahoma"/>
+              </a:rPr>
+              <a:t>l</a:t>
+            </a:r>
+            <a:r>
+              <a:rPr sz="2200" dirty="0">
+                <a:latin typeface="Tahoma"/>
+                <a:cs typeface="Tahoma"/>
+              </a:rPr>
+              <a:t>y</a:t>
+            </a:r>
+            <a:endParaRPr sz="2200">
+              <a:latin typeface="Tahoma"/>
+              <a:cs typeface="Tahoma"/>
+            </a:endParaRPr>
+          </a:p>
+        </p:txBody>
+      </p:sp>
+      <p:sp>
+        <p:nvSpPr>
+          <p:cNvPr id="4" name="object 4"/>
+          <p:cNvSpPr txBox="1"/>
+          <p:nvPr/>
+        </p:nvSpPr>
+        <p:spPr>
+          <a:xfrm>
+            <a:off x="1270000" y="2442883"/>
+            <a:ext cx="6904182" cy="200055"/>
+          </a:xfrm>
+          <a:prstGeom prst="rect">
+            <a:avLst/>
+          </a:prstGeom>
+        </p:spPr>
+        <p:txBody>
+          <a:bodyPr vert="horz" wrap="square" lIns="0" tIns="0" rIns="0" bIns="0" rtlCol="0">
+            <a:spAutoFit/>
+          </a:bodyPr>
+          <a:lstStyle/>
+          <a:p>
+            <a:pPr marR="558191" algn="ctr"/>
+            <a:r>
+              <a:rPr sz="1300" spc="-9" dirty="0">
+                <a:latin typeface="Tahoma"/>
+                <a:cs typeface="Tahoma"/>
+              </a:rPr>
+              <a:t>CS </a:t>
+            </a:r>
+            <a:r>
+              <a:rPr sz="1300" spc="-13" dirty="0">
+                <a:latin typeface="Tahoma"/>
+                <a:cs typeface="Tahoma"/>
+              </a:rPr>
+              <a:t>685l</a:t>
+            </a:r>
+            <a:endParaRPr sz="1300">
+              <a:latin typeface="Tahoma"/>
+              <a:cs typeface="Tahoma"/>
+            </a:endParaRPr>
+          </a:p>
+        </p:txBody>
+      </p:sp>
+      <p:sp>
+        <p:nvSpPr>
+          <p:cNvPr id="5" name="object 5"/>
+          <p:cNvSpPr/>
+          <p:nvPr/>
+        </p:nvSpPr>
+        <p:spPr>
+          <a:xfrm>
+            <a:off x="1270000" y="2442887"/>
+            <a:ext cx="6904180" cy="3877234"/>
+          </a:xfrm>
+          <a:prstGeom prst="rect">
+            <a:avLst/>
+          </a:prstGeom>
+          <a:blipFill>
+            <a:blip r:embed="rId3" cstate="print"/>
+            <a:stretch>
+              <a:fillRect/>
+            </a:stretch>
+          </a:blipFill>
+        </p:spPr>
+        <p:txBody>
+          <a:bodyPr wrap="square" lIns="0" tIns="0" rIns="0" bIns="0" rtlCol="0"/>
+          <a:lstStyle/>
+          <a:p>
+            <a:endParaRPr/>
+          </a:p>
+        </p:txBody>
+      </p:sp>
+      <p:sp>
+        <p:nvSpPr>
+          <p:cNvPr id="6" name="object 6"/>
+          <p:cNvSpPr txBox="1">
+            <a:spLocks noGrp="1"/>
+          </p:cNvSpPr>
+          <p:nvPr>
+            <p:ph type="sldNum" sz="quarter" idx="4294967295"/>
+          </p:nvPr>
+        </p:nvSpPr>
+        <p:spPr>
+          <a:xfrm>
+            <a:off x="8183100" y="6102955"/>
+            <a:ext cx="311150" cy="276999"/>
+          </a:xfrm>
+          <a:prstGeom prst="rect">
+            <a:avLst/>
+          </a:prstGeom>
+        </p:spPr>
+        <p:txBody>
+          <a:bodyPr vert="horz" wrap="square" lIns="0" tIns="0" rIns="0" bIns="0" rtlCol="0">
+            <a:spAutoFit/>
+          </a:bodyPr>
+          <a:lstStyle/>
+          <a:p>
+            <a:pPr marL="109359"/>
+            <a:fld id="{2396C3F8-C0FA-464D-8901-003AAC5CC828}" type="slidenum">
+              <a:rPr lang="en-US" spc="-9" smtClean="0"/>
+              <a:t>9</a:t>
+            </a:fld>
+            <a:endParaRPr spc="-9" dirty="0"/>
+          </a:p>
+        </p:txBody>
+      </p:sp>
     </p:spTree>
     <p:extLst>
       <p:ext uri="{BB962C8B-B14F-4D97-AF65-F5344CB8AC3E}">
-        <p14:creationId xmlns:p14="http://schemas.microsoft.com/office/powerpoint/2010/main" val="420173578"/>
+        <p14:creationId xmlns:p14="http://schemas.microsoft.com/office/powerpoint/2010/main" val="4135308206"/>
       </p:ext>
     </p:extLst>
   </p:cSld>
